--- a/Documentation/TDL presentation.pptx
+++ b/Documentation/TDL presentation.pptx
@@ -2,18 +2,22 @@
 <file path=ppt/presentation.xml><?xml version="1.0" encoding="utf-8"?>
 <p:presentation xmlns:a="http://schemas.openxmlformats.org/drawingml/2006/main" xmlns:r="http://schemas.openxmlformats.org/officeDocument/2006/relationships" xmlns:p="http://schemas.openxmlformats.org/presentationml/2006/main" saveSubsetFonts="1">
   <p:sldMasterIdLst>
-    <p:sldMasterId id="2147483648" r:id="rId1"/>
+    <p:sldMasterId id="2147483844" r:id="rId1"/>
   </p:sldMasterIdLst>
   <p:sldIdLst>
     <p:sldId id="256" r:id="rId2"/>
     <p:sldId id="257" r:id="rId3"/>
-    <p:sldId id="258" r:id="rId4"/>
-    <p:sldId id="259" r:id="rId5"/>
-    <p:sldId id="260" r:id="rId6"/>
-    <p:sldId id="261" r:id="rId7"/>
-    <p:sldId id="262" r:id="rId8"/>
-    <p:sldId id="263" r:id="rId9"/>
-    <p:sldId id="264" r:id="rId10"/>
+    <p:sldId id="268" r:id="rId4"/>
+    <p:sldId id="266" r:id="rId5"/>
+    <p:sldId id="258" r:id="rId6"/>
+    <p:sldId id="259" r:id="rId7"/>
+    <p:sldId id="260" r:id="rId8"/>
+    <p:sldId id="267" r:id="rId9"/>
+    <p:sldId id="261" r:id="rId10"/>
+    <p:sldId id="265" r:id="rId11"/>
+    <p:sldId id="262" r:id="rId12"/>
+    <p:sldId id="263" r:id="rId13"/>
+    <p:sldId id="264" r:id="rId14"/>
   </p:sldIdLst>
   <p:sldSz cx="12192000" cy="6858000"/>
   <p:notesSz cx="6858000" cy="9144000"/>
@@ -21,7 +25,7 @@
     <a:defPPr>
       <a:defRPr lang="en-US"/>
     </a:defPPr>
-    <a:lvl1pPr marL="0" algn="l" defTabSz="914400" rtl="0" eaLnBrk="1" latinLnBrk="0" hangingPunct="1">
+    <a:lvl1pPr marL="0" algn="l" defTabSz="457200" rtl="0" eaLnBrk="1" latinLnBrk="0" hangingPunct="1">
       <a:defRPr sz="1800" kern="1200">
         <a:solidFill>
           <a:schemeClr val="tx1"/>
@@ -31,7 +35,7 @@
         <a:cs typeface="+mn-cs"/>
       </a:defRPr>
     </a:lvl1pPr>
-    <a:lvl2pPr marL="457200" algn="l" defTabSz="914400" rtl="0" eaLnBrk="1" latinLnBrk="0" hangingPunct="1">
+    <a:lvl2pPr marL="457200" algn="l" defTabSz="457200" rtl="0" eaLnBrk="1" latinLnBrk="0" hangingPunct="1">
       <a:defRPr sz="1800" kern="1200">
         <a:solidFill>
           <a:schemeClr val="tx1"/>
@@ -41,7 +45,7 @@
         <a:cs typeface="+mn-cs"/>
       </a:defRPr>
     </a:lvl2pPr>
-    <a:lvl3pPr marL="914400" algn="l" defTabSz="914400" rtl="0" eaLnBrk="1" latinLnBrk="0" hangingPunct="1">
+    <a:lvl3pPr marL="914400" algn="l" defTabSz="457200" rtl="0" eaLnBrk="1" latinLnBrk="0" hangingPunct="1">
       <a:defRPr sz="1800" kern="1200">
         <a:solidFill>
           <a:schemeClr val="tx1"/>
@@ -51,7 +55,7 @@
         <a:cs typeface="+mn-cs"/>
       </a:defRPr>
     </a:lvl3pPr>
-    <a:lvl4pPr marL="1371600" algn="l" defTabSz="914400" rtl="0" eaLnBrk="1" latinLnBrk="0" hangingPunct="1">
+    <a:lvl4pPr marL="1371600" algn="l" defTabSz="457200" rtl="0" eaLnBrk="1" latinLnBrk="0" hangingPunct="1">
       <a:defRPr sz="1800" kern="1200">
         <a:solidFill>
           <a:schemeClr val="tx1"/>
@@ -61,7 +65,7 @@
         <a:cs typeface="+mn-cs"/>
       </a:defRPr>
     </a:lvl4pPr>
-    <a:lvl5pPr marL="1828800" algn="l" defTabSz="914400" rtl="0" eaLnBrk="1" latinLnBrk="0" hangingPunct="1">
+    <a:lvl5pPr marL="1828800" algn="l" defTabSz="457200" rtl="0" eaLnBrk="1" latinLnBrk="0" hangingPunct="1">
       <a:defRPr sz="1800" kern="1200">
         <a:solidFill>
           <a:schemeClr val="tx1"/>
@@ -71,7 +75,7 @@
         <a:cs typeface="+mn-cs"/>
       </a:defRPr>
     </a:lvl5pPr>
-    <a:lvl6pPr marL="2286000" algn="l" defTabSz="914400" rtl="0" eaLnBrk="1" latinLnBrk="0" hangingPunct="1">
+    <a:lvl6pPr marL="2286000" algn="l" defTabSz="457200" rtl="0" eaLnBrk="1" latinLnBrk="0" hangingPunct="1">
       <a:defRPr sz="1800" kern="1200">
         <a:solidFill>
           <a:schemeClr val="tx1"/>
@@ -81,7 +85,7 @@
         <a:cs typeface="+mn-cs"/>
       </a:defRPr>
     </a:lvl6pPr>
-    <a:lvl7pPr marL="2743200" algn="l" defTabSz="914400" rtl="0" eaLnBrk="1" latinLnBrk="0" hangingPunct="1">
+    <a:lvl7pPr marL="2743200" algn="l" defTabSz="457200" rtl="0" eaLnBrk="1" latinLnBrk="0" hangingPunct="1">
       <a:defRPr sz="1800" kern="1200">
         <a:solidFill>
           <a:schemeClr val="tx1"/>
@@ -91,7 +95,7 @@
         <a:cs typeface="+mn-cs"/>
       </a:defRPr>
     </a:lvl7pPr>
-    <a:lvl8pPr marL="3200400" algn="l" defTabSz="914400" rtl="0" eaLnBrk="1" latinLnBrk="0" hangingPunct="1">
+    <a:lvl8pPr marL="3200400" algn="l" defTabSz="457200" rtl="0" eaLnBrk="1" latinLnBrk="0" hangingPunct="1">
       <a:defRPr sz="1800" kern="1200">
         <a:solidFill>
           <a:schemeClr val="tx1"/>
@@ -101,7 +105,7 @@
         <a:cs typeface="+mn-cs"/>
       </a:defRPr>
     </a:lvl8pPr>
-    <a:lvl9pPr marL="3657600" algn="l" defTabSz="914400" rtl="0" eaLnBrk="1" latinLnBrk="0" hangingPunct="1">
+    <a:lvl9pPr marL="3657600" algn="l" defTabSz="457200" rtl="0" eaLnBrk="1" latinLnBrk="0" hangingPunct="1">
       <a:defRPr sz="1800" kern="1200">
         <a:solidFill>
           <a:schemeClr val="tx1"/>
@@ -112,6 +116,11 @@
       </a:defRPr>
     </a:lvl9pPr>
   </p:defaultTextStyle>
+  <p:extLst>
+    <p:ext uri="{EFAFB233-063F-42B5-8137-9DF3F51BA10A}">
+      <p15:sldGuideLst xmlns:p15="http://schemas.microsoft.com/office/powerpoint/2012/main"/>
+    </p:ext>
+  </p:extLst>
 </p:presentation>
 </file>
 
@@ -134,13 +143,7 @@
       </p:grpSpPr>
       <p:sp>
         <p:nvSpPr>
-          <p:cNvPr id="2" name="Title 1">
-            <a:extLst>
-              <a:ext uri="{FF2B5EF4-FFF2-40B4-BE49-F238E27FC236}">
-                <a16:creationId xmlns:a16="http://schemas.microsoft.com/office/drawing/2014/main" id="{96FDF4BC-13CB-422A-8D7A-93DDF80D0D38}"/>
-              </a:ext>
-            </a:extLst>
-          </p:cNvPr>
+          <p:cNvPr id="2" name="Title 1"/>
           <p:cNvSpPr>
             <a:spLocks noGrp="1"/>
           </p:cNvSpPr>
@@ -150,15 +153,15 @@
         </p:nvSpPr>
         <p:spPr>
           <a:xfrm>
-            <a:off x="1524000" y="1122363"/>
-            <a:ext cx="9144000" cy="2387600"/>
+            <a:off x="1154955" y="1447800"/>
+            <a:ext cx="8825658" cy="3329581"/>
           </a:xfrm>
         </p:spPr>
         <p:txBody>
           <a:bodyPr anchor="b"/>
           <a:lstStyle>
-            <a:lvl1pPr algn="ctr">
-              <a:defRPr sz="6000"/>
+            <a:lvl1pPr>
+              <a:defRPr sz="7200"/>
             </a:lvl1pPr>
           </a:lstStyle>
           <a:p>
@@ -166,19 +169,13 @@
               <a:rPr lang="en-US"/>
               <a:t>Click to edit Master title style</a:t>
             </a:r>
-            <a:endParaRPr lang="en-GB"/>
-          </a:p>
-        </p:txBody>
-      </p:sp>
-      <p:sp>
-        <p:nvSpPr>
-          <p:cNvPr id="3" name="Subtitle 2">
-            <a:extLst>
-              <a:ext uri="{FF2B5EF4-FFF2-40B4-BE49-F238E27FC236}">
-                <a16:creationId xmlns:a16="http://schemas.microsoft.com/office/drawing/2014/main" id="{9337AD7B-6357-4B8E-BEAE-A677B3C2CA38}"/>
-              </a:ext>
-            </a:extLst>
-          </p:cNvPr>
+            <a:endParaRPr lang="en-US" dirty="0"/>
+          </a:p>
+        </p:txBody>
+      </p:sp>
+      <p:sp>
+        <p:nvSpPr>
+          <p:cNvPr id="3" name="Subtitle 2"/>
           <p:cNvSpPr>
             <a:spLocks noGrp="1"/>
           </p:cNvSpPr>
@@ -188,48 +185,100 @@
         </p:nvSpPr>
         <p:spPr>
           <a:xfrm>
-            <a:off x="1524000" y="3602038"/>
-            <a:ext cx="9144000" cy="1655762"/>
-          </a:xfrm>
-        </p:spPr>
-        <p:txBody>
-          <a:bodyPr/>
+            <a:off x="1154955" y="4777380"/>
+            <a:ext cx="8825658" cy="861420"/>
+          </a:xfrm>
+        </p:spPr>
+        <p:txBody>
+          <a:bodyPr anchor="t"/>
           <a:lstStyle>
-            <a:lvl1pPr marL="0" indent="0" algn="ctr">
-              <a:buNone/>
-              <a:defRPr sz="2400"/>
+            <a:lvl1pPr marL="0" indent="0" algn="l">
+              <a:buNone/>
+              <a:defRPr cap="all">
+                <a:solidFill>
+                  <a:schemeClr val="accent1"/>
+                </a:solidFill>
+              </a:defRPr>
             </a:lvl1pPr>
             <a:lvl2pPr marL="457200" indent="0" algn="ctr">
               <a:buNone/>
-              <a:defRPr sz="2000"/>
+              <a:defRPr>
+                <a:solidFill>
+                  <a:schemeClr val="tx1">
+                    <a:tint val="75000"/>
+                  </a:schemeClr>
+                </a:solidFill>
+              </a:defRPr>
             </a:lvl2pPr>
             <a:lvl3pPr marL="914400" indent="0" algn="ctr">
               <a:buNone/>
-              <a:defRPr sz="1800"/>
+              <a:defRPr>
+                <a:solidFill>
+                  <a:schemeClr val="tx1">
+                    <a:tint val="75000"/>
+                  </a:schemeClr>
+                </a:solidFill>
+              </a:defRPr>
             </a:lvl3pPr>
             <a:lvl4pPr marL="1371600" indent="0" algn="ctr">
               <a:buNone/>
-              <a:defRPr sz="1600"/>
+              <a:defRPr>
+                <a:solidFill>
+                  <a:schemeClr val="tx1">
+                    <a:tint val="75000"/>
+                  </a:schemeClr>
+                </a:solidFill>
+              </a:defRPr>
             </a:lvl4pPr>
             <a:lvl5pPr marL="1828800" indent="0" algn="ctr">
               <a:buNone/>
-              <a:defRPr sz="1600"/>
+              <a:defRPr>
+                <a:solidFill>
+                  <a:schemeClr val="tx1">
+                    <a:tint val="75000"/>
+                  </a:schemeClr>
+                </a:solidFill>
+              </a:defRPr>
             </a:lvl5pPr>
             <a:lvl6pPr marL="2286000" indent="0" algn="ctr">
               <a:buNone/>
-              <a:defRPr sz="1600"/>
+              <a:defRPr>
+                <a:solidFill>
+                  <a:schemeClr val="tx1">
+                    <a:tint val="75000"/>
+                  </a:schemeClr>
+                </a:solidFill>
+              </a:defRPr>
             </a:lvl6pPr>
             <a:lvl7pPr marL="2743200" indent="0" algn="ctr">
               <a:buNone/>
-              <a:defRPr sz="1600"/>
+              <a:defRPr>
+                <a:solidFill>
+                  <a:schemeClr val="tx1">
+                    <a:tint val="75000"/>
+                  </a:schemeClr>
+                </a:solidFill>
+              </a:defRPr>
             </a:lvl7pPr>
             <a:lvl8pPr marL="3200400" indent="0" algn="ctr">
               <a:buNone/>
-              <a:defRPr sz="1600"/>
+              <a:defRPr>
+                <a:solidFill>
+                  <a:schemeClr val="tx1">
+                    <a:tint val="75000"/>
+                  </a:schemeClr>
+                </a:solidFill>
+              </a:defRPr>
             </a:lvl8pPr>
             <a:lvl9pPr marL="3657600" indent="0" algn="ctr">
               <a:buNone/>
-              <a:defRPr sz="1600"/>
+              <a:defRPr>
+                <a:solidFill>
+                  <a:schemeClr val="tx1">
+                    <a:tint val="75000"/>
+                  </a:schemeClr>
+                </a:solidFill>
+              </a:defRPr>
             </a:lvl9pPr>
           </a:lstStyle>
           <a:p>
@@ -237,19 +286,13 @@
               <a:rPr lang="en-US"/>
               <a:t>Click to edit Master subtitle style</a:t>
             </a:r>
-            <a:endParaRPr lang="en-GB"/>
-          </a:p>
-        </p:txBody>
-      </p:sp>
-      <p:sp>
-        <p:nvSpPr>
-          <p:cNvPr id="4" name="Date Placeholder 3">
-            <a:extLst>
-              <a:ext uri="{FF2B5EF4-FFF2-40B4-BE49-F238E27FC236}">
-                <a16:creationId xmlns:a16="http://schemas.microsoft.com/office/drawing/2014/main" id="{82394A42-F381-4D97-BAC7-34CC2AFD58F4}"/>
-              </a:ext>
-            </a:extLst>
-          </p:cNvPr>
+            <a:endParaRPr lang="en-US" dirty="0"/>
+          </a:p>
+        </p:txBody>
+      </p:sp>
+      <p:sp>
+        <p:nvSpPr>
+          <p:cNvPr id="4" name="Date Placeholder 3"/>
           <p:cNvSpPr>
             <a:spLocks noGrp="1"/>
           </p:cNvSpPr>
@@ -264,7 +307,7 @@
           <a:p>
             <a:fld id="{0D833A45-15C2-4C6A-A9BD-BB2D0724BFD9}" type="datetimeFigureOut">
               <a:rPr lang="en-GB" smtClean="0"/>
-              <a:t>21/03/2021</a:t>
+              <a:t>22/03/2021</a:t>
             </a:fld>
             <a:endParaRPr lang="en-GB"/>
           </a:p>
@@ -272,13 +315,7 @@
       </p:sp>
       <p:sp>
         <p:nvSpPr>
-          <p:cNvPr id="5" name="Footer Placeholder 4">
-            <a:extLst>
-              <a:ext uri="{FF2B5EF4-FFF2-40B4-BE49-F238E27FC236}">
-                <a16:creationId xmlns:a16="http://schemas.microsoft.com/office/drawing/2014/main" id="{C50EF96A-4C8D-4CAB-8A40-DCBEF682E7E1}"/>
-              </a:ext>
-            </a:extLst>
-          </p:cNvPr>
+          <p:cNvPr id="5" name="Footer Placeholder 4"/>
           <p:cNvSpPr>
             <a:spLocks noGrp="1"/>
           </p:cNvSpPr>
@@ -297,13 +334,7 @@
       </p:sp>
       <p:sp>
         <p:nvSpPr>
-          <p:cNvPr id="6" name="Slide Number Placeholder 5">
-            <a:extLst>
-              <a:ext uri="{FF2B5EF4-FFF2-40B4-BE49-F238E27FC236}">
-                <a16:creationId xmlns:a16="http://schemas.microsoft.com/office/drawing/2014/main" id="{FC22ACB7-8342-48A2-8EF6-34686A0728C0}"/>
-              </a:ext>
-            </a:extLst>
-          </p:cNvPr>
+          <p:cNvPr id="6" name="Slide Number Placeholder 5"/>
           <p:cNvSpPr>
             <a:spLocks noGrp="1"/>
           </p:cNvSpPr>
@@ -327,7 +358,7 @@
     </p:spTree>
     <p:extLst>
       <p:ext uri="{BB962C8B-B14F-4D97-AF65-F5344CB8AC3E}">
-        <p14:creationId xmlns:p14="http://schemas.microsoft.com/office/powerpoint/2010/main" val="2141446933"/>
+        <p14:creationId xmlns:p14="http://schemas.microsoft.com/office/powerpoint/2010/main" val="1889604943"/>
       </p:ext>
     </p:extLst>
   </p:cSld>
@@ -338,6 +369,2532 @@
 </file>
 
 <file path=ppt/slideLayouts/slideLayout10.xml><?xml version="1.0" encoding="utf-8"?>
+<p:sldLayout xmlns:a="http://schemas.openxmlformats.org/drawingml/2006/main" xmlns:r="http://schemas.openxmlformats.org/officeDocument/2006/relationships" xmlns:p="http://schemas.openxmlformats.org/presentationml/2006/main" preserve="1">
+  <p:cSld name="Panoramic Picture with Caption">
+    <p:spTree>
+      <p:nvGrpSpPr>
+        <p:cNvPr id="1" name=""/>
+        <p:cNvGrpSpPr/>
+        <p:nvPr/>
+      </p:nvGrpSpPr>
+      <p:grpSpPr>
+        <a:xfrm>
+          <a:off x="0" y="0"/>
+          <a:ext cx="0" cy="0"/>
+          <a:chOff x="0" y="0"/>
+          <a:chExt cx="0" cy="0"/>
+        </a:xfrm>
+      </p:grpSpPr>
+      <p:sp>
+        <p:nvSpPr>
+          <p:cNvPr id="2" name="Title 1"/>
+          <p:cNvSpPr>
+            <a:spLocks noGrp="1"/>
+          </p:cNvSpPr>
+          <p:nvPr>
+            <p:ph type="title"/>
+          </p:nvPr>
+        </p:nvSpPr>
+        <p:spPr>
+          <a:xfrm>
+            <a:off x="1154956" y="4800587"/>
+            <a:ext cx="8825657" cy="566738"/>
+          </a:xfrm>
+        </p:spPr>
+        <p:txBody>
+          <a:bodyPr anchor="b">
+            <a:normAutofit/>
+          </a:bodyPr>
+          <a:lstStyle>
+            <a:lvl1pPr algn="l">
+              <a:defRPr sz="2400" b="0"/>
+            </a:lvl1pPr>
+          </a:lstStyle>
+          <a:p>
+            <a:r>
+              <a:rPr lang="en-US"/>
+              <a:t>Click to edit Master title style</a:t>
+            </a:r>
+            <a:endParaRPr lang="en-US" dirty="0"/>
+          </a:p>
+        </p:txBody>
+      </p:sp>
+      <p:sp>
+        <p:nvSpPr>
+          <p:cNvPr id="3" name="Picture Placeholder 2"/>
+          <p:cNvSpPr>
+            <a:spLocks noGrp="1" noChangeAspect="1"/>
+          </p:cNvSpPr>
+          <p:nvPr>
+            <p:ph type="pic" idx="1"/>
+          </p:nvPr>
+        </p:nvSpPr>
+        <p:spPr>
+          <a:xfrm>
+            <a:off x="1154955" y="685800"/>
+            <a:ext cx="8825658" cy="3640666"/>
+          </a:xfrm>
+          <a:prstGeom prst="roundRect">
+            <a:avLst>
+              <a:gd name="adj" fmla="val 1858"/>
+            </a:avLst>
+          </a:prstGeom>
+          <a:effectLst>
+            <a:outerShdw blurRad="50800" dist="50800" dir="5400000" algn="tl" rotWithShape="0">
+              <a:srgbClr val="000000">
+                <a:alpha val="43000"/>
+              </a:srgbClr>
+            </a:outerShdw>
+          </a:effectLst>
+        </p:spPr>
+        <p:txBody>
+          <a:bodyPr anchor="t">
+            <a:normAutofit/>
+          </a:bodyPr>
+          <a:lstStyle>
+            <a:lvl1pPr marL="0" indent="0" algn="ctr">
+              <a:buNone/>
+              <a:defRPr sz="1600"/>
+            </a:lvl1pPr>
+            <a:lvl2pPr marL="457200" indent="0">
+              <a:buNone/>
+              <a:defRPr sz="1600"/>
+            </a:lvl2pPr>
+            <a:lvl3pPr marL="914400" indent="0">
+              <a:buNone/>
+              <a:defRPr sz="1600"/>
+            </a:lvl3pPr>
+            <a:lvl4pPr marL="1371600" indent="0">
+              <a:buNone/>
+              <a:defRPr sz="1600"/>
+            </a:lvl4pPr>
+            <a:lvl5pPr marL="1828800" indent="0">
+              <a:buNone/>
+              <a:defRPr sz="1600"/>
+            </a:lvl5pPr>
+            <a:lvl6pPr marL="2286000" indent="0">
+              <a:buNone/>
+              <a:defRPr sz="1600"/>
+            </a:lvl6pPr>
+            <a:lvl7pPr marL="2743200" indent="0">
+              <a:buNone/>
+              <a:defRPr sz="1600"/>
+            </a:lvl7pPr>
+            <a:lvl8pPr marL="3200400" indent="0">
+              <a:buNone/>
+              <a:defRPr sz="1600"/>
+            </a:lvl8pPr>
+            <a:lvl9pPr marL="3657600" indent="0">
+              <a:buNone/>
+              <a:defRPr sz="1600"/>
+            </a:lvl9pPr>
+          </a:lstStyle>
+          <a:p>
+            <a:r>
+              <a:rPr lang="en-US"/>
+              <a:t>Click icon to add picture</a:t>
+            </a:r>
+            <a:endParaRPr lang="en-US" dirty="0"/>
+          </a:p>
+        </p:txBody>
+      </p:sp>
+      <p:sp>
+        <p:nvSpPr>
+          <p:cNvPr id="4" name="Text Placeholder 3"/>
+          <p:cNvSpPr>
+            <a:spLocks noGrp="1"/>
+          </p:cNvSpPr>
+          <p:nvPr>
+            <p:ph type="body" sz="half" idx="2"/>
+          </p:nvPr>
+        </p:nvSpPr>
+        <p:spPr>
+          <a:xfrm>
+            <a:off x="1154956" y="5367325"/>
+            <a:ext cx="8825656" cy="493712"/>
+          </a:xfrm>
+        </p:spPr>
+        <p:txBody>
+          <a:bodyPr>
+            <a:normAutofit/>
+          </a:bodyPr>
+          <a:lstStyle>
+            <a:lvl1pPr marL="0" indent="0">
+              <a:buNone/>
+              <a:defRPr sz="1200"/>
+            </a:lvl1pPr>
+            <a:lvl2pPr marL="457200" indent="0">
+              <a:buNone/>
+              <a:defRPr sz="1200"/>
+            </a:lvl2pPr>
+            <a:lvl3pPr marL="914400" indent="0">
+              <a:buNone/>
+              <a:defRPr sz="1000"/>
+            </a:lvl3pPr>
+            <a:lvl4pPr marL="1371600" indent="0">
+              <a:buNone/>
+              <a:defRPr sz="900"/>
+            </a:lvl4pPr>
+            <a:lvl5pPr marL="1828800" indent="0">
+              <a:buNone/>
+              <a:defRPr sz="900"/>
+            </a:lvl5pPr>
+            <a:lvl6pPr marL="2286000" indent="0">
+              <a:buNone/>
+              <a:defRPr sz="900"/>
+            </a:lvl6pPr>
+            <a:lvl7pPr marL="2743200" indent="0">
+              <a:buNone/>
+              <a:defRPr sz="900"/>
+            </a:lvl7pPr>
+            <a:lvl8pPr marL="3200400" indent="0">
+              <a:buNone/>
+              <a:defRPr sz="900"/>
+            </a:lvl8pPr>
+            <a:lvl9pPr marL="3657600" indent="0">
+              <a:buNone/>
+              <a:defRPr sz="900"/>
+            </a:lvl9pPr>
+          </a:lstStyle>
+          <a:p>
+            <a:pPr lvl="0"/>
+            <a:r>
+              <a:rPr lang="en-US"/>
+              <a:t>Click to edit Master text styles</a:t>
+            </a:r>
+          </a:p>
+        </p:txBody>
+      </p:sp>
+      <p:sp>
+        <p:nvSpPr>
+          <p:cNvPr id="5" name="Date Placeholder 4"/>
+          <p:cNvSpPr>
+            <a:spLocks noGrp="1"/>
+          </p:cNvSpPr>
+          <p:nvPr>
+            <p:ph type="dt" sz="half" idx="10"/>
+          </p:nvPr>
+        </p:nvSpPr>
+        <p:spPr/>
+        <p:txBody>
+          <a:bodyPr/>
+          <a:lstStyle/>
+          <a:p>
+            <a:fld id="{0D833A45-15C2-4C6A-A9BD-BB2D0724BFD9}" type="datetimeFigureOut">
+              <a:rPr lang="en-GB" smtClean="0"/>
+              <a:t>22/03/2021</a:t>
+            </a:fld>
+            <a:endParaRPr lang="en-GB"/>
+          </a:p>
+        </p:txBody>
+      </p:sp>
+      <p:sp>
+        <p:nvSpPr>
+          <p:cNvPr id="6" name="Footer Placeholder 5"/>
+          <p:cNvSpPr>
+            <a:spLocks noGrp="1"/>
+          </p:cNvSpPr>
+          <p:nvPr>
+            <p:ph type="ftr" sz="quarter" idx="11"/>
+          </p:nvPr>
+        </p:nvSpPr>
+        <p:spPr/>
+        <p:txBody>
+          <a:bodyPr/>
+          <a:lstStyle/>
+          <a:p>
+            <a:endParaRPr lang="en-GB"/>
+          </a:p>
+        </p:txBody>
+      </p:sp>
+      <p:sp>
+        <p:nvSpPr>
+          <p:cNvPr id="7" name="Slide Number Placeholder 6"/>
+          <p:cNvSpPr>
+            <a:spLocks noGrp="1"/>
+          </p:cNvSpPr>
+          <p:nvPr>
+            <p:ph type="sldNum" sz="quarter" idx="12"/>
+          </p:nvPr>
+        </p:nvSpPr>
+        <p:spPr/>
+        <p:txBody>
+          <a:bodyPr/>
+          <a:lstStyle/>
+          <a:p>
+            <a:fld id="{7E95904D-A739-402D-BCBF-40FB37E1B671}" type="slidenum">
+              <a:rPr lang="en-GB" smtClean="0"/>
+              <a:t>‹#›</a:t>
+            </a:fld>
+            <a:endParaRPr lang="en-GB"/>
+          </a:p>
+        </p:txBody>
+      </p:sp>
+    </p:spTree>
+    <p:extLst>
+      <p:ext uri="{BB962C8B-B14F-4D97-AF65-F5344CB8AC3E}">
+        <p14:creationId xmlns:p14="http://schemas.microsoft.com/office/powerpoint/2010/main" val="1127017855"/>
+      </p:ext>
+    </p:extLst>
+  </p:cSld>
+  <p:clrMapOvr>
+    <a:masterClrMapping/>
+  </p:clrMapOvr>
+</p:sldLayout>
+</file>
+
+<file path=ppt/slideLayouts/slideLayout11.xml><?xml version="1.0" encoding="utf-8"?>
+<p:sldLayout xmlns:a="http://schemas.openxmlformats.org/drawingml/2006/main" xmlns:r="http://schemas.openxmlformats.org/officeDocument/2006/relationships" xmlns:p="http://schemas.openxmlformats.org/presentationml/2006/main" preserve="1">
+  <p:cSld name="Title and Caption">
+    <p:spTree>
+      <p:nvGrpSpPr>
+        <p:cNvPr id="1" name=""/>
+        <p:cNvGrpSpPr/>
+        <p:nvPr/>
+      </p:nvGrpSpPr>
+      <p:grpSpPr>
+        <a:xfrm>
+          <a:off x="0" y="0"/>
+          <a:ext cx="0" cy="0"/>
+          <a:chOff x="0" y="0"/>
+          <a:chExt cx="0" cy="0"/>
+        </a:xfrm>
+      </p:grpSpPr>
+      <p:sp>
+        <p:nvSpPr>
+          <p:cNvPr id="2" name="Title 1"/>
+          <p:cNvSpPr>
+            <a:spLocks noGrp="1"/>
+          </p:cNvSpPr>
+          <p:nvPr>
+            <p:ph type="title"/>
+          </p:nvPr>
+        </p:nvSpPr>
+        <p:spPr>
+          <a:xfrm>
+            <a:off x="1154954" y="1447800"/>
+            <a:ext cx="8825659" cy="1981200"/>
+          </a:xfrm>
+        </p:spPr>
+        <p:txBody>
+          <a:bodyPr/>
+          <a:lstStyle>
+            <a:lvl1pPr>
+              <a:defRPr sz="4800"/>
+            </a:lvl1pPr>
+          </a:lstStyle>
+          <a:p>
+            <a:r>
+              <a:rPr lang="en-US"/>
+              <a:t>Click to edit Master title style</a:t>
+            </a:r>
+            <a:endParaRPr lang="en-US" dirty="0"/>
+          </a:p>
+        </p:txBody>
+      </p:sp>
+      <p:sp>
+        <p:nvSpPr>
+          <p:cNvPr id="8" name="Text Placeholder 3"/>
+          <p:cNvSpPr>
+            <a:spLocks noGrp="1"/>
+          </p:cNvSpPr>
+          <p:nvPr>
+            <p:ph type="body" sz="half" idx="2"/>
+          </p:nvPr>
+        </p:nvSpPr>
+        <p:spPr>
+          <a:xfrm>
+            <a:off x="1154954" y="3657600"/>
+            <a:ext cx="8825659" cy="2362200"/>
+          </a:xfrm>
+        </p:spPr>
+        <p:txBody>
+          <a:bodyPr anchor="ctr">
+            <a:normAutofit/>
+          </a:bodyPr>
+          <a:lstStyle>
+            <a:lvl1pPr marL="0" indent="0">
+              <a:buNone/>
+              <a:defRPr sz="1800"/>
+            </a:lvl1pPr>
+            <a:lvl2pPr marL="457200" indent="0">
+              <a:buNone/>
+              <a:defRPr sz="1200"/>
+            </a:lvl2pPr>
+            <a:lvl3pPr marL="914400" indent="0">
+              <a:buNone/>
+              <a:defRPr sz="1000"/>
+            </a:lvl3pPr>
+            <a:lvl4pPr marL="1371600" indent="0">
+              <a:buNone/>
+              <a:defRPr sz="900"/>
+            </a:lvl4pPr>
+            <a:lvl5pPr marL="1828800" indent="0">
+              <a:buNone/>
+              <a:defRPr sz="900"/>
+            </a:lvl5pPr>
+            <a:lvl6pPr marL="2286000" indent="0">
+              <a:buNone/>
+              <a:defRPr sz="900"/>
+            </a:lvl6pPr>
+            <a:lvl7pPr marL="2743200" indent="0">
+              <a:buNone/>
+              <a:defRPr sz="900"/>
+            </a:lvl7pPr>
+            <a:lvl8pPr marL="3200400" indent="0">
+              <a:buNone/>
+              <a:defRPr sz="900"/>
+            </a:lvl8pPr>
+            <a:lvl9pPr marL="3657600" indent="0">
+              <a:buNone/>
+              <a:defRPr sz="900"/>
+            </a:lvl9pPr>
+          </a:lstStyle>
+          <a:p>
+            <a:pPr lvl="0"/>
+            <a:r>
+              <a:rPr lang="en-US"/>
+              <a:t>Click to edit Master text styles</a:t>
+            </a:r>
+          </a:p>
+        </p:txBody>
+      </p:sp>
+      <p:sp>
+        <p:nvSpPr>
+          <p:cNvPr id="4" name="Date Placeholder 3"/>
+          <p:cNvSpPr>
+            <a:spLocks noGrp="1"/>
+          </p:cNvSpPr>
+          <p:nvPr>
+            <p:ph type="dt" sz="half" idx="10"/>
+          </p:nvPr>
+        </p:nvSpPr>
+        <p:spPr/>
+        <p:txBody>
+          <a:bodyPr/>
+          <a:lstStyle/>
+          <a:p>
+            <a:fld id="{0D833A45-15C2-4C6A-A9BD-BB2D0724BFD9}" type="datetimeFigureOut">
+              <a:rPr lang="en-GB" smtClean="0"/>
+              <a:t>22/03/2021</a:t>
+            </a:fld>
+            <a:endParaRPr lang="en-GB"/>
+          </a:p>
+        </p:txBody>
+      </p:sp>
+      <p:sp>
+        <p:nvSpPr>
+          <p:cNvPr id="5" name="Footer Placeholder 4"/>
+          <p:cNvSpPr>
+            <a:spLocks noGrp="1"/>
+          </p:cNvSpPr>
+          <p:nvPr>
+            <p:ph type="ftr" sz="quarter" idx="11"/>
+          </p:nvPr>
+        </p:nvSpPr>
+        <p:spPr/>
+        <p:txBody>
+          <a:bodyPr/>
+          <a:lstStyle/>
+          <a:p>
+            <a:endParaRPr lang="en-GB"/>
+          </a:p>
+        </p:txBody>
+      </p:sp>
+      <p:sp>
+        <p:nvSpPr>
+          <p:cNvPr id="6" name="Slide Number Placeholder 5"/>
+          <p:cNvSpPr>
+            <a:spLocks noGrp="1"/>
+          </p:cNvSpPr>
+          <p:nvPr>
+            <p:ph type="sldNum" sz="quarter" idx="12"/>
+          </p:nvPr>
+        </p:nvSpPr>
+        <p:spPr/>
+        <p:txBody>
+          <a:bodyPr/>
+          <a:lstStyle/>
+          <a:p>
+            <a:fld id="{7E95904D-A739-402D-BCBF-40FB37E1B671}" type="slidenum">
+              <a:rPr lang="en-GB" smtClean="0"/>
+              <a:t>‹#›</a:t>
+            </a:fld>
+            <a:endParaRPr lang="en-GB"/>
+          </a:p>
+        </p:txBody>
+      </p:sp>
+    </p:spTree>
+    <p:extLst>
+      <p:ext uri="{BB962C8B-B14F-4D97-AF65-F5344CB8AC3E}">
+        <p14:creationId xmlns:p14="http://schemas.microsoft.com/office/powerpoint/2010/main" val="3658694133"/>
+      </p:ext>
+    </p:extLst>
+  </p:cSld>
+  <p:clrMapOvr>
+    <a:masterClrMapping/>
+  </p:clrMapOvr>
+</p:sldLayout>
+</file>
+
+<file path=ppt/slideLayouts/slideLayout12.xml><?xml version="1.0" encoding="utf-8"?>
+<p:sldLayout xmlns:a="http://schemas.openxmlformats.org/drawingml/2006/main" xmlns:r="http://schemas.openxmlformats.org/officeDocument/2006/relationships" xmlns:p="http://schemas.openxmlformats.org/presentationml/2006/main" preserve="1">
+  <p:cSld name="Quote with Caption">
+    <p:spTree>
+      <p:nvGrpSpPr>
+        <p:cNvPr id="1" name=""/>
+        <p:cNvGrpSpPr/>
+        <p:nvPr/>
+      </p:nvGrpSpPr>
+      <p:grpSpPr>
+        <a:xfrm>
+          <a:off x="0" y="0"/>
+          <a:ext cx="0" cy="0"/>
+          <a:chOff x="0" y="0"/>
+          <a:chExt cx="0" cy="0"/>
+        </a:xfrm>
+      </p:grpSpPr>
+      <p:sp>
+        <p:nvSpPr>
+          <p:cNvPr id="2" name="Title 1"/>
+          <p:cNvSpPr>
+            <a:spLocks noGrp="1"/>
+          </p:cNvSpPr>
+          <p:nvPr>
+            <p:ph type="title"/>
+          </p:nvPr>
+        </p:nvSpPr>
+        <p:spPr>
+          <a:xfrm>
+            <a:off x="1574801" y="1447800"/>
+            <a:ext cx="7999315" cy="2323374"/>
+          </a:xfrm>
+        </p:spPr>
+        <p:txBody>
+          <a:bodyPr/>
+          <a:lstStyle>
+            <a:lvl1pPr>
+              <a:defRPr sz="4800"/>
+            </a:lvl1pPr>
+          </a:lstStyle>
+          <a:p>
+            <a:r>
+              <a:rPr lang="en-US"/>
+              <a:t>Click to edit Master title style</a:t>
+            </a:r>
+            <a:endParaRPr lang="en-US" dirty="0"/>
+          </a:p>
+        </p:txBody>
+      </p:sp>
+      <p:sp>
+        <p:nvSpPr>
+          <p:cNvPr id="14" name="Text Placeholder 3"/>
+          <p:cNvSpPr>
+            <a:spLocks noGrp="1"/>
+          </p:cNvSpPr>
+          <p:nvPr>
+            <p:ph type="body" sz="half" idx="13"/>
+          </p:nvPr>
+        </p:nvSpPr>
+        <p:spPr>
+          <a:xfrm>
+            <a:off x="1930400" y="3771174"/>
+            <a:ext cx="7279649" cy="342174"/>
+          </a:xfrm>
+        </p:spPr>
+        <p:txBody>
+          <a:bodyPr anchor="t">
+            <a:normAutofit/>
+          </a:bodyPr>
+          <a:lstStyle>
+            <a:lvl1pPr marL="0" indent="0">
+              <a:buNone/>
+              <a:defRPr lang="en-US" sz="1400" b="0" i="0" kern="1200" cap="small" dirty="0">
+                <a:solidFill>
+                  <a:schemeClr val="accent1"/>
+                </a:solidFill>
+                <a:latin typeface="+mj-lt"/>
+                <a:ea typeface="+mj-ea"/>
+                <a:cs typeface="+mj-cs"/>
+              </a:defRPr>
+            </a:lvl1pPr>
+            <a:lvl2pPr marL="457200" indent="0">
+              <a:buNone/>
+              <a:defRPr sz="1200"/>
+            </a:lvl2pPr>
+            <a:lvl3pPr marL="914400" indent="0">
+              <a:buNone/>
+              <a:defRPr sz="1000"/>
+            </a:lvl3pPr>
+            <a:lvl4pPr marL="1371600" indent="0">
+              <a:buNone/>
+              <a:defRPr sz="900"/>
+            </a:lvl4pPr>
+            <a:lvl5pPr marL="1828800" indent="0">
+              <a:buNone/>
+              <a:defRPr sz="900"/>
+            </a:lvl5pPr>
+            <a:lvl6pPr marL="2286000" indent="0">
+              <a:buNone/>
+              <a:defRPr sz="900"/>
+            </a:lvl6pPr>
+            <a:lvl7pPr marL="2743200" indent="0">
+              <a:buNone/>
+              <a:defRPr sz="900"/>
+            </a:lvl7pPr>
+            <a:lvl8pPr marL="3200400" indent="0">
+              <a:buNone/>
+              <a:defRPr sz="900"/>
+            </a:lvl8pPr>
+            <a:lvl9pPr marL="3657600" indent="0">
+              <a:buNone/>
+              <a:defRPr sz="900"/>
+            </a:lvl9pPr>
+          </a:lstStyle>
+          <a:p>
+            <a:pPr lvl="0"/>
+            <a:r>
+              <a:rPr lang="en-US"/>
+              <a:t>Click to edit Master text styles</a:t>
+            </a:r>
+          </a:p>
+        </p:txBody>
+      </p:sp>
+      <p:sp>
+        <p:nvSpPr>
+          <p:cNvPr id="10" name="Text Placeholder 3"/>
+          <p:cNvSpPr>
+            <a:spLocks noGrp="1"/>
+          </p:cNvSpPr>
+          <p:nvPr>
+            <p:ph type="body" sz="half" idx="2"/>
+          </p:nvPr>
+        </p:nvSpPr>
+        <p:spPr>
+          <a:xfrm>
+            <a:off x="1154954" y="4350657"/>
+            <a:ext cx="8825659" cy="1676400"/>
+          </a:xfrm>
+        </p:spPr>
+        <p:txBody>
+          <a:bodyPr anchor="ctr">
+            <a:normAutofit/>
+          </a:bodyPr>
+          <a:lstStyle>
+            <a:lvl1pPr marL="0" indent="0">
+              <a:buNone/>
+              <a:defRPr sz="1800"/>
+            </a:lvl1pPr>
+            <a:lvl2pPr marL="457200" indent="0">
+              <a:buNone/>
+              <a:defRPr sz="1200"/>
+            </a:lvl2pPr>
+            <a:lvl3pPr marL="914400" indent="0">
+              <a:buNone/>
+              <a:defRPr sz="1000"/>
+            </a:lvl3pPr>
+            <a:lvl4pPr marL="1371600" indent="0">
+              <a:buNone/>
+              <a:defRPr sz="900"/>
+            </a:lvl4pPr>
+            <a:lvl5pPr marL="1828800" indent="0">
+              <a:buNone/>
+              <a:defRPr sz="900"/>
+            </a:lvl5pPr>
+            <a:lvl6pPr marL="2286000" indent="0">
+              <a:buNone/>
+              <a:defRPr sz="900"/>
+            </a:lvl6pPr>
+            <a:lvl7pPr marL="2743200" indent="0">
+              <a:buNone/>
+              <a:defRPr sz="900"/>
+            </a:lvl7pPr>
+            <a:lvl8pPr marL="3200400" indent="0">
+              <a:buNone/>
+              <a:defRPr sz="900"/>
+            </a:lvl8pPr>
+            <a:lvl9pPr marL="3657600" indent="0">
+              <a:buNone/>
+              <a:defRPr sz="900"/>
+            </a:lvl9pPr>
+          </a:lstStyle>
+          <a:p>
+            <a:pPr lvl="0"/>
+            <a:r>
+              <a:rPr lang="en-US"/>
+              <a:t>Click to edit Master text styles</a:t>
+            </a:r>
+          </a:p>
+        </p:txBody>
+      </p:sp>
+      <p:sp>
+        <p:nvSpPr>
+          <p:cNvPr id="4" name="Date Placeholder 3"/>
+          <p:cNvSpPr>
+            <a:spLocks noGrp="1"/>
+          </p:cNvSpPr>
+          <p:nvPr>
+            <p:ph type="dt" sz="half" idx="10"/>
+          </p:nvPr>
+        </p:nvSpPr>
+        <p:spPr/>
+        <p:txBody>
+          <a:bodyPr/>
+          <a:lstStyle/>
+          <a:p>
+            <a:fld id="{0D833A45-15C2-4C6A-A9BD-BB2D0724BFD9}" type="datetimeFigureOut">
+              <a:rPr lang="en-GB" smtClean="0"/>
+              <a:t>22/03/2021</a:t>
+            </a:fld>
+            <a:endParaRPr lang="en-GB"/>
+          </a:p>
+        </p:txBody>
+      </p:sp>
+      <p:sp>
+        <p:nvSpPr>
+          <p:cNvPr id="5" name="Footer Placeholder 4"/>
+          <p:cNvSpPr>
+            <a:spLocks noGrp="1"/>
+          </p:cNvSpPr>
+          <p:nvPr>
+            <p:ph type="ftr" sz="quarter" idx="11"/>
+          </p:nvPr>
+        </p:nvSpPr>
+        <p:spPr/>
+        <p:txBody>
+          <a:bodyPr/>
+          <a:lstStyle/>
+          <a:p>
+            <a:endParaRPr lang="en-GB"/>
+          </a:p>
+        </p:txBody>
+      </p:sp>
+      <p:sp>
+        <p:nvSpPr>
+          <p:cNvPr id="6" name="Slide Number Placeholder 5"/>
+          <p:cNvSpPr>
+            <a:spLocks noGrp="1"/>
+          </p:cNvSpPr>
+          <p:nvPr>
+            <p:ph type="sldNum" sz="quarter" idx="12"/>
+          </p:nvPr>
+        </p:nvSpPr>
+        <p:spPr/>
+        <p:txBody>
+          <a:bodyPr/>
+          <a:lstStyle/>
+          <a:p>
+            <a:fld id="{7E95904D-A739-402D-BCBF-40FB37E1B671}" type="slidenum">
+              <a:rPr lang="en-GB" smtClean="0"/>
+              <a:t>‹#›</a:t>
+            </a:fld>
+            <a:endParaRPr lang="en-GB"/>
+          </a:p>
+        </p:txBody>
+      </p:sp>
+      <p:sp>
+        <p:nvSpPr>
+          <p:cNvPr id="9" name="TextBox 8"/>
+          <p:cNvSpPr txBox="1"/>
+          <p:nvPr/>
+        </p:nvSpPr>
+        <p:spPr>
+          <a:xfrm>
+            <a:off x="898295" y="971253"/>
+            <a:ext cx="801912" cy="1969770"/>
+          </a:xfrm>
+          <a:prstGeom prst="rect">
+            <a:avLst/>
+          </a:prstGeom>
+          <a:noFill/>
+        </p:spPr>
+        <p:txBody>
+          <a:bodyPr wrap="square" rtlCol="0">
+            <a:spAutoFit/>
+          </a:bodyPr>
+          <a:lstStyle>
+            <a:defPPr>
+              <a:defRPr lang="en-US"/>
+            </a:defPPr>
+            <a:lvl1pPr algn="r">
+              <a:defRPr sz="12200" b="0" i="0">
+                <a:solidFill>
+                  <a:schemeClr val="accent1"/>
+                </a:solidFill>
+                <a:latin typeface="Arial"/>
+                <a:ea typeface="+mj-ea"/>
+                <a:cs typeface="+mj-cs"/>
+              </a:defRPr>
+            </a:lvl1pPr>
+          </a:lstStyle>
+          <a:p>
+            <a:pPr lvl="0"/>
+            <a:r>
+              <a:rPr lang="en-US" dirty="0"/>
+              <a:t>“</a:t>
+            </a:r>
+          </a:p>
+        </p:txBody>
+      </p:sp>
+      <p:sp>
+        <p:nvSpPr>
+          <p:cNvPr id="13" name="TextBox 12"/>
+          <p:cNvSpPr txBox="1"/>
+          <p:nvPr/>
+        </p:nvSpPr>
+        <p:spPr>
+          <a:xfrm>
+            <a:off x="9330490" y="2613787"/>
+            <a:ext cx="801912" cy="1969770"/>
+          </a:xfrm>
+          <a:prstGeom prst="rect">
+            <a:avLst/>
+          </a:prstGeom>
+          <a:noFill/>
+        </p:spPr>
+        <p:txBody>
+          <a:bodyPr wrap="square" rtlCol="0">
+            <a:spAutoFit/>
+          </a:bodyPr>
+          <a:lstStyle>
+            <a:defPPr>
+              <a:defRPr lang="en-US"/>
+            </a:defPPr>
+            <a:lvl1pPr algn="r">
+              <a:defRPr sz="12200" b="0" i="0">
+                <a:solidFill>
+                  <a:schemeClr val="accent1"/>
+                </a:solidFill>
+                <a:latin typeface="Arial"/>
+                <a:ea typeface="+mj-ea"/>
+                <a:cs typeface="+mj-cs"/>
+              </a:defRPr>
+            </a:lvl1pPr>
+          </a:lstStyle>
+          <a:p>
+            <a:pPr lvl="0"/>
+            <a:r>
+              <a:rPr lang="en-US" dirty="0"/>
+              <a:t>”</a:t>
+            </a:r>
+          </a:p>
+        </p:txBody>
+      </p:sp>
+    </p:spTree>
+    <p:extLst>
+      <p:ext uri="{BB962C8B-B14F-4D97-AF65-F5344CB8AC3E}">
+        <p14:creationId xmlns:p14="http://schemas.microsoft.com/office/powerpoint/2010/main" val="2044349884"/>
+      </p:ext>
+    </p:extLst>
+  </p:cSld>
+  <p:clrMapOvr>
+    <a:masterClrMapping/>
+  </p:clrMapOvr>
+</p:sldLayout>
+</file>
+
+<file path=ppt/slideLayouts/slideLayout13.xml><?xml version="1.0" encoding="utf-8"?>
+<p:sldLayout xmlns:a="http://schemas.openxmlformats.org/drawingml/2006/main" xmlns:r="http://schemas.openxmlformats.org/officeDocument/2006/relationships" xmlns:p="http://schemas.openxmlformats.org/presentationml/2006/main" preserve="1">
+  <p:cSld name="Name Card">
+    <p:spTree>
+      <p:nvGrpSpPr>
+        <p:cNvPr id="1" name=""/>
+        <p:cNvGrpSpPr/>
+        <p:nvPr/>
+      </p:nvGrpSpPr>
+      <p:grpSpPr>
+        <a:xfrm>
+          <a:off x="0" y="0"/>
+          <a:ext cx="0" cy="0"/>
+          <a:chOff x="0" y="0"/>
+          <a:chExt cx="0" cy="0"/>
+        </a:xfrm>
+      </p:grpSpPr>
+      <p:sp>
+        <p:nvSpPr>
+          <p:cNvPr id="2" name="Title 1"/>
+          <p:cNvSpPr>
+            <a:spLocks noGrp="1"/>
+          </p:cNvSpPr>
+          <p:nvPr>
+            <p:ph type="title"/>
+          </p:nvPr>
+        </p:nvSpPr>
+        <p:spPr>
+          <a:xfrm>
+            <a:off x="1154954" y="3124201"/>
+            <a:ext cx="8825660" cy="1653180"/>
+          </a:xfrm>
+        </p:spPr>
+        <p:txBody>
+          <a:bodyPr anchor="b"/>
+          <a:lstStyle>
+            <a:lvl1pPr algn="l">
+              <a:defRPr sz="4000" b="0" cap="none"/>
+            </a:lvl1pPr>
+          </a:lstStyle>
+          <a:p>
+            <a:r>
+              <a:rPr lang="en-US"/>
+              <a:t>Click to edit Master title style</a:t>
+            </a:r>
+            <a:endParaRPr lang="en-US" dirty="0"/>
+          </a:p>
+        </p:txBody>
+      </p:sp>
+      <p:sp>
+        <p:nvSpPr>
+          <p:cNvPr id="3" name="Text Placeholder 2"/>
+          <p:cNvSpPr>
+            <a:spLocks noGrp="1"/>
+          </p:cNvSpPr>
+          <p:nvPr>
+            <p:ph type="body" idx="1"/>
+          </p:nvPr>
+        </p:nvSpPr>
+        <p:spPr>
+          <a:xfrm>
+            <a:off x="1154954" y="4777381"/>
+            <a:ext cx="8825659" cy="860400"/>
+          </a:xfrm>
+        </p:spPr>
+        <p:txBody>
+          <a:bodyPr anchor="t"/>
+          <a:lstStyle>
+            <a:lvl1pPr marL="0" indent="0" algn="l">
+              <a:buNone/>
+              <a:defRPr sz="2000" cap="none">
+                <a:solidFill>
+                  <a:schemeClr val="accent1"/>
+                </a:solidFill>
+              </a:defRPr>
+            </a:lvl1pPr>
+            <a:lvl2pPr marL="457200" indent="0">
+              <a:buNone/>
+              <a:defRPr sz="1800">
+                <a:solidFill>
+                  <a:schemeClr val="tx1">
+                    <a:tint val="75000"/>
+                  </a:schemeClr>
+                </a:solidFill>
+              </a:defRPr>
+            </a:lvl2pPr>
+            <a:lvl3pPr marL="914400" indent="0">
+              <a:buNone/>
+              <a:defRPr sz="1600">
+                <a:solidFill>
+                  <a:schemeClr val="tx1">
+                    <a:tint val="75000"/>
+                  </a:schemeClr>
+                </a:solidFill>
+              </a:defRPr>
+            </a:lvl3pPr>
+            <a:lvl4pPr marL="1371600" indent="0">
+              <a:buNone/>
+              <a:defRPr sz="1400">
+                <a:solidFill>
+                  <a:schemeClr val="tx1">
+                    <a:tint val="75000"/>
+                  </a:schemeClr>
+                </a:solidFill>
+              </a:defRPr>
+            </a:lvl4pPr>
+            <a:lvl5pPr marL="1828800" indent="0">
+              <a:buNone/>
+              <a:defRPr sz="1400">
+                <a:solidFill>
+                  <a:schemeClr val="tx1">
+                    <a:tint val="75000"/>
+                  </a:schemeClr>
+                </a:solidFill>
+              </a:defRPr>
+            </a:lvl5pPr>
+            <a:lvl6pPr marL="2286000" indent="0">
+              <a:buNone/>
+              <a:defRPr sz="1400">
+                <a:solidFill>
+                  <a:schemeClr val="tx1">
+                    <a:tint val="75000"/>
+                  </a:schemeClr>
+                </a:solidFill>
+              </a:defRPr>
+            </a:lvl6pPr>
+            <a:lvl7pPr marL="2743200" indent="0">
+              <a:buNone/>
+              <a:defRPr sz="1400">
+                <a:solidFill>
+                  <a:schemeClr val="tx1">
+                    <a:tint val="75000"/>
+                  </a:schemeClr>
+                </a:solidFill>
+              </a:defRPr>
+            </a:lvl7pPr>
+            <a:lvl8pPr marL="3200400" indent="0">
+              <a:buNone/>
+              <a:defRPr sz="1400">
+                <a:solidFill>
+                  <a:schemeClr val="tx1">
+                    <a:tint val="75000"/>
+                  </a:schemeClr>
+                </a:solidFill>
+              </a:defRPr>
+            </a:lvl8pPr>
+            <a:lvl9pPr marL="3657600" indent="0">
+              <a:buNone/>
+              <a:defRPr sz="1400">
+                <a:solidFill>
+                  <a:schemeClr val="tx1">
+                    <a:tint val="75000"/>
+                  </a:schemeClr>
+                </a:solidFill>
+              </a:defRPr>
+            </a:lvl9pPr>
+          </a:lstStyle>
+          <a:p>
+            <a:pPr lvl="0"/>
+            <a:r>
+              <a:rPr lang="en-US"/>
+              <a:t>Click to edit Master text styles</a:t>
+            </a:r>
+          </a:p>
+        </p:txBody>
+      </p:sp>
+      <p:sp>
+        <p:nvSpPr>
+          <p:cNvPr id="4" name="Date Placeholder 3"/>
+          <p:cNvSpPr>
+            <a:spLocks noGrp="1"/>
+          </p:cNvSpPr>
+          <p:nvPr>
+            <p:ph type="dt" sz="half" idx="10"/>
+          </p:nvPr>
+        </p:nvSpPr>
+        <p:spPr/>
+        <p:txBody>
+          <a:bodyPr/>
+          <a:lstStyle/>
+          <a:p>
+            <a:fld id="{0D833A45-15C2-4C6A-A9BD-BB2D0724BFD9}" type="datetimeFigureOut">
+              <a:rPr lang="en-GB" smtClean="0"/>
+              <a:t>22/03/2021</a:t>
+            </a:fld>
+            <a:endParaRPr lang="en-GB"/>
+          </a:p>
+        </p:txBody>
+      </p:sp>
+      <p:sp>
+        <p:nvSpPr>
+          <p:cNvPr id="5" name="Footer Placeholder 4"/>
+          <p:cNvSpPr>
+            <a:spLocks noGrp="1"/>
+          </p:cNvSpPr>
+          <p:nvPr>
+            <p:ph type="ftr" sz="quarter" idx="11"/>
+          </p:nvPr>
+        </p:nvSpPr>
+        <p:spPr/>
+        <p:txBody>
+          <a:bodyPr/>
+          <a:lstStyle/>
+          <a:p>
+            <a:endParaRPr lang="en-GB"/>
+          </a:p>
+        </p:txBody>
+      </p:sp>
+      <p:sp>
+        <p:nvSpPr>
+          <p:cNvPr id="6" name="Slide Number Placeholder 5"/>
+          <p:cNvSpPr>
+            <a:spLocks noGrp="1"/>
+          </p:cNvSpPr>
+          <p:nvPr>
+            <p:ph type="sldNum" sz="quarter" idx="12"/>
+          </p:nvPr>
+        </p:nvSpPr>
+        <p:spPr/>
+        <p:txBody>
+          <a:bodyPr/>
+          <a:lstStyle/>
+          <a:p>
+            <a:fld id="{7E95904D-A739-402D-BCBF-40FB37E1B671}" type="slidenum">
+              <a:rPr lang="en-GB" smtClean="0"/>
+              <a:t>‹#›</a:t>
+            </a:fld>
+            <a:endParaRPr lang="en-GB"/>
+          </a:p>
+        </p:txBody>
+      </p:sp>
+    </p:spTree>
+    <p:extLst>
+      <p:ext uri="{BB962C8B-B14F-4D97-AF65-F5344CB8AC3E}">
+        <p14:creationId xmlns:p14="http://schemas.microsoft.com/office/powerpoint/2010/main" val="2732028082"/>
+      </p:ext>
+    </p:extLst>
+  </p:cSld>
+  <p:clrMapOvr>
+    <a:masterClrMapping/>
+  </p:clrMapOvr>
+</p:sldLayout>
+</file>
+
+<file path=ppt/slideLayouts/slideLayout14.xml><?xml version="1.0" encoding="utf-8"?>
+<p:sldLayout xmlns:a="http://schemas.openxmlformats.org/drawingml/2006/main" xmlns:r="http://schemas.openxmlformats.org/officeDocument/2006/relationships" xmlns:p="http://schemas.openxmlformats.org/presentationml/2006/main" preserve="1">
+  <p:cSld name="3 Column">
+    <p:spTree>
+      <p:nvGrpSpPr>
+        <p:cNvPr id="1" name=""/>
+        <p:cNvGrpSpPr/>
+        <p:nvPr/>
+      </p:nvGrpSpPr>
+      <p:grpSpPr>
+        <a:xfrm>
+          <a:off x="0" y="0"/>
+          <a:ext cx="0" cy="0"/>
+          <a:chOff x="0" y="0"/>
+          <a:chExt cx="0" cy="0"/>
+        </a:xfrm>
+      </p:grpSpPr>
+      <p:sp>
+        <p:nvSpPr>
+          <p:cNvPr id="2" name="Title 1"/>
+          <p:cNvSpPr>
+            <a:spLocks noGrp="1"/>
+          </p:cNvSpPr>
+          <p:nvPr>
+            <p:ph type="title"/>
+          </p:nvPr>
+        </p:nvSpPr>
+        <p:spPr/>
+        <p:txBody>
+          <a:bodyPr/>
+          <a:lstStyle>
+            <a:lvl1pPr>
+              <a:defRPr sz="4200"/>
+            </a:lvl1pPr>
+          </a:lstStyle>
+          <a:p>
+            <a:r>
+              <a:rPr lang="en-US"/>
+              <a:t>Click to edit Master title style</a:t>
+            </a:r>
+            <a:endParaRPr lang="en-US" dirty="0"/>
+          </a:p>
+        </p:txBody>
+      </p:sp>
+      <p:sp>
+        <p:nvSpPr>
+          <p:cNvPr id="3" name="Text Placeholder 2"/>
+          <p:cNvSpPr>
+            <a:spLocks noGrp="1"/>
+          </p:cNvSpPr>
+          <p:nvPr>
+            <p:ph type="body" idx="1"/>
+          </p:nvPr>
+        </p:nvSpPr>
+        <p:spPr>
+          <a:xfrm>
+            <a:off x="632947" y="1981200"/>
+            <a:ext cx="2946866" cy="576262"/>
+          </a:xfrm>
+        </p:spPr>
+        <p:txBody>
+          <a:bodyPr anchor="b">
+            <a:noAutofit/>
+          </a:bodyPr>
+          <a:lstStyle>
+            <a:lvl1pPr marL="0" indent="0">
+              <a:buNone/>
+              <a:defRPr sz="2400" b="0">
+                <a:solidFill>
+                  <a:schemeClr val="accent1"/>
+                </a:solidFill>
+              </a:defRPr>
+            </a:lvl1pPr>
+            <a:lvl2pPr marL="457200" indent="0">
+              <a:buNone/>
+              <a:defRPr sz="2000" b="1"/>
+            </a:lvl2pPr>
+            <a:lvl3pPr marL="914400" indent="0">
+              <a:buNone/>
+              <a:defRPr sz="1800" b="1"/>
+            </a:lvl3pPr>
+            <a:lvl4pPr marL="1371600" indent="0">
+              <a:buNone/>
+              <a:defRPr sz="1600" b="1"/>
+            </a:lvl4pPr>
+            <a:lvl5pPr marL="1828800" indent="0">
+              <a:buNone/>
+              <a:defRPr sz="1600" b="1"/>
+            </a:lvl5pPr>
+            <a:lvl6pPr marL="2286000" indent="0">
+              <a:buNone/>
+              <a:defRPr sz="1600" b="1"/>
+            </a:lvl6pPr>
+            <a:lvl7pPr marL="2743200" indent="0">
+              <a:buNone/>
+              <a:defRPr sz="1600" b="1"/>
+            </a:lvl7pPr>
+            <a:lvl8pPr marL="3200400" indent="0">
+              <a:buNone/>
+              <a:defRPr sz="1600" b="1"/>
+            </a:lvl8pPr>
+            <a:lvl9pPr marL="3657600" indent="0">
+              <a:buNone/>
+              <a:defRPr sz="1600" b="1"/>
+            </a:lvl9pPr>
+          </a:lstStyle>
+          <a:p>
+            <a:pPr lvl="0"/>
+            <a:r>
+              <a:rPr lang="en-US"/>
+              <a:t>Click to edit Master text styles</a:t>
+            </a:r>
+          </a:p>
+        </p:txBody>
+      </p:sp>
+      <p:sp>
+        <p:nvSpPr>
+          <p:cNvPr id="16" name="Text Placeholder 3"/>
+          <p:cNvSpPr>
+            <a:spLocks noGrp="1"/>
+          </p:cNvSpPr>
+          <p:nvPr>
+            <p:ph type="body" sz="half" idx="15"/>
+          </p:nvPr>
+        </p:nvSpPr>
+        <p:spPr>
+          <a:xfrm>
+            <a:off x="652463" y="2667000"/>
+            <a:ext cx="2927350" cy="3589338"/>
+          </a:xfrm>
+        </p:spPr>
+        <p:txBody>
+          <a:bodyPr anchor="t">
+            <a:normAutofit/>
+          </a:bodyPr>
+          <a:lstStyle>
+            <a:lvl1pPr marL="0" indent="0">
+              <a:buNone/>
+              <a:defRPr sz="1400"/>
+            </a:lvl1pPr>
+            <a:lvl2pPr marL="457200" indent="0">
+              <a:buNone/>
+              <a:defRPr sz="1200"/>
+            </a:lvl2pPr>
+            <a:lvl3pPr marL="914400" indent="0">
+              <a:buNone/>
+              <a:defRPr sz="1000"/>
+            </a:lvl3pPr>
+            <a:lvl4pPr marL="1371600" indent="0">
+              <a:buNone/>
+              <a:defRPr sz="900"/>
+            </a:lvl4pPr>
+            <a:lvl5pPr marL="1828800" indent="0">
+              <a:buNone/>
+              <a:defRPr sz="900"/>
+            </a:lvl5pPr>
+            <a:lvl6pPr marL="2286000" indent="0">
+              <a:buNone/>
+              <a:defRPr sz="900"/>
+            </a:lvl6pPr>
+            <a:lvl7pPr marL="2743200" indent="0">
+              <a:buNone/>
+              <a:defRPr sz="900"/>
+            </a:lvl7pPr>
+            <a:lvl8pPr marL="3200400" indent="0">
+              <a:buNone/>
+              <a:defRPr sz="900"/>
+            </a:lvl8pPr>
+            <a:lvl9pPr marL="3657600" indent="0">
+              <a:buNone/>
+              <a:defRPr sz="900"/>
+            </a:lvl9pPr>
+          </a:lstStyle>
+          <a:p>
+            <a:pPr lvl="0"/>
+            <a:r>
+              <a:rPr lang="en-US"/>
+              <a:t>Click to edit Master text styles</a:t>
+            </a:r>
+          </a:p>
+        </p:txBody>
+      </p:sp>
+      <p:sp>
+        <p:nvSpPr>
+          <p:cNvPr id="5" name="Text Placeholder 4"/>
+          <p:cNvSpPr>
+            <a:spLocks noGrp="1"/>
+          </p:cNvSpPr>
+          <p:nvPr>
+            <p:ph type="body" sz="quarter" idx="3"/>
+          </p:nvPr>
+        </p:nvSpPr>
+        <p:spPr>
+          <a:xfrm>
+            <a:off x="3883659" y="1981200"/>
+            <a:ext cx="2936241" cy="576262"/>
+          </a:xfrm>
+        </p:spPr>
+        <p:txBody>
+          <a:bodyPr anchor="b">
+            <a:noAutofit/>
+          </a:bodyPr>
+          <a:lstStyle>
+            <a:lvl1pPr marL="0" indent="0">
+              <a:buNone/>
+              <a:defRPr sz="2400" b="0">
+                <a:solidFill>
+                  <a:schemeClr val="accent1"/>
+                </a:solidFill>
+              </a:defRPr>
+            </a:lvl1pPr>
+            <a:lvl2pPr marL="457200" indent="0">
+              <a:buNone/>
+              <a:defRPr sz="2000" b="1"/>
+            </a:lvl2pPr>
+            <a:lvl3pPr marL="914400" indent="0">
+              <a:buNone/>
+              <a:defRPr sz="1800" b="1"/>
+            </a:lvl3pPr>
+            <a:lvl4pPr marL="1371600" indent="0">
+              <a:buNone/>
+              <a:defRPr sz="1600" b="1"/>
+            </a:lvl4pPr>
+            <a:lvl5pPr marL="1828800" indent="0">
+              <a:buNone/>
+              <a:defRPr sz="1600" b="1"/>
+            </a:lvl5pPr>
+            <a:lvl6pPr marL="2286000" indent="0">
+              <a:buNone/>
+              <a:defRPr sz="1600" b="1"/>
+            </a:lvl6pPr>
+            <a:lvl7pPr marL="2743200" indent="0">
+              <a:buNone/>
+              <a:defRPr sz="1600" b="1"/>
+            </a:lvl7pPr>
+            <a:lvl8pPr marL="3200400" indent="0">
+              <a:buNone/>
+              <a:defRPr sz="1600" b="1"/>
+            </a:lvl8pPr>
+            <a:lvl9pPr marL="3657600" indent="0">
+              <a:buNone/>
+              <a:defRPr sz="1600" b="1"/>
+            </a:lvl9pPr>
+          </a:lstStyle>
+          <a:p>
+            <a:pPr lvl="0"/>
+            <a:r>
+              <a:rPr lang="en-US"/>
+              <a:t>Click to edit Master text styles</a:t>
+            </a:r>
+          </a:p>
+        </p:txBody>
+      </p:sp>
+      <p:sp>
+        <p:nvSpPr>
+          <p:cNvPr id="19" name="Text Placeholder 3"/>
+          <p:cNvSpPr>
+            <a:spLocks noGrp="1"/>
+          </p:cNvSpPr>
+          <p:nvPr>
+            <p:ph type="body" sz="half" idx="16"/>
+          </p:nvPr>
+        </p:nvSpPr>
+        <p:spPr>
+          <a:xfrm>
+            <a:off x="3873106" y="2667000"/>
+            <a:ext cx="2946794" cy="3589338"/>
+          </a:xfrm>
+        </p:spPr>
+        <p:txBody>
+          <a:bodyPr anchor="t">
+            <a:normAutofit/>
+          </a:bodyPr>
+          <a:lstStyle>
+            <a:lvl1pPr marL="0" indent="0">
+              <a:buNone/>
+              <a:defRPr sz="1400"/>
+            </a:lvl1pPr>
+            <a:lvl2pPr marL="457200" indent="0">
+              <a:buNone/>
+              <a:defRPr sz="1200"/>
+            </a:lvl2pPr>
+            <a:lvl3pPr marL="914400" indent="0">
+              <a:buNone/>
+              <a:defRPr sz="1000"/>
+            </a:lvl3pPr>
+            <a:lvl4pPr marL="1371600" indent="0">
+              <a:buNone/>
+              <a:defRPr sz="900"/>
+            </a:lvl4pPr>
+            <a:lvl5pPr marL="1828800" indent="0">
+              <a:buNone/>
+              <a:defRPr sz="900"/>
+            </a:lvl5pPr>
+            <a:lvl6pPr marL="2286000" indent="0">
+              <a:buNone/>
+              <a:defRPr sz="900"/>
+            </a:lvl6pPr>
+            <a:lvl7pPr marL="2743200" indent="0">
+              <a:buNone/>
+              <a:defRPr sz="900"/>
+            </a:lvl7pPr>
+            <a:lvl8pPr marL="3200400" indent="0">
+              <a:buNone/>
+              <a:defRPr sz="900"/>
+            </a:lvl8pPr>
+            <a:lvl9pPr marL="3657600" indent="0">
+              <a:buNone/>
+              <a:defRPr sz="900"/>
+            </a:lvl9pPr>
+          </a:lstStyle>
+          <a:p>
+            <a:pPr lvl="0"/>
+            <a:r>
+              <a:rPr lang="en-US"/>
+              <a:t>Click to edit Master text styles</a:t>
+            </a:r>
+          </a:p>
+        </p:txBody>
+      </p:sp>
+      <p:sp>
+        <p:nvSpPr>
+          <p:cNvPr id="14" name="Text Placeholder 4"/>
+          <p:cNvSpPr>
+            <a:spLocks noGrp="1"/>
+          </p:cNvSpPr>
+          <p:nvPr>
+            <p:ph type="body" sz="quarter" idx="13"/>
+          </p:nvPr>
+        </p:nvSpPr>
+        <p:spPr>
+          <a:xfrm>
+            <a:off x="7124700" y="1981200"/>
+            <a:ext cx="2932113" cy="576262"/>
+          </a:xfrm>
+        </p:spPr>
+        <p:txBody>
+          <a:bodyPr anchor="b">
+            <a:noAutofit/>
+          </a:bodyPr>
+          <a:lstStyle>
+            <a:lvl1pPr marL="0" indent="0">
+              <a:buNone/>
+              <a:defRPr sz="2400" b="0">
+                <a:solidFill>
+                  <a:schemeClr val="accent1"/>
+                </a:solidFill>
+              </a:defRPr>
+            </a:lvl1pPr>
+            <a:lvl2pPr marL="457200" indent="0">
+              <a:buNone/>
+              <a:defRPr sz="2000" b="1"/>
+            </a:lvl2pPr>
+            <a:lvl3pPr marL="914400" indent="0">
+              <a:buNone/>
+              <a:defRPr sz="1800" b="1"/>
+            </a:lvl3pPr>
+            <a:lvl4pPr marL="1371600" indent="0">
+              <a:buNone/>
+              <a:defRPr sz="1600" b="1"/>
+            </a:lvl4pPr>
+            <a:lvl5pPr marL="1828800" indent="0">
+              <a:buNone/>
+              <a:defRPr sz="1600" b="1"/>
+            </a:lvl5pPr>
+            <a:lvl6pPr marL="2286000" indent="0">
+              <a:buNone/>
+              <a:defRPr sz="1600" b="1"/>
+            </a:lvl6pPr>
+            <a:lvl7pPr marL="2743200" indent="0">
+              <a:buNone/>
+              <a:defRPr sz="1600" b="1"/>
+            </a:lvl7pPr>
+            <a:lvl8pPr marL="3200400" indent="0">
+              <a:buNone/>
+              <a:defRPr sz="1600" b="1"/>
+            </a:lvl8pPr>
+            <a:lvl9pPr marL="3657600" indent="0">
+              <a:buNone/>
+              <a:defRPr sz="1600" b="1"/>
+            </a:lvl9pPr>
+          </a:lstStyle>
+          <a:p>
+            <a:pPr lvl="0"/>
+            <a:r>
+              <a:rPr lang="en-US"/>
+              <a:t>Click to edit Master text styles</a:t>
+            </a:r>
+          </a:p>
+        </p:txBody>
+      </p:sp>
+      <p:sp>
+        <p:nvSpPr>
+          <p:cNvPr id="20" name="Text Placeholder 3"/>
+          <p:cNvSpPr>
+            <a:spLocks noGrp="1"/>
+          </p:cNvSpPr>
+          <p:nvPr>
+            <p:ph type="body" sz="half" idx="17"/>
+          </p:nvPr>
+        </p:nvSpPr>
+        <p:spPr>
+          <a:xfrm>
+            <a:off x="7124700" y="2667000"/>
+            <a:ext cx="2932113" cy="3589338"/>
+          </a:xfrm>
+        </p:spPr>
+        <p:txBody>
+          <a:bodyPr anchor="t">
+            <a:normAutofit/>
+          </a:bodyPr>
+          <a:lstStyle>
+            <a:lvl1pPr marL="0" indent="0">
+              <a:buNone/>
+              <a:defRPr sz="1400"/>
+            </a:lvl1pPr>
+            <a:lvl2pPr marL="457200" indent="0">
+              <a:buNone/>
+              <a:defRPr sz="1200"/>
+            </a:lvl2pPr>
+            <a:lvl3pPr marL="914400" indent="0">
+              <a:buNone/>
+              <a:defRPr sz="1000"/>
+            </a:lvl3pPr>
+            <a:lvl4pPr marL="1371600" indent="0">
+              <a:buNone/>
+              <a:defRPr sz="900"/>
+            </a:lvl4pPr>
+            <a:lvl5pPr marL="1828800" indent="0">
+              <a:buNone/>
+              <a:defRPr sz="900"/>
+            </a:lvl5pPr>
+            <a:lvl6pPr marL="2286000" indent="0">
+              <a:buNone/>
+              <a:defRPr sz="900"/>
+            </a:lvl6pPr>
+            <a:lvl7pPr marL="2743200" indent="0">
+              <a:buNone/>
+              <a:defRPr sz="900"/>
+            </a:lvl7pPr>
+            <a:lvl8pPr marL="3200400" indent="0">
+              <a:buNone/>
+              <a:defRPr sz="900"/>
+            </a:lvl8pPr>
+            <a:lvl9pPr marL="3657600" indent="0">
+              <a:buNone/>
+              <a:defRPr sz="900"/>
+            </a:lvl9pPr>
+          </a:lstStyle>
+          <a:p>
+            <a:pPr lvl="0"/>
+            <a:r>
+              <a:rPr lang="en-US"/>
+              <a:t>Click to edit Master text styles</a:t>
+            </a:r>
+          </a:p>
+        </p:txBody>
+      </p:sp>
+      <p:cxnSp>
+        <p:nvCxnSpPr>
+          <p:cNvPr id="17" name="Straight Connector 16"/>
+          <p:cNvCxnSpPr/>
+          <p:nvPr/>
+        </p:nvCxnSpPr>
+        <p:spPr>
+          <a:xfrm>
+            <a:off x="3726142" y="2133600"/>
+            <a:ext cx="0" cy="3962400"/>
+          </a:xfrm>
+          <a:prstGeom prst="line">
+            <a:avLst/>
+          </a:prstGeom>
+          <a:ln w="12700" cmpd="sng">
+            <a:solidFill>
+              <a:schemeClr val="accent1">
+                <a:alpha val="40000"/>
+              </a:schemeClr>
+            </a:solidFill>
+          </a:ln>
+        </p:spPr>
+        <p:style>
+          <a:lnRef idx="2">
+            <a:schemeClr val="accent1"/>
+          </a:lnRef>
+          <a:fillRef idx="0">
+            <a:schemeClr val="accent1"/>
+          </a:fillRef>
+          <a:effectRef idx="1">
+            <a:schemeClr val="accent1"/>
+          </a:effectRef>
+          <a:fontRef idx="minor">
+            <a:schemeClr val="tx1"/>
+          </a:fontRef>
+        </p:style>
+      </p:cxnSp>
+      <p:cxnSp>
+        <p:nvCxnSpPr>
+          <p:cNvPr id="18" name="Straight Connector 17"/>
+          <p:cNvCxnSpPr/>
+          <p:nvPr/>
+        </p:nvCxnSpPr>
+        <p:spPr>
+          <a:xfrm>
+            <a:off x="6962227" y="2133600"/>
+            <a:ext cx="0" cy="3966882"/>
+          </a:xfrm>
+          <a:prstGeom prst="line">
+            <a:avLst/>
+          </a:prstGeom>
+          <a:ln w="12700" cmpd="sng">
+            <a:solidFill>
+              <a:schemeClr val="accent1">
+                <a:alpha val="40000"/>
+              </a:schemeClr>
+            </a:solidFill>
+          </a:ln>
+        </p:spPr>
+        <p:style>
+          <a:lnRef idx="2">
+            <a:schemeClr val="accent1"/>
+          </a:lnRef>
+          <a:fillRef idx="0">
+            <a:schemeClr val="accent1"/>
+          </a:fillRef>
+          <a:effectRef idx="1">
+            <a:schemeClr val="accent1"/>
+          </a:effectRef>
+          <a:fontRef idx="minor">
+            <a:schemeClr val="tx1"/>
+          </a:fontRef>
+        </p:style>
+      </p:cxnSp>
+      <p:sp>
+        <p:nvSpPr>
+          <p:cNvPr id="7" name="Date Placeholder 3"/>
+          <p:cNvSpPr>
+            <a:spLocks noGrp="1"/>
+          </p:cNvSpPr>
+          <p:nvPr>
+            <p:ph type="dt" sz="half" idx="10"/>
+          </p:nvPr>
+        </p:nvSpPr>
+        <p:spPr/>
+        <p:txBody>
+          <a:bodyPr/>
+          <a:lstStyle/>
+          <a:p>
+            <a:fld id="{0D833A45-15C2-4C6A-A9BD-BB2D0724BFD9}" type="datetimeFigureOut">
+              <a:rPr lang="en-GB" smtClean="0"/>
+              <a:t>22/03/2021</a:t>
+            </a:fld>
+            <a:endParaRPr lang="en-GB"/>
+          </a:p>
+        </p:txBody>
+      </p:sp>
+      <p:sp>
+        <p:nvSpPr>
+          <p:cNvPr id="4" name="Footer Placeholder 4"/>
+          <p:cNvSpPr>
+            <a:spLocks noGrp="1"/>
+          </p:cNvSpPr>
+          <p:nvPr>
+            <p:ph type="ftr" sz="quarter" idx="11"/>
+          </p:nvPr>
+        </p:nvSpPr>
+        <p:spPr/>
+        <p:txBody>
+          <a:bodyPr/>
+          <a:lstStyle/>
+          <a:p>
+            <a:endParaRPr lang="en-GB"/>
+          </a:p>
+        </p:txBody>
+      </p:sp>
+      <p:sp>
+        <p:nvSpPr>
+          <p:cNvPr id="6" name="Slide Number Placeholder 5"/>
+          <p:cNvSpPr>
+            <a:spLocks noGrp="1"/>
+          </p:cNvSpPr>
+          <p:nvPr>
+            <p:ph type="sldNum" sz="quarter" idx="12"/>
+          </p:nvPr>
+        </p:nvSpPr>
+        <p:spPr/>
+        <p:txBody>
+          <a:bodyPr/>
+          <a:lstStyle/>
+          <a:p>
+            <a:fld id="{7E95904D-A739-402D-BCBF-40FB37E1B671}" type="slidenum">
+              <a:rPr lang="en-GB" smtClean="0"/>
+              <a:t>‹#›</a:t>
+            </a:fld>
+            <a:endParaRPr lang="en-GB"/>
+          </a:p>
+        </p:txBody>
+      </p:sp>
+    </p:spTree>
+    <p:extLst>
+      <p:ext uri="{BB962C8B-B14F-4D97-AF65-F5344CB8AC3E}">
+        <p14:creationId xmlns:p14="http://schemas.microsoft.com/office/powerpoint/2010/main" val="3742206830"/>
+      </p:ext>
+    </p:extLst>
+  </p:cSld>
+  <p:clrMapOvr>
+    <a:masterClrMapping/>
+  </p:clrMapOvr>
+</p:sldLayout>
+</file>
+
+<file path=ppt/slideLayouts/slideLayout15.xml><?xml version="1.0" encoding="utf-8"?>
+<p:sldLayout xmlns:a="http://schemas.openxmlformats.org/drawingml/2006/main" xmlns:r="http://schemas.openxmlformats.org/officeDocument/2006/relationships" xmlns:p="http://schemas.openxmlformats.org/presentationml/2006/main" preserve="1">
+  <p:cSld name="3 Picture Column">
+    <p:spTree>
+      <p:nvGrpSpPr>
+        <p:cNvPr id="1" name=""/>
+        <p:cNvGrpSpPr/>
+        <p:nvPr/>
+      </p:nvGrpSpPr>
+      <p:grpSpPr>
+        <a:xfrm>
+          <a:off x="0" y="0"/>
+          <a:ext cx="0" cy="0"/>
+          <a:chOff x="0" y="0"/>
+          <a:chExt cx="0" cy="0"/>
+        </a:xfrm>
+      </p:grpSpPr>
+      <p:sp>
+        <p:nvSpPr>
+          <p:cNvPr id="2" name="Title 1"/>
+          <p:cNvSpPr>
+            <a:spLocks noGrp="1"/>
+          </p:cNvSpPr>
+          <p:nvPr>
+            <p:ph type="title"/>
+          </p:nvPr>
+        </p:nvSpPr>
+        <p:spPr/>
+        <p:txBody>
+          <a:bodyPr/>
+          <a:lstStyle>
+            <a:lvl1pPr>
+              <a:defRPr sz="4200"/>
+            </a:lvl1pPr>
+          </a:lstStyle>
+          <a:p>
+            <a:r>
+              <a:rPr lang="en-US"/>
+              <a:t>Click to edit Master title style</a:t>
+            </a:r>
+            <a:endParaRPr lang="en-US" dirty="0"/>
+          </a:p>
+        </p:txBody>
+      </p:sp>
+      <p:sp>
+        <p:nvSpPr>
+          <p:cNvPr id="3" name="Text Placeholder 2"/>
+          <p:cNvSpPr>
+            <a:spLocks noGrp="1"/>
+          </p:cNvSpPr>
+          <p:nvPr>
+            <p:ph type="body" idx="1"/>
+          </p:nvPr>
+        </p:nvSpPr>
+        <p:spPr>
+          <a:xfrm>
+            <a:off x="652463" y="4250949"/>
+            <a:ext cx="2940050" cy="576262"/>
+          </a:xfrm>
+        </p:spPr>
+        <p:txBody>
+          <a:bodyPr anchor="b">
+            <a:noAutofit/>
+          </a:bodyPr>
+          <a:lstStyle>
+            <a:lvl1pPr marL="0" indent="0">
+              <a:buNone/>
+              <a:defRPr sz="2400" b="0">
+                <a:solidFill>
+                  <a:schemeClr val="accent1"/>
+                </a:solidFill>
+              </a:defRPr>
+            </a:lvl1pPr>
+            <a:lvl2pPr marL="457200" indent="0">
+              <a:buNone/>
+              <a:defRPr sz="2000" b="1"/>
+            </a:lvl2pPr>
+            <a:lvl3pPr marL="914400" indent="0">
+              <a:buNone/>
+              <a:defRPr sz="1800" b="1"/>
+            </a:lvl3pPr>
+            <a:lvl4pPr marL="1371600" indent="0">
+              <a:buNone/>
+              <a:defRPr sz="1600" b="1"/>
+            </a:lvl4pPr>
+            <a:lvl5pPr marL="1828800" indent="0">
+              <a:buNone/>
+              <a:defRPr sz="1600" b="1"/>
+            </a:lvl5pPr>
+            <a:lvl6pPr marL="2286000" indent="0">
+              <a:buNone/>
+              <a:defRPr sz="1600" b="1"/>
+            </a:lvl6pPr>
+            <a:lvl7pPr marL="2743200" indent="0">
+              <a:buNone/>
+              <a:defRPr sz="1600" b="1"/>
+            </a:lvl7pPr>
+            <a:lvl8pPr marL="3200400" indent="0">
+              <a:buNone/>
+              <a:defRPr sz="1600" b="1"/>
+            </a:lvl8pPr>
+            <a:lvl9pPr marL="3657600" indent="0">
+              <a:buNone/>
+              <a:defRPr sz="1600" b="1"/>
+            </a:lvl9pPr>
+          </a:lstStyle>
+          <a:p>
+            <a:pPr lvl="0"/>
+            <a:r>
+              <a:rPr lang="en-US"/>
+              <a:t>Click to edit Master text styles</a:t>
+            </a:r>
+          </a:p>
+        </p:txBody>
+      </p:sp>
+      <p:sp>
+        <p:nvSpPr>
+          <p:cNvPr id="29" name="Picture Placeholder 2"/>
+          <p:cNvSpPr>
+            <a:spLocks noGrp="1" noChangeAspect="1"/>
+          </p:cNvSpPr>
+          <p:nvPr>
+            <p:ph type="pic" idx="15"/>
+          </p:nvPr>
+        </p:nvSpPr>
+        <p:spPr>
+          <a:xfrm>
+            <a:off x="652463" y="2209800"/>
+            <a:ext cx="2940050" cy="1524000"/>
+          </a:xfrm>
+          <a:prstGeom prst="roundRect">
+            <a:avLst>
+              <a:gd name="adj" fmla="val 1858"/>
+            </a:avLst>
+          </a:prstGeom>
+          <a:effectLst>
+            <a:outerShdw blurRad="50800" dist="50800" dir="5400000" algn="tl" rotWithShape="0">
+              <a:srgbClr val="000000">
+                <a:alpha val="43000"/>
+              </a:srgbClr>
+            </a:outerShdw>
+          </a:effectLst>
+        </p:spPr>
+        <p:txBody>
+          <a:bodyPr anchor="t">
+            <a:normAutofit/>
+          </a:bodyPr>
+          <a:lstStyle>
+            <a:lvl1pPr marL="0" indent="0" algn="ctr">
+              <a:buNone/>
+              <a:defRPr sz="1600"/>
+            </a:lvl1pPr>
+            <a:lvl2pPr marL="457200" indent="0">
+              <a:buNone/>
+              <a:defRPr sz="1600"/>
+            </a:lvl2pPr>
+            <a:lvl3pPr marL="914400" indent="0">
+              <a:buNone/>
+              <a:defRPr sz="1600"/>
+            </a:lvl3pPr>
+            <a:lvl4pPr marL="1371600" indent="0">
+              <a:buNone/>
+              <a:defRPr sz="1600"/>
+            </a:lvl4pPr>
+            <a:lvl5pPr marL="1828800" indent="0">
+              <a:buNone/>
+              <a:defRPr sz="1600"/>
+            </a:lvl5pPr>
+            <a:lvl6pPr marL="2286000" indent="0">
+              <a:buNone/>
+              <a:defRPr sz="1600"/>
+            </a:lvl6pPr>
+            <a:lvl7pPr marL="2743200" indent="0">
+              <a:buNone/>
+              <a:defRPr sz="1600"/>
+            </a:lvl7pPr>
+            <a:lvl8pPr marL="3200400" indent="0">
+              <a:buNone/>
+              <a:defRPr sz="1600"/>
+            </a:lvl8pPr>
+            <a:lvl9pPr marL="3657600" indent="0">
+              <a:buNone/>
+              <a:defRPr sz="1600"/>
+            </a:lvl9pPr>
+          </a:lstStyle>
+          <a:p>
+            <a:r>
+              <a:rPr lang="en-US"/>
+              <a:t>Click icon to add picture</a:t>
+            </a:r>
+            <a:endParaRPr lang="en-US" dirty="0"/>
+          </a:p>
+        </p:txBody>
+      </p:sp>
+      <p:sp>
+        <p:nvSpPr>
+          <p:cNvPr id="22" name="Text Placeholder 3"/>
+          <p:cNvSpPr>
+            <a:spLocks noGrp="1"/>
+          </p:cNvSpPr>
+          <p:nvPr>
+            <p:ph type="body" sz="half" idx="18"/>
+          </p:nvPr>
+        </p:nvSpPr>
+        <p:spPr>
+          <a:xfrm>
+            <a:off x="652463" y="4827211"/>
+            <a:ext cx="2940050" cy="659189"/>
+          </a:xfrm>
+        </p:spPr>
+        <p:txBody>
+          <a:bodyPr anchor="t">
+            <a:normAutofit/>
+          </a:bodyPr>
+          <a:lstStyle>
+            <a:lvl1pPr marL="0" indent="0">
+              <a:buNone/>
+              <a:defRPr sz="1400"/>
+            </a:lvl1pPr>
+            <a:lvl2pPr marL="457200" indent="0">
+              <a:buNone/>
+              <a:defRPr sz="1200"/>
+            </a:lvl2pPr>
+            <a:lvl3pPr marL="914400" indent="0">
+              <a:buNone/>
+              <a:defRPr sz="1000"/>
+            </a:lvl3pPr>
+            <a:lvl4pPr marL="1371600" indent="0">
+              <a:buNone/>
+              <a:defRPr sz="900"/>
+            </a:lvl4pPr>
+            <a:lvl5pPr marL="1828800" indent="0">
+              <a:buNone/>
+              <a:defRPr sz="900"/>
+            </a:lvl5pPr>
+            <a:lvl6pPr marL="2286000" indent="0">
+              <a:buNone/>
+              <a:defRPr sz="900"/>
+            </a:lvl6pPr>
+            <a:lvl7pPr marL="2743200" indent="0">
+              <a:buNone/>
+              <a:defRPr sz="900"/>
+            </a:lvl7pPr>
+            <a:lvl8pPr marL="3200400" indent="0">
+              <a:buNone/>
+              <a:defRPr sz="900"/>
+            </a:lvl8pPr>
+            <a:lvl9pPr marL="3657600" indent="0">
+              <a:buNone/>
+              <a:defRPr sz="900"/>
+            </a:lvl9pPr>
+          </a:lstStyle>
+          <a:p>
+            <a:pPr lvl="0"/>
+            <a:r>
+              <a:rPr lang="en-US"/>
+              <a:t>Click to edit Master text styles</a:t>
+            </a:r>
+          </a:p>
+        </p:txBody>
+      </p:sp>
+      <p:sp>
+        <p:nvSpPr>
+          <p:cNvPr id="5" name="Text Placeholder 4"/>
+          <p:cNvSpPr>
+            <a:spLocks noGrp="1"/>
+          </p:cNvSpPr>
+          <p:nvPr>
+            <p:ph type="body" sz="quarter" idx="3"/>
+          </p:nvPr>
+        </p:nvSpPr>
+        <p:spPr>
+          <a:xfrm>
+            <a:off x="3889375" y="4250949"/>
+            <a:ext cx="2930525" cy="576262"/>
+          </a:xfrm>
+        </p:spPr>
+        <p:txBody>
+          <a:bodyPr anchor="b">
+            <a:noAutofit/>
+          </a:bodyPr>
+          <a:lstStyle>
+            <a:lvl1pPr marL="0" indent="0">
+              <a:buNone/>
+              <a:defRPr sz="2400" b="0">
+                <a:solidFill>
+                  <a:schemeClr val="accent1"/>
+                </a:solidFill>
+              </a:defRPr>
+            </a:lvl1pPr>
+            <a:lvl2pPr marL="457200" indent="0">
+              <a:buNone/>
+              <a:defRPr sz="2000" b="1"/>
+            </a:lvl2pPr>
+            <a:lvl3pPr marL="914400" indent="0">
+              <a:buNone/>
+              <a:defRPr sz="1800" b="1"/>
+            </a:lvl3pPr>
+            <a:lvl4pPr marL="1371600" indent="0">
+              <a:buNone/>
+              <a:defRPr sz="1600" b="1"/>
+            </a:lvl4pPr>
+            <a:lvl5pPr marL="1828800" indent="0">
+              <a:buNone/>
+              <a:defRPr sz="1600" b="1"/>
+            </a:lvl5pPr>
+            <a:lvl6pPr marL="2286000" indent="0">
+              <a:buNone/>
+              <a:defRPr sz="1600" b="1"/>
+            </a:lvl6pPr>
+            <a:lvl7pPr marL="2743200" indent="0">
+              <a:buNone/>
+              <a:defRPr sz="1600" b="1"/>
+            </a:lvl7pPr>
+            <a:lvl8pPr marL="3200400" indent="0">
+              <a:buNone/>
+              <a:defRPr sz="1600" b="1"/>
+            </a:lvl8pPr>
+            <a:lvl9pPr marL="3657600" indent="0">
+              <a:buNone/>
+              <a:defRPr sz="1600" b="1"/>
+            </a:lvl9pPr>
+          </a:lstStyle>
+          <a:p>
+            <a:pPr lvl="0"/>
+            <a:r>
+              <a:rPr lang="en-US"/>
+              <a:t>Click to edit Master text styles</a:t>
+            </a:r>
+          </a:p>
+        </p:txBody>
+      </p:sp>
+      <p:sp>
+        <p:nvSpPr>
+          <p:cNvPr id="30" name="Picture Placeholder 2"/>
+          <p:cNvSpPr>
+            <a:spLocks noGrp="1" noChangeAspect="1"/>
+          </p:cNvSpPr>
+          <p:nvPr>
+            <p:ph type="pic" idx="21"/>
+          </p:nvPr>
+        </p:nvSpPr>
+        <p:spPr>
+          <a:xfrm>
+            <a:off x="3889374" y="2209800"/>
+            <a:ext cx="2930525" cy="1524000"/>
+          </a:xfrm>
+          <a:prstGeom prst="roundRect">
+            <a:avLst>
+              <a:gd name="adj" fmla="val 1858"/>
+            </a:avLst>
+          </a:prstGeom>
+          <a:effectLst>
+            <a:outerShdw blurRad="50800" dist="50800" dir="5400000" algn="tl" rotWithShape="0">
+              <a:srgbClr val="000000">
+                <a:alpha val="43000"/>
+              </a:srgbClr>
+            </a:outerShdw>
+          </a:effectLst>
+        </p:spPr>
+        <p:txBody>
+          <a:bodyPr anchor="t">
+            <a:normAutofit/>
+          </a:bodyPr>
+          <a:lstStyle>
+            <a:lvl1pPr marL="0" indent="0" algn="ctr">
+              <a:buNone/>
+              <a:defRPr sz="1600"/>
+            </a:lvl1pPr>
+            <a:lvl2pPr marL="457200" indent="0">
+              <a:buNone/>
+              <a:defRPr sz="1600"/>
+            </a:lvl2pPr>
+            <a:lvl3pPr marL="914400" indent="0">
+              <a:buNone/>
+              <a:defRPr sz="1600"/>
+            </a:lvl3pPr>
+            <a:lvl4pPr marL="1371600" indent="0">
+              <a:buNone/>
+              <a:defRPr sz="1600"/>
+            </a:lvl4pPr>
+            <a:lvl5pPr marL="1828800" indent="0">
+              <a:buNone/>
+              <a:defRPr sz="1600"/>
+            </a:lvl5pPr>
+            <a:lvl6pPr marL="2286000" indent="0">
+              <a:buNone/>
+              <a:defRPr sz="1600"/>
+            </a:lvl6pPr>
+            <a:lvl7pPr marL="2743200" indent="0">
+              <a:buNone/>
+              <a:defRPr sz="1600"/>
+            </a:lvl7pPr>
+            <a:lvl8pPr marL="3200400" indent="0">
+              <a:buNone/>
+              <a:defRPr sz="1600"/>
+            </a:lvl8pPr>
+            <a:lvl9pPr marL="3657600" indent="0">
+              <a:buNone/>
+              <a:defRPr sz="1600"/>
+            </a:lvl9pPr>
+          </a:lstStyle>
+          <a:p>
+            <a:r>
+              <a:rPr lang="en-US"/>
+              <a:t>Click icon to add picture</a:t>
+            </a:r>
+            <a:endParaRPr lang="en-US" dirty="0"/>
+          </a:p>
+        </p:txBody>
+      </p:sp>
+      <p:sp>
+        <p:nvSpPr>
+          <p:cNvPr id="23" name="Text Placeholder 3"/>
+          <p:cNvSpPr>
+            <a:spLocks noGrp="1"/>
+          </p:cNvSpPr>
+          <p:nvPr>
+            <p:ph type="body" sz="half" idx="19"/>
+          </p:nvPr>
+        </p:nvSpPr>
+        <p:spPr>
+          <a:xfrm>
+            <a:off x="3888022" y="4827210"/>
+            <a:ext cx="2934406" cy="659189"/>
+          </a:xfrm>
+        </p:spPr>
+        <p:txBody>
+          <a:bodyPr anchor="t">
+            <a:normAutofit/>
+          </a:bodyPr>
+          <a:lstStyle>
+            <a:lvl1pPr marL="0" indent="0">
+              <a:buNone/>
+              <a:defRPr sz="1400"/>
+            </a:lvl1pPr>
+            <a:lvl2pPr marL="457200" indent="0">
+              <a:buNone/>
+              <a:defRPr sz="1200"/>
+            </a:lvl2pPr>
+            <a:lvl3pPr marL="914400" indent="0">
+              <a:buNone/>
+              <a:defRPr sz="1000"/>
+            </a:lvl3pPr>
+            <a:lvl4pPr marL="1371600" indent="0">
+              <a:buNone/>
+              <a:defRPr sz="900"/>
+            </a:lvl4pPr>
+            <a:lvl5pPr marL="1828800" indent="0">
+              <a:buNone/>
+              <a:defRPr sz="900"/>
+            </a:lvl5pPr>
+            <a:lvl6pPr marL="2286000" indent="0">
+              <a:buNone/>
+              <a:defRPr sz="900"/>
+            </a:lvl6pPr>
+            <a:lvl7pPr marL="2743200" indent="0">
+              <a:buNone/>
+              <a:defRPr sz="900"/>
+            </a:lvl7pPr>
+            <a:lvl8pPr marL="3200400" indent="0">
+              <a:buNone/>
+              <a:defRPr sz="900"/>
+            </a:lvl8pPr>
+            <a:lvl9pPr marL="3657600" indent="0">
+              <a:buNone/>
+              <a:defRPr sz="900"/>
+            </a:lvl9pPr>
+          </a:lstStyle>
+          <a:p>
+            <a:pPr lvl="0"/>
+            <a:r>
+              <a:rPr lang="en-US"/>
+              <a:t>Click to edit Master text styles</a:t>
+            </a:r>
+          </a:p>
+        </p:txBody>
+      </p:sp>
+      <p:sp>
+        <p:nvSpPr>
+          <p:cNvPr id="14" name="Text Placeholder 4"/>
+          <p:cNvSpPr>
+            <a:spLocks noGrp="1"/>
+          </p:cNvSpPr>
+          <p:nvPr>
+            <p:ph type="body" sz="quarter" idx="13"/>
+          </p:nvPr>
+        </p:nvSpPr>
+        <p:spPr>
+          <a:xfrm>
+            <a:off x="7124700" y="4250949"/>
+            <a:ext cx="2932113" cy="576262"/>
+          </a:xfrm>
+        </p:spPr>
+        <p:txBody>
+          <a:bodyPr anchor="b">
+            <a:noAutofit/>
+          </a:bodyPr>
+          <a:lstStyle>
+            <a:lvl1pPr marL="0" indent="0">
+              <a:buNone/>
+              <a:defRPr sz="2400" b="0">
+                <a:solidFill>
+                  <a:schemeClr val="accent1"/>
+                </a:solidFill>
+              </a:defRPr>
+            </a:lvl1pPr>
+            <a:lvl2pPr marL="457200" indent="0">
+              <a:buNone/>
+              <a:defRPr sz="2000" b="1"/>
+            </a:lvl2pPr>
+            <a:lvl3pPr marL="914400" indent="0">
+              <a:buNone/>
+              <a:defRPr sz="1800" b="1"/>
+            </a:lvl3pPr>
+            <a:lvl4pPr marL="1371600" indent="0">
+              <a:buNone/>
+              <a:defRPr sz="1600" b="1"/>
+            </a:lvl4pPr>
+            <a:lvl5pPr marL="1828800" indent="0">
+              <a:buNone/>
+              <a:defRPr sz="1600" b="1"/>
+            </a:lvl5pPr>
+            <a:lvl6pPr marL="2286000" indent="0">
+              <a:buNone/>
+              <a:defRPr sz="1600" b="1"/>
+            </a:lvl6pPr>
+            <a:lvl7pPr marL="2743200" indent="0">
+              <a:buNone/>
+              <a:defRPr sz="1600" b="1"/>
+            </a:lvl7pPr>
+            <a:lvl8pPr marL="3200400" indent="0">
+              <a:buNone/>
+              <a:defRPr sz="1600" b="1"/>
+            </a:lvl8pPr>
+            <a:lvl9pPr marL="3657600" indent="0">
+              <a:buNone/>
+              <a:defRPr sz="1600" b="1"/>
+            </a:lvl9pPr>
+          </a:lstStyle>
+          <a:p>
+            <a:pPr lvl="0"/>
+            <a:r>
+              <a:rPr lang="en-US"/>
+              <a:t>Click to edit Master text styles</a:t>
+            </a:r>
+          </a:p>
+        </p:txBody>
+      </p:sp>
+      <p:sp>
+        <p:nvSpPr>
+          <p:cNvPr id="31" name="Picture Placeholder 2"/>
+          <p:cNvSpPr>
+            <a:spLocks noGrp="1" noChangeAspect="1"/>
+          </p:cNvSpPr>
+          <p:nvPr>
+            <p:ph type="pic" idx="22"/>
+          </p:nvPr>
+        </p:nvSpPr>
+        <p:spPr>
+          <a:xfrm>
+            <a:off x="7124699" y="2209800"/>
+            <a:ext cx="2932113" cy="1524000"/>
+          </a:xfrm>
+          <a:prstGeom prst="roundRect">
+            <a:avLst>
+              <a:gd name="adj" fmla="val 1858"/>
+            </a:avLst>
+          </a:prstGeom>
+          <a:effectLst>
+            <a:outerShdw blurRad="50800" dist="50800" dir="5400000" algn="tl" rotWithShape="0">
+              <a:srgbClr val="000000">
+                <a:alpha val="43000"/>
+              </a:srgbClr>
+            </a:outerShdw>
+          </a:effectLst>
+        </p:spPr>
+        <p:txBody>
+          <a:bodyPr anchor="t">
+            <a:normAutofit/>
+          </a:bodyPr>
+          <a:lstStyle>
+            <a:lvl1pPr marL="0" indent="0" algn="ctr">
+              <a:buNone/>
+              <a:defRPr sz="1600"/>
+            </a:lvl1pPr>
+            <a:lvl2pPr marL="457200" indent="0">
+              <a:buNone/>
+              <a:defRPr sz="1600"/>
+            </a:lvl2pPr>
+            <a:lvl3pPr marL="914400" indent="0">
+              <a:buNone/>
+              <a:defRPr sz="1600"/>
+            </a:lvl3pPr>
+            <a:lvl4pPr marL="1371600" indent="0">
+              <a:buNone/>
+              <a:defRPr sz="1600"/>
+            </a:lvl4pPr>
+            <a:lvl5pPr marL="1828800" indent="0">
+              <a:buNone/>
+              <a:defRPr sz="1600"/>
+            </a:lvl5pPr>
+            <a:lvl6pPr marL="2286000" indent="0">
+              <a:buNone/>
+              <a:defRPr sz="1600"/>
+            </a:lvl6pPr>
+            <a:lvl7pPr marL="2743200" indent="0">
+              <a:buNone/>
+              <a:defRPr sz="1600"/>
+            </a:lvl7pPr>
+            <a:lvl8pPr marL="3200400" indent="0">
+              <a:buNone/>
+              <a:defRPr sz="1600"/>
+            </a:lvl8pPr>
+            <a:lvl9pPr marL="3657600" indent="0">
+              <a:buNone/>
+              <a:defRPr sz="1600"/>
+            </a:lvl9pPr>
+          </a:lstStyle>
+          <a:p>
+            <a:r>
+              <a:rPr lang="en-US"/>
+              <a:t>Click icon to add picture</a:t>
+            </a:r>
+            <a:endParaRPr lang="en-US" dirty="0"/>
+          </a:p>
+        </p:txBody>
+      </p:sp>
+      <p:sp>
+        <p:nvSpPr>
+          <p:cNvPr id="24" name="Text Placeholder 3"/>
+          <p:cNvSpPr>
+            <a:spLocks noGrp="1"/>
+          </p:cNvSpPr>
+          <p:nvPr>
+            <p:ph type="body" sz="half" idx="20"/>
+          </p:nvPr>
+        </p:nvSpPr>
+        <p:spPr>
+          <a:xfrm>
+            <a:off x="7124575" y="4827208"/>
+            <a:ext cx="2935997" cy="659189"/>
+          </a:xfrm>
+        </p:spPr>
+        <p:txBody>
+          <a:bodyPr anchor="t">
+            <a:normAutofit/>
+          </a:bodyPr>
+          <a:lstStyle>
+            <a:lvl1pPr marL="0" indent="0">
+              <a:buNone/>
+              <a:defRPr sz="1400"/>
+            </a:lvl1pPr>
+            <a:lvl2pPr marL="457200" indent="0">
+              <a:buNone/>
+              <a:defRPr sz="1200"/>
+            </a:lvl2pPr>
+            <a:lvl3pPr marL="914400" indent="0">
+              <a:buNone/>
+              <a:defRPr sz="1000"/>
+            </a:lvl3pPr>
+            <a:lvl4pPr marL="1371600" indent="0">
+              <a:buNone/>
+              <a:defRPr sz="900"/>
+            </a:lvl4pPr>
+            <a:lvl5pPr marL="1828800" indent="0">
+              <a:buNone/>
+              <a:defRPr sz="900"/>
+            </a:lvl5pPr>
+            <a:lvl6pPr marL="2286000" indent="0">
+              <a:buNone/>
+              <a:defRPr sz="900"/>
+            </a:lvl6pPr>
+            <a:lvl7pPr marL="2743200" indent="0">
+              <a:buNone/>
+              <a:defRPr sz="900"/>
+            </a:lvl7pPr>
+            <a:lvl8pPr marL="3200400" indent="0">
+              <a:buNone/>
+              <a:defRPr sz="900"/>
+            </a:lvl8pPr>
+            <a:lvl9pPr marL="3657600" indent="0">
+              <a:buNone/>
+              <a:defRPr sz="900"/>
+            </a:lvl9pPr>
+          </a:lstStyle>
+          <a:p>
+            <a:pPr lvl="0"/>
+            <a:r>
+              <a:rPr lang="en-US"/>
+              <a:t>Click to edit Master text styles</a:t>
+            </a:r>
+          </a:p>
+        </p:txBody>
+      </p:sp>
+      <p:cxnSp>
+        <p:nvCxnSpPr>
+          <p:cNvPr id="17" name="Straight Connector 16"/>
+          <p:cNvCxnSpPr/>
+          <p:nvPr/>
+        </p:nvCxnSpPr>
+        <p:spPr>
+          <a:xfrm>
+            <a:off x="3726142" y="2133600"/>
+            <a:ext cx="0" cy="3962400"/>
+          </a:xfrm>
+          <a:prstGeom prst="line">
+            <a:avLst/>
+          </a:prstGeom>
+          <a:ln w="12700" cmpd="sng">
+            <a:solidFill>
+              <a:schemeClr val="accent1">
+                <a:alpha val="40000"/>
+              </a:schemeClr>
+            </a:solidFill>
+          </a:ln>
+        </p:spPr>
+        <p:style>
+          <a:lnRef idx="2">
+            <a:schemeClr val="accent1"/>
+          </a:lnRef>
+          <a:fillRef idx="0">
+            <a:schemeClr val="accent1"/>
+          </a:fillRef>
+          <a:effectRef idx="1">
+            <a:schemeClr val="accent1"/>
+          </a:effectRef>
+          <a:fontRef idx="minor">
+            <a:schemeClr val="tx1"/>
+          </a:fontRef>
+        </p:style>
+      </p:cxnSp>
+      <p:cxnSp>
+        <p:nvCxnSpPr>
+          <p:cNvPr id="18" name="Straight Connector 17"/>
+          <p:cNvCxnSpPr/>
+          <p:nvPr/>
+        </p:nvCxnSpPr>
+        <p:spPr>
+          <a:xfrm>
+            <a:off x="6962227" y="2133600"/>
+            <a:ext cx="0" cy="3966882"/>
+          </a:xfrm>
+          <a:prstGeom prst="line">
+            <a:avLst/>
+          </a:prstGeom>
+          <a:ln w="12700" cmpd="sng">
+            <a:solidFill>
+              <a:schemeClr val="accent1">
+                <a:alpha val="40000"/>
+              </a:schemeClr>
+            </a:solidFill>
+          </a:ln>
+        </p:spPr>
+        <p:style>
+          <a:lnRef idx="2">
+            <a:schemeClr val="accent1"/>
+          </a:lnRef>
+          <a:fillRef idx="0">
+            <a:schemeClr val="accent1"/>
+          </a:fillRef>
+          <a:effectRef idx="1">
+            <a:schemeClr val="accent1"/>
+          </a:effectRef>
+          <a:fontRef idx="minor">
+            <a:schemeClr val="tx1"/>
+          </a:fontRef>
+        </p:style>
+      </p:cxnSp>
+      <p:sp>
+        <p:nvSpPr>
+          <p:cNvPr id="7" name="Date Placeholder 3"/>
+          <p:cNvSpPr>
+            <a:spLocks noGrp="1"/>
+          </p:cNvSpPr>
+          <p:nvPr>
+            <p:ph type="dt" sz="half" idx="10"/>
+          </p:nvPr>
+        </p:nvSpPr>
+        <p:spPr/>
+        <p:txBody>
+          <a:bodyPr/>
+          <a:lstStyle/>
+          <a:p>
+            <a:fld id="{0D833A45-15C2-4C6A-A9BD-BB2D0724BFD9}" type="datetimeFigureOut">
+              <a:rPr lang="en-GB" smtClean="0"/>
+              <a:t>22/03/2021</a:t>
+            </a:fld>
+            <a:endParaRPr lang="en-GB"/>
+          </a:p>
+        </p:txBody>
+      </p:sp>
+      <p:sp>
+        <p:nvSpPr>
+          <p:cNvPr id="4" name="Footer Placeholder 4"/>
+          <p:cNvSpPr>
+            <a:spLocks noGrp="1"/>
+          </p:cNvSpPr>
+          <p:nvPr>
+            <p:ph type="ftr" sz="quarter" idx="11"/>
+          </p:nvPr>
+        </p:nvSpPr>
+        <p:spPr/>
+        <p:txBody>
+          <a:bodyPr/>
+          <a:lstStyle/>
+          <a:p>
+            <a:endParaRPr lang="en-GB"/>
+          </a:p>
+        </p:txBody>
+      </p:sp>
+      <p:sp>
+        <p:nvSpPr>
+          <p:cNvPr id="6" name="Slide Number Placeholder 5"/>
+          <p:cNvSpPr>
+            <a:spLocks noGrp="1"/>
+          </p:cNvSpPr>
+          <p:nvPr>
+            <p:ph type="sldNum" sz="quarter" idx="12"/>
+          </p:nvPr>
+        </p:nvSpPr>
+        <p:spPr/>
+        <p:txBody>
+          <a:bodyPr/>
+          <a:lstStyle/>
+          <a:p>
+            <a:fld id="{7E95904D-A739-402D-BCBF-40FB37E1B671}" type="slidenum">
+              <a:rPr lang="en-GB" smtClean="0"/>
+              <a:t>‹#›</a:t>
+            </a:fld>
+            <a:endParaRPr lang="en-GB"/>
+          </a:p>
+        </p:txBody>
+      </p:sp>
+    </p:spTree>
+    <p:extLst>
+      <p:ext uri="{BB962C8B-B14F-4D97-AF65-F5344CB8AC3E}">
+        <p14:creationId xmlns:p14="http://schemas.microsoft.com/office/powerpoint/2010/main" val="3187866412"/>
+      </p:ext>
+    </p:extLst>
+  </p:cSld>
+  <p:clrMapOvr>
+    <a:masterClrMapping/>
+  </p:clrMapOvr>
+</p:sldLayout>
+</file>
+
+<file path=ppt/slideLayouts/slideLayout16.xml><?xml version="1.0" encoding="utf-8"?>
 <p:sldLayout xmlns:a="http://schemas.openxmlformats.org/drawingml/2006/main" xmlns:r="http://schemas.openxmlformats.org/officeDocument/2006/relationships" xmlns:p="http://schemas.openxmlformats.org/presentationml/2006/main" type="vertTx" preserve="1">
   <p:cSld name="Title and Vertical Text">
     <p:spTree>
@@ -356,13 +2913,7 @@
       </p:grpSpPr>
       <p:sp>
         <p:nvSpPr>
-          <p:cNvPr id="2" name="Title 1">
-            <a:extLst>
-              <a:ext uri="{FF2B5EF4-FFF2-40B4-BE49-F238E27FC236}">
-                <a16:creationId xmlns:a16="http://schemas.microsoft.com/office/drawing/2014/main" id="{888E9B7D-6845-4DC5-97E9-B00736E0D744}"/>
-              </a:ext>
-            </a:extLst>
-          </p:cNvPr>
+          <p:cNvPr id="2" name="Title 1"/>
           <p:cNvSpPr>
             <a:spLocks noGrp="1"/>
           </p:cNvSpPr>
@@ -379,19 +2930,13 @@
               <a:rPr lang="en-US"/>
               <a:t>Click to edit Master title style</a:t>
             </a:r>
-            <a:endParaRPr lang="en-GB"/>
-          </a:p>
-        </p:txBody>
-      </p:sp>
-      <p:sp>
-        <p:nvSpPr>
-          <p:cNvPr id="3" name="Vertical Text Placeholder 2">
-            <a:extLst>
-              <a:ext uri="{FF2B5EF4-FFF2-40B4-BE49-F238E27FC236}">
-                <a16:creationId xmlns:a16="http://schemas.microsoft.com/office/drawing/2014/main" id="{AF5CF14E-1816-49C7-9E0C-886D661145B9}"/>
-              </a:ext>
-            </a:extLst>
-          </p:cNvPr>
+            <a:endParaRPr lang="en-US" dirty="0"/>
+          </a:p>
+        </p:txBody>
+      </p:sp>
+      <p:sp>
+        <p:nvSpPr>
+          <p:cNvPr id="3" name="Vertical Text Placeholder 2"/>
           <p:cNvSpPr>
             <a:spLocks noGrp="1"/>
           </p:cNvSpPr>
@@ -401,7 +2946,7 @@
         </p:nvSpPr>
         <p:spPr/>
         <p:txBody>
-          <a:bodyPr vert="eaVert"/>
+          <a:bodyPr vert="eaVert" anchor="t" anchorCtr="0"/>
           <a:lstStyle/>
           <a:p>
             <a:pPr lvl="0"/>
@@ -437,19 +2982,13 @@
               <a:rPr lang="en-US"/>
               <a:t>Fifth level</a:t>
             </a:r>
-            <a:endParaRPr lang="en-GB"/>
-          </a:p>
-        </p:txBody>
-      </p:sp>
-      <p:sp>
-        <p:nvSpPr>
-          <p:cNvPr id="4" name="Date Placeholder 3">
-            <a:extLst>
-              <a:ext uri="{FF2B5EF4-FFF2-40B4-BE49-F238E27FC236}">
-                <a16:creationId xmlns:a16="http://schemas.microsoft.com/office/drawing/2014/main" id="{14C3F15B-ABC0-48A3-BFFF-D66E77032692}"/>
-              </a:ext>
-            </a:extLst>
-          </p:cNvPr>
+            <a:endParaRPr lang="en-US" dirty="0"/>
+          </a:p>
+        </p:txBody>
+      </p:sp>
+      <p:sp>
+        <p:nvSpPr>
+          <p:cNvPr id="4" name="Date Placeholder 3"/>
           <p:cNvSpPr>
             <a:spLocks noGrp="1"/>
           </p:cNvSpPr>
@@ -464,7 +3003,7 @@
           <a:p>
             <a:fld id="{0D833A45-15C2-4C6A-A9BD-BB2D0724BFD9}" type="datetimeFigureOut">
               <a:rPr lang="en-GB" smtClean="0"/>
-              <a:t>21/03/2021</a:t>
+              <a:t>22/03/2021</a:t>
             </a:fld>
             <a:endParaRPr lang="en-GB"/>
           </a:p>
@@ -472,13 +3011,7 @@
       </p:sp>
       <p:sp>
         <p:nvSpPr>
-          <p:cNvPr id="5" name="Footer Placeholder 4">
-            <a:extLst>
-              <a:ext uri="{FF2B5EF4-FFF2-40B4-BE49-F238E27FC236}">
-                <a16:creationId xmlns:a16="http://schemas.microsoft.com/office/drawing/2014/main" id="{E6606A23-3428-47E9-ABFF-5197B8CDE864}"/>
-              </a:ext>
-            </a:extLst>
-          </p:cNvPr>
+          <p:cNvPr id="5" name="Footer Placeholder 4"/>
           <p:cNvSpPr>
             <a:spLocks noGrp="1"/>
           </p:cNvSpPr>
@@ -497,13 +3030,7 @@
       </p:sp>
       <p:sp>
         <p:nvSpPr>
-          <p:cNvPr id="6" name="Slide Number Placeholder 5">
-            <a:extLst>
-              <a:ext uri="{FF2B5EF4-FFF2-40B4-BE49-F238E27FC236}">
-                <a16:creationId xmlns:a16="http://schemas.microsoft.com/office/drawing/2014/main" id="{6D7ECFAD-45D6-4F94-B86D-ED577B15FB14}"/>
-              </a:ext>
-            </a:extLst>
-          </p:cNvPr>
+          <p:cNvPr id="6" name="Slide Number Placeholder 5"/>
           <p:cNvSpPr>
             <a:spLocks noGrp="1"/>
           </p:cNvSpPr>
@@ -527,7 +3054,7 @@
     </p:spTree>
     <p:extLst>
       <p:ext uri="{BB962C8B-B14F-4D97-AF65-F5344CB8AC3E}">
-        <p14:creationId xmlns:p14="http://schemas.microsoft.com/office/powerpoint/2010/main" val="264337758"/>
+        <p14:creationId xmlns:p14="http://schemas.microsoft.com/office/powerpoint/2010/main" val="3873597349"/>
       </p:ext>
     </p:extLst>
   </p:cSld>
@@ -537,7 +3064,7 @@
 </p:sldLayout>
 </file>
 
-<file path=ppt/slideLayouts/slideLayout11.xml><?xml version="1.0" encoding="utf-8"?>
+<file path=ppt/slideLayouts/slideLayout17.xml><?xml version="1.0" encoding="utf-8"?>
 <p:sldLayout xmlns:a="http://schemas.openxmlformats.org/drawingml/2006/main" xmlns:r="http://schemas.openxmlformats.org/officeDocument/2006/relationships" xmlns:p="http://schemas.openxmlformats.org/presentationml/2006/main" type="vertTitleAndTx" preserve="1">
   <p:cSld name="Vertical Title and Text">
     <p:spTree>
@@ -556,13 +3083,7 @@
       </p:grpSpPr>
       <p:sp>
         <p:nvSpPr>
-          <p:cNvPr id="2" name="Vertical Title 1">
-            <a:extLst>
-              <a:ext uri="{FF2B5EF4-FFF2-40B4-BE49-F238E27FC236}">
-                <a16:creationId xmlns:a16="http://schemas.microsoft.com/office/drawing/2014/main" id="{F6EBE0FD-CD35-4609-A2ED-B1A37554526D}"/>
-              </a:ext>
-            </a:extLst>
-          </p:cNvPr>
+          <p:cNvPr id="2" name="Vertical Title 1"/>
           <p:cNvSpPr>
             <a:spLocks noGrp="1"/>
           </p:cNvSpPr>
@@ -572,48 +3093,42 @@
         </p:nvSpPr>
         <p:spPr>
           <a:xfrm>
-            <a:off x="8724900" y="365125"/>
-            <a:ext cx="2628900" cy="5811838"/>
+            <a:off x="8304212" y="430213"/>
+            <a:ext cx="1752601" cy="5826125"/>
+          </a:xfrm>
+        </p:spPr>
+        <p:txBody>
+          <a:bodyPr vert="eaVert" anchor="b" anchorCtr="0"/>
+          <a:lstStyle/>
+          <a:p>
+            <a:r>
+              <a:rPr lang="en-US"/>
+              <a:t>Click to edit Master title style</a:t>
+            </a:r>
+            <a:endParaRPr lang="en-US" dirty="0"/>
+          </a:p>
+        </p:txBody>
+      </p:sp>
+      <p:sp>
+        <p:nvSpPr>
+          <p:cNvPr id="3" name="Vertical Text Placeholder 2"/>
+          <p:cNvSpPr>
+            <a:spLocks noGrp="1"/>
+          </p:cNvSpPr>
+          <p:nvPr>
+            <p:ph type="body" orient="vert" idx="1"/>
+          </p:nvPr>
+        </p:nvSpPr>
+        <p:spPr>
+          <a:xfrm>
+            <a:off x="652463" y="887414"/>
+            <a:ext cx="7423149" cy="5368924"/>
           </a:xfrm>
         </p:spPr>
         <p:txBody>
           <a:bodyPr vert="eaVert"/>
           <a:lstStyle/>
           <a:p>
-            <a:r>
-              <a:rPr lang="en-US"/>
-              <a:t>Click to edit Master title style</a:t>
-            </a:r>
-            <a:endParaRPr lang="en-GB"/>
-          </a:p>
-        </p:txBody>
-      </p:sp>
-      <p:sp>
-        <p:nvSpPr>
-          <p:cNvPr id="3" name="Vertical Text Placeholder 2">
-            <a:extLst>
-              <a:ext uri="{FF2B5EF4-FFF2-40B4-BE49-F238E27FC236}">
-                <a16:creationId xmlns:a16="http://schemas.microsoft.com/office/drawing/2014/main" id="{BA88A4B5-8F94-46FE-B8B6-597029815BD4}"/>
-              </a:ext>
-            </a:extLst>
-          </p:cNvPr>
-          <p:cNvSpPr>
-            <a:spLocks noGrp="1"/>
-          </p:cNvSpPr>
-          <p:nvPr>
-            <p:ph type="body" orient="vert" idx="1"/>
-          </p:nvPr>
-        </p:nvSpPr>
-        <p:spPr>
-          <a:xfrm>
-            <a:off x="838200" y="365125"/>
-            <a:ext cx="7734300" cy="5811838"/>
-          </a:xfrm>
-        </p:spPr>
-        <p:txBody>
-          <a:bodyPr vert="eaVert"/>
-          <a:lstStyle/>
-          <a:p>
             <a:pPr lvl="0"/>
             <a:r>
               <a:rPr lang="en-US"/>
@@ -647,19 +3162,13 @@
               <a:rPr lang="en-US"/>
               <a:t>Fifth level</a:t>
             </a:r>
-            <a:endParaRPr lang="en-GB"/>
-          </a:p>
-        </p:txBody>
-      </p:sp>
-      <p:sp>
-        <p:nvSpPr>
-          <p:cNvPr id="4" name="Date Placeholder 3">
-            <a:extLst>
-              <a:ext uri="{FF2B5EF4-FFF2-40B4-BE49-F238E27FC236}">
-                <a16:creationId xmlns:a16="http://schemas.microsoft.com/office/drawing/2014/main" id="{F5B28BC4-41ED-4523-AA5F-F499953FD22B}"/>
-              </a:ext>
-            </a:extLst>
-          </p:cNvPr>
+            <a:endParaRPr lang="en-US" dirty="0"/>
+          </a:p>
+        </p:txBody>
+      </p:sp>
+      <p:sp>
+        <p:nvSpPr>
+          <p:cNvPr id="4" name="Date Placeholder 3"/>
           <p:cNvSpPr>
             <a:spLocks noGrp="1"/>
           </p:cNvSpPr>
@@ -674,7 +3183,7 @@
           <a:p>
             <a:fld id="{0D833A45-15C2-4C6A-A9BD-BB2D0724BFD9}" type="datetimeFigureOut">
               <a:rPr lang="en-GB" smtClean="0"/>
-              <a:t>21/03/2021</a:t>
+              <a:t>22/03/2021</a:t>
             </a:fld>
             <a:endParaRPr lang="en-GB"/>
           </a:p>
@@ -682,13 +3191,7 @@
       </p:sp>
       <p:sp>
         <p:nvSpPr>
-          <p:cNvPr id="5" name="Footer Placeholder 4">
-            <a:extLst>
-              <a:ext uri="{FF2B5EF4-FFF2-40B4-BE49-F238E27FC236}">
-                <a16:creationId xmlns:a16="http://schemas.microsoft.com/office/drawing/2014/main" id="{085905F6-D7D9-46E2-8EAE-77FE53630CD1}"/>
-              </a:ext>
-            </a:extLst>
-          </p:cNvPr>
+          <p:cNvPr id="5" name="Footer Placeholder 4"/>
           <p:cNvSpPr>
             <a:spLocks noGrp="1"/>
           </p:cNvSpPr>
@@ -707,13 +3210,7 @@
       </p:sp>
       <p:sp>
         <p:nvSpPr>
-          <p:cNvPr id="6" name="Slide Number Placeholder 5">
-            <a:extLst>
-              <a:ext uri="{FF2B5EF4-FFF2-40B4-BE49-F238E27FC236}">
-                <a16:creationId xmlns:a16="http://schemas.microsoft.com/office/drawing/2014/main" id="{CE680C35-5E69-4A6C-BF8F-DAE15F9A481B}"/>
-              </a:ext>
-            </a:extLst>
-          </p:cNvPr>
+          <p:cNvPr id="6" name="Slide Number Placeholder 5"/>
           <p:cNvSpPr>
             <a:spLocks noGrp="1"/>
           </p:cNvSpPr>
@@ -737,7 +3234,7 @@
     </p:spTree>
     <p:extLst>
       <p:ext uri="{BB962C8B-B14F-4D97-AF65-F5344CB8AC3E}">
-        <p14:creationId xmlns:p14="http://schemas.microsoft.com/office/powerpoint/2010/main" val="174373583"/>
+        <p14:creationId xmlns:p14="http://schemas.microsoft.com/office/powerpoint/2010/main" val="989038172"/>
       </p:ext>
     </p:extLst>
   </p:cSld>
@@ -766,13 +3263,7 @@
       </p:grpSpPr>
       <p:sp>
         <p:nvSpPr>
-          <p:cNvPr id="2" name="Title 1">
-            <a:extLst>
-              <a:ext uri="{FF2B5EF4-FFF2-40B4-BE49-F238E27FC236}">
-                <a16:creationId xmlns:a16="http://schemas.microsoft.com/office/drawing/2014/main" id="{D92C3E7C-7B19-4E11-AD54-9EB1198A23C6}"/>
-              </a:ext>
-            </a:extLst>
-          </p:cNvPr>
+          <p:cNvPr id="2" name="Title 1"/>
           <p:cNvSpPr>
             <a:spLocks noGrp="1"/>
           </p:cNvSpPr>
@@ -789,19 +3280,13 @@
               <a:rPr lang="en-US"/>
               <a:t>Click to edit Master title style</a:t>
             </a:r>
-            <a:endParaRPr lang="en-GB"/>
-          </a:p>
-        </p:txBody>
-      </p:sp>
-      <p:sp>
-        <p:nvSpPr>
-          <p:cNvPr id="3" name="Content Placeholder 2">
-            <a:extLst>
-              <a:ext uri="{FF2B5EF4-FFF2-40B4-BE49-F238E27FC236}">
-                <a16:creationId xmlns:a16="http://schemas.microsoft.com/office/drawing/2014/main" id="{1F0B3AC8-B757-4E3A-8ACB-CE1C741DD3E0}"/>
-              </a:ext>
-            </a:extLst>
-          </p:cNvPr>
+            <a:endParaRPr lang="en-US" dirty="0"/>
+          </a:p>
+        </p:txBody>
+      </p:sp>
+      <p:sp>
+        <p:nvSpPr>
+          <p:cNvPr id="3" name="Content Placeholder 2"/>
           <p:cNvSpPr>
             <a:spLocks noGrp="1"/>
           </p:cNvSpPr>
@@ -847,19 +3332,13 @@
               <a:rPr lang="en-US"/>
               <a:t>Fifth level</a:t>
             </a:r>
-            <a:endParaRPr lang="en-GB"/>
-          </a:p>
-        </p:txBody>
-      </p:sp>
-      <p:sp>
-        <p:nvSpPr>
-          <p:cNvPr id="4" name="Date Placeholder 3">
-            <a:extLst>
-              <a:ext uri="{FF2B5EF4-FFF2-40B4-BE49-F238E27FC236}">
-                <a16:creationId xmlns:a16="http://schemas.microsoft.com/office/drawing/2014/main" id="{81B597E1-D79E-495B-AF37-7653FEE4F16C}"/>
-              </a:ext>
-            </a:extLst>
-          </p:cNvPr>
+            <a:endParaRPr lang="en-US" dirty="0"/>
+          </a:p>
+        </p:txBody>
+      </p:sp>
+      <p:sp>
+        <p:nvSpPr>
+          <p:cNvPr id="4" name="Date Placeholder 3"/>
           <p:cNvSpPr>
             <a:spLocks noGrp="1"/>
           </p:cNvSpPr>
@@ -874,7 +3353,7 @@
           <a:p>
             <a:fld id="{0D833A45-15C2-4C6A-A9BD-BB2D0724BFD9}" type="datetimeFigureOut">
               <a:rPr lang="en-GB" smtClean="0"/>
-              <a:t>21/03/2021</a:t>
+              <a:t>22/03/2021</a:t>
             </a:fld>
             <a:endParaRPr lang="en-GB"/>
           </a:p>
@@ -882,13 +3361,7 @@
       </p:sp>
       <p:sp>
         <p:nvSpPr>
-          <p:cNvPr id="5" name="Footer Placeholder 4">
-            <a:extLst>
-              <a:ext uri="{FF2B5EF4-FFF2-40B4-BE49-F238E27FC236}">
-                <a16:creationId xmlns:a16="http://schemas.microsoft.com/office/drawing/2014/main" id="{2A74B01C-DB68-4DD8-9B2B-FC243B13DE93}"/>
-              </a:ext>
-            </a:extLst>
-          </p:cNvPr>
+          <p:cNvPr id="5" name="Footer Placeholder 4"/>
           <p:cNvSpPr>
             <a:spLocks noGrp="1"/>
           </p:cNvSpPr>
@@ -907,13 +3380,7 @@
       </p:sp>
       <p:sp>
         <p:nvSpPr>
-          <p:cNvPr id="6" name="Slide Number Placeholder 5">
-            <a:extLst>
-              <a:ext uri="{FF2B5EF4-FFF2-40B4-BE49-F238E27FC236}">
-                <a16:creationId xmlns:a16="http://schemas.microsoft.com/office/drawing/2014/main" id="{2F85C342-861C-4286-A462-1231973005BC}"/>
-              </a:ext>
-            </a:extLst>
-          </p:cNvPr>
+          <p:cNvPr id="6" name="Slide Number Placeholder 5"/>
           <p:cNvSpPr>
             <a:spLocks noGrp="1"/>
           </p:cNvSpPr>
@@ -937,7 +3404,7 @@
     </p:spTree>
     <p:extLst>
       <p:ext uri="{BB962C8B-B14F-4D97-AF65-F5344CB8AC3E}">
-        <p14:creationId xmlns:p14="http://schemas.microsoft.com/office/powerpoint/2010/main" val="1283311122"/>
+        <p14:creationId xmlns:p14="http://schemas.microsoft.com/office/powerpoint/2010/main" val="4173715097"/>
       </p:ext>
     </p:extLst>
   </p:cSld>
@@ -966,13 +3433,7 @@
       </p:grpSpPr>
       <p:sp>
         <p:nvSpPr>
-          <p:cNvPr id="2" name="Title 1">
-            <a:extLst>
-              <a:ext uri="{FF2B5EF4-FFF2-40B4-BE49-F238E27FC236}">
-                <a16:creationId xmlns:a16="http://schemas.microsoft.com/office/drawing/2014/main" id="{BD5A5F2B-1EF5-4926-8621-7C16162E4A98}"/>
-              </a:ext>
-            </a:extLst>
-          </p:cNvPr>
+          <p:cNvPr id="2" name="Title 1"/>
           <p:cNvSpPr>
             <a:spLocks noGrp="1"/>
           </p:cNvSpPr>
@@ -982,15 +3443,15 @@
         </p:nvSpPr>
         <p:spPr>
           <a:xfrm>
-            <a:off x="831850" y="1709738"/>
-            <a:ext cx="10515600" cy="2852737"/>
+            <a:off x="1154956" y="2861733"/>
+            <a:ext cx="8825657" cy="1915647"/>
           </a:xfrm>
         </p:spPr>
         <p:txBody>
           <a:bodyPr anchor="b"/>
           <a:lstStyle>
-            <a:lvl1pPr>
-              <a:defRPr sz="6000"/>
+            <a:lvl1pPr algn="l">
+              <a:defRPr sz="4000" b="0" cap="none"/>
             </a:lvl1pPr>
           </a:lstStyle>
           <a:p>
@@ -998,19 +3459,13 @@
               <a:rPr lang="en-US"/>
               <a:t>Click to edit Master title style</a:t>
             </a:r>
-            <a:endParaRPr lang="en-GB"/>
-          </a:p>
-        </p:txBody>
-      </p:sp>
-      <p:sp>
-        <p:nvSpPr>
-          <p:cNvPr id="3" name="Text Placeholder 2">
-            <a:extLst>
-              <a:ext uri="{FF2B5EF4-FFF2-40B4-BE49-F238E27FC236}">
-                <a16:creationId xmlns:a16="http://schemas.microsoft.com/office/drawing/2014/main" id="{E45715A2-E8F3-4E7C-971F-3DF9A64800AA}"/>
-              </a:ext>
-            </a:extLst>
-          </p:cNvPr>
+            <a:endParaRPr lang="en-US" dirty="0"/>
+          </a:p>
+        </p:txBody>
+      </p:sp>
+      <p:sp>
+        <p:nvSpPr>
+          <p:cNvPr id="3" name="Text Placeholder 2"/>
           <p:cNvSpPr>
             <a:spLocks noGrp="1"/>
           </p:cNvSpPr>
@@ -1020,26 +3475,24 @@
         </p:nvSpPr>
         <p:spPr>
           <a:xfrm>
-            <a:off x="831850" y="4589463"/>
-            <a:ext cx="10515600" cy="1500187"/>
-          </a:xfrm>
-        </p:spPr>
-        <p:txBody>
-          <a:bodyPr/>
+            <a:off x="1154955" y="4777381"/>
+            <a:ext cx="8825658" cy="860400"/>
+          </a:xfrm>
+        </p:spPr>
+        <p:txBody>
+          <a:bodyPr anchor="t"/>
           <a:lstStyle>
-            <a:lvl1pPr marL="0" indent="0">
-              <a:buNone/>
-              <a:defRPr sz="2400">
+            <a:lvl1pPr marL="0" indent="0" algn="l">
+              <a:buNone/>
+              <a:defRPr sz="2000" cap="all">
                 <a:solidFill>
-                  <a:schemeClr val="tx1">
-                    <a:tint val="75000"/>
-                  </a:schemeClr>
+                  <a:schemeClr val="accent1"/>
                 </a:solidFill>
               </a:defRPr>
             </a:lvl1pPr>
             <a:lvl2pPr marL="457200" indent="0">
               <a:buNone/>
-              <a:defRPr sz="2000">
+              <a:defRPr sz="1800">
                 <a:solidFill>
                   <a:schemeClr val="tx1">
                     <a:tint val="75000"/>
@@ -1049,7 +3502,7 @@
             </a:lvl2pPr>
             <a:lvl3pPr marL="914400" indent="0">
               <a:buNone/>
-              <a:defRPr sz="1800">
+              <a:defRPr sz="1600">
                 <a:solidFill>
                   <a:schemeClr val="tx1">
                     <a:tint val="75000"/>
@@ -1059,7 +3512,7 @@
             </a:lvl3pPr>
             <a:lvl4pPr marL="1371600" indent="0">
               <a:buNone/>
-              <a:defRPr sz="1600">
+              <a:defRPr sz="1400">
                 <a:solidFill>
                   <a:schemeClr val="tx1">
                     <a:tint val="75000"/>
@@ -1069,7 +3522,7 @@
             </a:lvl4pPr>
             <a:lvl5pPr marL="1828800" indent="0">
               <a:buNone/>
-              <a:defRPr sz="1600">
+              <a:defRPr sz="1400">
                 <a:solidFill>
                   <a:schemeClr val="tx1">
                     <a:tint val="75000"/>
@@ -1079,7 +3532,7 @@
             </a:lvl5pPr>
             <a:lvl6pPr marL="2286000" indent="0">
               <a:buNone/>
-              <a:defRPr sz="1600">
+              <a:defRPr sz="1400">
                 <a:solidFill>
                   <a:schemeClr val="tx1">
                     <a:tint val="75000"/>
@@ -1089,7 +3542,7 @@
             </a:lvl6pPr>
             <a:lvl7pPr marL="2743200" indent="0">
               <a:buNone/>
-              <a:defRPr sz="1600">
+              <a:defRPr sz="1400">
                 <a:solidFill>
                   <a:schemeClr val="tx1">
                     <a:tint val="75000"/>
@@ -1099,7 +3552,7 @@
             </a:lvl7pPr>
             <a:lvl8pPr marL="3200400" indent="0">
               <a:buNone/>
-              <a:defRPr sz="1600">
+              <a:defRPr sz="1400">
                 <a:solidFill>
                   <a:schemeClr val="tx1">
                     <a:tint val="75000"/>
@@ -1109,7 +3562,7 @@
             </a:lvl8pPr>
             <a:lvl9pPr marL="3657600" indent="0">
               <a:buNone/>
-              <a:defRPr sz="1600">
+              <a:defRPr sz="1400">
                 <a:solidFill>
                   <a:schemeClr val="tx1">
                     <a:tint val="75000"/>
@@ -1129,13 +3582,7 @@
       </p:sp>
       <p:sp>
         <p:nvSpPr>
-          <p:cNvPr id="4" name="Date Placeholder 3">
-            <a:extLst>
-              <a:ext uri="{FF2B5EF4-FFF2-40B4-BE49-F238E27FC236}">
-                <a16:creationId xmlns:a16="http://schemas.microsoft.com/office/drawing/2014/main" id="{143F00DB-AFEA-4053-B7B2-A4D5A1A884AC}"/>
-              </a:ext>
-            </a:extLst>
-          </p:cNvPr>
+          <p:cNvPr id="4" name="Date Placeholder 3"/>
           <p:cNvSpPr>
             <a:spLocks noGrp="1"/>
           </p:cNvSpPr>
@@ -1150,7 +3597,7 @@
           <a:p>
             <a:fld id="{0D833A45-15C2-4C6A-A9BD-BB2D0724BFD9}" type="datetimeFigureOut">
               <a:rPr lang="en-GB" smtClean="0"/>
-              <a:t>21/03/2021</a:t>
+              <a:t>22/03/2021</a:t>
             </a:fld>
             <a:endParaRPr lang="en-GB"/>
           </a:p>
@@ -1158,13 +3605,7 @@
       </p:sp>
       <p:sp>
         <p:nvSpPr>
-          <p:cNvPr id="5" name="Footer Placeholder 4">
-            <a:extLst>
-              <a:ext uri="{FF2B5EF4-FFF2-40B4-BE49-F238E27FC236}">
-                <a16:creationId xmlns:a16="http://schemas.microsoft.com/office/drawing/2014/main" id="{C936D546-312A-4490-9A33-B5A619BC9A3D}"/>
-              </a:ext>
-            </a:extLst>
-          </p:cNvPr>
+          <p:cNvPr id="5" name="Footer Placeholder 4"/>
           <p:cNvSpPr>
             <a:spLocks noGrp="1"/>
           </p:cNvSpPr>
@@ -1183,13 +3624,7 @@
       </p:sp>
       <p:sp>
         <p:nvSpPr>
-          <p:cNvPr id="6" name="Slide Number Placeholder 5">
-            <a:extLst>
-              <a:ext uri="{FF2B5EF4-FFF2-40B4-BE49-F238E27FC236}">
-                <a16:creationId xmlns:a16="http://schemas.microsoft.com/office/drawing/2014/main" id="{4C1DBB7B-8C07-4E47-8FD8-C81AE44503FD}"/>
-              </a:ext>
-            </a:extLst>
-          </p:cNvPr>
+          <p:cNvPr id="6" name="Slide Number Placeholder 5"/>
           <p:cNvSpPr>
             <a:spLocks noGrp="1"/>
           </p:cNvSpPr>
@@ -1213,7 +3648,7 @@
     </p:spTree>
     <p:extLst>
       <p:ext uri="{BB962C8B-B14F-4D97-AF65-F5344CB8AC3E}">
-        <p14:creationId xmlns:p14="http://schemas.microsoft.com/office/powerpoint/2010/main" val="288710583"/>
+        <p14:creationId xmlns:p14="http://schemas.microsoft.com/office/powerpoint/2010/main" val="1774898558"/>
       </p:ext>
     </p:extLst>
   </p:cSld>
@@ -1242,13 +3677,7 @@
       </p:grpSpPr>
       <p:sp>
         <p:nvSpPr>
-          <p:cNvPr id="2" name="Title 1">
-            <a:extLst>
-              <a:ext uri="{FF2B5EF4-FFF2-40B4-BE49-F238E27FC236}">
-                <a16:creationId xmlns:a16="http://schemas.microsoft.com/office/drawing/2014/main" id="{537AE655-4F08-4115-9072-CA840D49D133}"/>
-              </a:ext>
-            </a:extLst>
-          </p:cNvPr>
+          <p:cNvPr id="2" name="Title 1"/>
           <p:cNvSpPr>
             <a:spLocks noGrp="1"/>
           </p:cNvSpPr>
@@ -1265,19 +3694,13 @@
               <a:rPr lang="en-US"/>
               <a:t>Click to edit Master title style</a:t>
             </a:r>
-            <a:endParaRPr lang="en-GB"/>
-          </a:p>
-        </p:txBody>
-      </p:sp>
-      <p:sp>
-        <p:nvSpPr>
-          <p:cNvPr id="3" name="Content Placeholder 2">
-            <a:extLst>
-              <a:ext uri="{FF2B5EF4-FFF2-40B4-BE49-F238E27FC236}">
-                <a16:creationId xmlns:a16="http://schemas.microsoft.com/office/drawing/2014/main" id="{F12DF586-AD3D-4E68-87FE-B321AB4B749B}"/>
-              </a:ext>
-            </a:extLst>
-          </p:cNvPr>
+            <a:endParaRPr lang="en-US" dirty="0"/>
+          </a:p>
+        </p:txBody>
+      </p:sp>
+      <p:sp>
+        <p:nvSpPr>
+          <p:cNvPr id="3" name="Content Placeholder 2"/>
           <p:cNvSpPr>
             <a:spLocks noGrp="1"/>
           </p:cNvSpPr>
@@ -1287,177 +3710,213 @@
         </p:nvSpPr>
         <p:spPr>
           <a:xfrm>
-            <a:off x="838200" y="1825625"/>
-            <a:ext cx="5181600" cy="4351338"/>
-          </a:xfrm>
-        </p:spPr>
+            <a:off x="1103312" y="2060575"/>
+            <a:ext cx="4396339" cy="4195763"/>
+          </a:xfrm>
+        </p:spPr>
+        <p:txBody>
+          <a:bodyPr>
+            <a:normAutofit/>
+          </a:bodyPr>
+          <a:lstStyle>
+            <a:lvl1pPr>
+              <a:defRPr sz="1800"/>
+            </a:lvl1pPr>
+            <a:lvl2pPr>
+              <a:defRPr sz="1600"/>
+            </a:lvl2pPr>
+            <a:lvl3pPr>
+              <a:defRPr sz="1400"/>
+            </a:lvl3pPr>
+            <a:lvl4pPr>
+              <a:defRPr sz="1200"/>
+            </a:lvl4pPr>
+            <a:lvl5pPr>
+              <a:defRPr sz="1200"/>
+            </a:lvl5pPr>
+            <a:lvl6pPr>
+              <a:defRPr sz="1200"/>
+            </a:lvl6pPr>
+            <a:lvl7pPr>
+              <a:defRPr sz="1200"/>
+            </a:lvl7pPr>
+            <a:lvl8pPr>
+              <a:defRPr sz="1200"/>
+            </a:lvl8pPr>
+            <a:lvl9pPr>
+              <a:defRPr sz="1200"/>
+            </a:lvl9pPr>
+          </a:lstStyle>
+          <a:p>
+            <a:pPr lvl="0"/>
+            <a:r>
+              <a:rPr lang="en-US"/>
+              <a:t>Click to edit Master text styles</a:t>
+            </a:r>
+          </a:p>
+          <a:p>
+            <a:pPr lvl="1"/>
+            <a:r>
+              <a:rPr lang="en-US"/>
+              <a:t>Second level</a:t>
+            </a:r>
+          </a:p>
+          <a:p>
+            <a:pPr lvl="2"/>
+            <a:r>
+              <a:rPr lang="en-US"/>
+              <a:t>Third level</a:t>
+            </a:r>
+          </a:p>
+          <a:p>
+            <a:pPr lvl="3"/>
+            <a:r>
+              <a:rPr lang="en-US"/>
+              <a:t>Fourth level</a:t>
+            </a:r>
+          </a:p>
+          <a:p>
+            <a:pPr lvl="4"/>
+            <a:r>
+              <a:rPr lang="en-US"/>
+              <a:t>Fifth level</a:t>
+            </a:r>
+            <a:endParaRPr lang="en-US" dirty="0"/>
+          </a:p>
+        </p:txBody>
+      </p:sp>
+      <p:sp>
+        <p:nvSpPr>
+          <p:cNvPr id="4" name="Content Placeholder 3"/>
+          <p:cNvSpPr>
+            <a:spLocks noGrp="1"/>
+          </p:cNvSpPr>
+          <p:nvPr>
+            <p:ph sz="half" idx="2"/>
+          </p:nvPr>
+        </p:nvSpPr>
+        <p:spPr>
+          <a:xfrm>
+            <a:off x="5654493" y="2056092"/>
+            <a:ext cx="4396341" cy="4200245"/>
+          </a:xfrm>
+        </p:spPr>
+        <p:txBody>
+          <a:bodyPr>
+            <a:normAutofit/>
+          </a:bodyPr>
+          <a:lstStyle>
+            <a:lvl1pPr>
+              <a:defRPr sz="1800"/>
+            </a:lvl1pPr>
+            <a:lvl2pPr>
+              <a:defRPr sz="1600"/>
+            </a:lvl2pPr>
+            <a:lvl3pPr>
+              <a:defRPr sz="1400"/>
+            </a:lvl3pPr>
+            <a:lvl4pPr>
+              <a:defRPr sz="1200"/>
+            </a:lvl4pPr>
+            <a:lvl5pPr>
+              <a:defRPr sz="1200"/>
+            </a:lvl5pPr>
+            <a:lvl6pPr>
+              <a:defRPr sz="1200"/>
+            </a:lvl6pPr>
+            <a:lvl7pPr>
+              <a:defRPr sz="1200"/>
+            </a:lvl7pPr>
+            <a:lvl8pPr>
+              <a:defRPr sz="1200"/>
+            </a:lvl8pPr>
+            <a:lvl9pPr>
+              <a:defRPr sz="1200"/>
+            </a:lvl9pPr>
+          </a:lstStyle>
+          <a:p>
+            <a:pPr lvl="0"/>
+            <a:r>
+              <a:rPr lang="en-US"/>
+              <a:t>Click to edit Master text styles</a:t>
+            </a:r>
+          </a:p>
+          <a:p>
+            <a:pPr lvl="1"/>
+            <a:r>
+              <a:rPr lang="en-US"/>
+              <a:t>Second level</a:t>
+            </a:r>
+          </a:p>
+          <a:p>
+            <a:pPr lvl="2"/>
+            <a:r>
+              <a:rPr lang="en-US"/>
+              <a:t>Third level</a:t>
+            </a:r>
+          </a:p>
+          <a:p>
+            <a:pPr lvl="3"/>
+            <a:r>
+              <a:rPr lang="en-US"/>
+              <a:t>Fourth level</a:t>
+            </a:r>
+          </a:p>
+          <a:p>
+            <a:pPr lvl="4"/>
+            <a:r>
+              <a:rPr lang="en-US"/>
+              <a:t>Fifth level</a:t>
+            </a:r>
+            <a:endParaRPr lang="en-US" dirty="0"/>
+          </a:p>
+        </p:txBody>
+      </p:sp>
+      <p:sp>
+        <p:nvSpPr>
+          <p:cNvPr id="5" name="Date Placeholder 4"/>
+          <p:cNvSpPr>
+            <a:spLocks noGrp="1"/>
+          </p:cNvSpPr>
+          <p:nvPr>
+            <p:ph type="dt" sz="half" idx="10"/>
+          </p:nvPr>
+        </p:nvSpPr>
+        <p:spPr/>
         <p:txBody>
           <a:bodyPr/>
           <a:lstStyle/>
           <a:p>
-            <a:pPr lvl="0"/>
-            <a:r>
-              <a:rPr lang="en-US"/>
-              <a:t>Click to edit Master text styles</a:t>
-            </a:r>
-          </a:p>
-          <a:p>
-            <a:pPr lvl="1"/>
-            <a:r>
-              <a:rPr lang="en-US"/>
-              <a:t>Second level</a:t>
-            </a:r>
-          </a:p>
-          <a:p>
-            <a:pPr lvl="2"/>
-            <a:r>
-              <a:rPr lang="en-US"/>
-              <a:t>Third level</a:t>
-            </a:r>
-          </a:p>
-          <a:p>
-            <a:pPr lvl="3"/>
-            <a:r>
-              <a:rPr lang="en-US"/>
-              <a:t>Fourth level</a:t>
-            </a:r>
-          </a:p>
-          <a:p>
-            <a:pPr lvl="4"/>
-            <a:r>
-              <a:rPr lang="en-US"/>
-              <a:t>Fifth level</a:t>
-            </a:r>
+            <a:fld id="{0D833A45-15C2-4C6A-A9BD-BB2D0724BFD9}" type="datetimeFigureOut">
+              <a:rPr lang="en-GB" smtClean="0"/>
+              <a:t>22/03/2021</a:t>
+            </a:fld>
             <a:endParaRPr lang="en-GB"/>
           </a:p>
         </p:txBody>
       </p:sp>
       <p:sp>
         <p:nvSpPr>
-          <p:cNvPr id="4" name="Content Placeholder 3">
-            <a:extLst>
-              <a:ext uri="{FF2B5EF4-FFF2-40B4-BE49-F238E27FC236}">
-                <a16:creationId xmlns:a16="http://schemas.microsoft.com/office/drawing/2014/main" id="{1AB8AAD5-63AB-41DA-97B8-46DD023BF36C}"/>
-              </a:ext>
-            </a:extLst>
-          </p:cNvPr>
-          <p:cNvSpPr>
-            <a:spLocks noGrp="1"/>
-          </p:cNvSpPr>
-          <p:nvPr>
-            <p:ph sz="half" idx="2"/>
-          </p:nvPr>
-        </p:nvSpPr>
-        <p:spPr>
-          <a:xfrm>
-            <a:off x="6172200" y="1825625"/>
-            <a:ext cx="5181600" cy="4351338"/>
-          </a:xfrm>
-        </p:spPr>
+          <p:cNvPr id="6" name="Footer Placeholder 5"/>
+          <p:cNvSpPr>
+            <a:spLocks noGrp="1"/>
+          </p:cNvSpPr>
+          <p:nvPr>
+            <p:ph type="ftr" sz="quarter" idx="11"/>
+          </p:nvPr>
+        </p:nvSpPr>
+        <p:spPr/>
         <p:txBody>
           <a:bodyPr/>
           <a:lstStyle/>
           <a:p>
-            <a:pPr lvl="0"/>
-            <a:r>
-              <a:rPr lang="en-US"/>
-              <a:t>Click to edit Master text styles</a:t>
-            </a:r>
-          </a:p>
-          <a:p>
-            <a:pPr lvl="1"/>
-            <a:r>
-              <a:rPr lang="en-US"/>
-              <a:t>Second level</a:t>
-            </a:r>
-          </a:p>
-          <a:p>
-            <a:pPr lvl="2"/>
-            <a:r>
-              <a:rPr lang="en-US"/>
-              <a:t>Third level</a:t>
-            </a:r>
-          </a:p>
-          <a:p>
-            <a:pPr lvl="3"/>
-            <a:r>
-              <a:rPr lang="en-US"/>
-              <a:t>Fourth level</a:t>
-            </a:r>
-          </a:p>
-          <a:p>
-            <a:pPr lvl="4"/>
-            <a:r>
-              <a:rPr lang="en-US"/>
-              <a:t>Fifth level</a:t>
-            </a:r>
             <a:endParaRPr lang="en-GB"/>
           </a:p>
         </p:txBody>
       </p:sp>
       <p:sp>
         <p:nvSpPr>
-          <p:cNvPr id="5" name="Date Placeholder 4">
-            <a:extLst>
-              <a:ext uri="{FF2B5EF4-FFF2-40B4-BE49-F238E27FC236}">
-                <a16:creationId xmlns:a16="http://schemas.microsoft.com/office/drawing/2014/main" id="{BBB5BFA4-5422-49F2-951C-5872CEF53273}"/>
-              </a:ext>
-            </a:extLst>
-          </p:cNvPr>
-          <p:cNvSpPr>
-            <a:spLocks noGrp="1"/>
-          </p:cNvSpPr>
-          <p:nvPr>
-            <p:ph type="dt" sz="half" idx="10"/>
-          </p:nvPr>
-        </p:nvSpPr>
-        <p:spPr/>
-        <p:txBody>
-          <a:bodyPr/>
-          <a:lstStyle/>
-          <a:p>
-            <a:fld id="{0D833A45-15C2-4C6A-A9BD-BB2D0724BFD9}" type="datetimeFigureOut">
-              <a:rPr lang="en-GB" smtClean="0"/>
-              <a:t>21/03/2021</a:t>
-            </a:fld>
-            <a:endParaRPr lang="en-GB"/>
-          </a:p>
-        </p:txBody>
-      </p:sp>
-      <p:sp>
-        <p:nvSpPr>
-          <p:cNvPr id="6" name="Footer Placeholder 5">
-            <a:extLst>
-              <a:ext uri="{FF2B5EF4-FFF2-40B4-BE49-F238E27FC236}">
-                <a16:creationId xmlns:a16="http://schemas.microsoft.com/office/drawing/2014/main" id="{99028E7D-4784-4EA4-8A55-6EF7FA12E501}"/>
-              </a:ext>
-            </a:extLst>
-          </p:cNvPr>
-          <p:cNvSpPr>
-            <a:spLocks noGrp="1"/>
-          </p:cNvSpPr>
-          <p:nvPr>
-            <p:ph type="ftr" sz="quarter" idx="11"/>
-          </p:nvPr>
-        </p:nvSpPr>
-        <p:spPr/>
-        <p:txBody>
-          <a:bodyPr/>
-          <a:lstStyle/>
-          <a:p>
-            <a:endParaRPr lang="en-GB"/>
-          </a:p>
-        </p:txBody>
-      </p:sp>
-      <p:sp>
-        <p:nvSpPr>
-          <p:cNvPr id="7" name="Slide Number Placeholder 6">
-            <a:extLst>
-              <a:ext uri="{FF2B5EF4-FFF2-40B4-BE49-F238E27FC236}">
-                <a16:creationId xmlns:a16="http://schemas.microsoft.com/office/drawing/2014/main" id="{FC3664D3-38A9-4BCB-B5F6-9320A0512E57}"/>
-              </a:ext>
-            </a:extLst>
-          </p:cNvPr>
+          <p:cNvPr id="7" name="Slide Number Placeholder 6"/>
           <p:cNvSpPr>
             <a:spLocks noGrp="1"/>
           </p:cNvSpPr>
@@ -1481,7 +3940,7 @@
     </p:spTree>
     <p:extLst>
       <p:ext uri="{BB962C8B-B14F-4D97-AF65-F5344CB8AC3E}">
-        <p14:creationId xmlns:p14="http://schemas.microsoft.com/office/powerpoint/2010/main" val="2279788322"/>
+        <p14:creationId xmlns:p14="http://schemas.microsoft.com/office/powerpoint/2010/main" val="969893948"/>
       </p:ext>
     </p:extLst>
   </p:cSld>
@@ -1510,13 +3969,7 @@
       </p:grpSpPr>
       <p:sp>
         <p:nvSpPr>
-          <p:cNvPr id="2" name="Title 1">
-            <a:extLst>
-              <a:ext uri="{FF2B5EF4-FFF2-40B4-BE49-F238E27FC236}">
-                <a16:creationId xmlns:a16="http://schemas.microsoft.com/office/drawing/2014/main" id="{2CF436AD-9FDB-413D-B268-609CCF6562B1}"/>
-              </a:ext>
-            </a:extLst>
-          </p:cNvPr>
+          <p:cNvPr id="2" name="Title 1"/>
           <p:cNvSpPr>
             <a:spLocks noGrp="1"/>
           </p:cNvSpPr>
@@ -1524,33 +3977,26 @@
             <p:ph type="title"/>
           </p:nvPr>
         </p:nvSpPr>
-        <p:spPr>
-          <a:xfrm>
-            <a:off x="839788" y="365125"/>
-            <a:ext cx="10515600" cy="1325563"/>
-          </a:xfrm>
-        </p:spPr>
+        <p:spPr/>
         <p:txBody>
           <a:bodyPr/>
-          <a:lstStyle/>
+          <a:lstStyle>
+            <a:lvl1pPr>
+              <a:defRPr/>
+            </a:lvl1pPr>
+          </a:lstStyle>
           <a:p>
             <a:r>
               <a:rPr lang="en-US"/>
               <a:t>Click to edit Master title style</a:t>
             </a:r>
-            <a:endParaRPr lang="en-GB"/>
-          </a:p>
-        </p:txBody>
-      </p:sp>
-      <p:sp>
-        <p:nvSpPr>
-          <p:cNvPr id="3" name="Text Placeholder 2">
-            <a:extLst>
-              <a:ext uri="{FF2B5EF4-FFF2-40B4-BE49-F238E27FC236}">
-                <a16:creationId xmlns:a16="http://schemas.microsoft.com/office/drawing/2014/main" id="{0C764C5C-6FF2-450E-9046-003D03B96F7C}"/>
-              </a:ext>
-            </a:extLst>
-          </p:cNvPr>
+            <a:endParaRPr lang="en-US" dirty="0"/>
+          </a:p>
+        </p:txBody>
+      </p:sp>
+      <p:sp>
+        <p:nvSpPr>
+          <p:cNvPr id="3" name="Text Placeholder 2"/>
           <p:cNvSpPr>
             <a:spLocks noGrp="1"/>
           </p:cNvSpPr>
@@ -1560,16 +4006,22 @@
         </p:nvSpPr>
         <p:spPr>
           <a:xfrm>
-            <a:off x="839788" y="1681163"/>
-            <a:ext cx="5157787" cy="823912"/>
-          </a:xfrm>
-        </p:spPr>
-        <p:txBody>
-          <a:bodyPr anchor="b"/>
+            <a:off x="1103313" y="1905000"/>
+            <a:ext cx="4396338" cy="576262"/>
+          </a:xfrm>
+        </p:spPr>
+        <p:txBody>
+          <a:bodyPr anchor="b">
+            <a:noAutofit/>
+          </a:bodyPr>
           <a:lstStyle>
             <a:lvl1pPr marL="0" indent="0">
               <a:buNone/>
-              <a:defRPr sz="2400" b="1"/>
+              <a:defRPr sz="2400" b="0">
+                <a:solidFill>
+                  <a:schemeClr val="accent1"/>
+                </a:solidFill>
+              </a:defRPr>
             </a:lvl1pPr>
             <a:lvl2pPr marL="457200" indent="0">
               <a:buNone/>
@@ -1615,13 +4067,7 @@
       </p:sp>
       <p:sp>
         <p:nvSpPr>
-          <p:cNvPr id="4" name="Content Placeholder 3">
-            <a:extLst>
-              <a:ext uri="{FF2B5EF4-FFF2-40B4-BE49-F238E27FC236}">
-                <a16:creationId xmlns:a16="http://schemas.microsoft.com/office/drawing/2014/main" id="{4F3B99B1-0AA7-41B1-8405-DEF2BC34FFC7}"/>
-              </a:ext>
-            </a:extLst>
-          </p:cNvPr>
+          <p:cNvPr id="4" name="Content Placeholder 3"/>
           <p:cNvSpPr>
             <a:spLocks noGrp="1"/>
           </p:cNvSpPr>
@@ -1631,13 +4077,43 @@
         </p:nvSpPr>
         <p:spPr>
           <a:xfrm>
-            <a:off x="839788" y="2505075"/>
-            <a:ext cx="5157787" cy="3684588"/>
-          </a:xfrm>
-        </p:spPr>
-        <p:txBody>
-          <a:bodyPr/>
-          <a:lstStyle/>
+            <a:off x="1103312" y="2514600"/>
+            <a:ext cx="4396339" cy="3741738"/>
+          </a:xfrm>
+        </p:spPr>
+        <p:txBody>
+          <a:bodyPr>
+            <a:normAutofit/>
+          </a:bodyPr>
+          <a:lstStyle>
+            <a:lvl1pPr>
+              <a:defRPr sz="1800"/>
+            </a:lvl1pPr>
+            <a:lvl2pPr>
+              <a:defRPr sz="1600"/>
+            </a:lvl2pPr>
+            <a:lvl3pPr>
+              <a:defRPr sz="1400"/>
+            </a:lvl3pPr>
+            <a:lvl4pPr>
+              <a:defRPr sz="1200"/>
+            </a:lvl4pPr>
+            <a:lvl5pPr>
+              <a:defRPr sz="1200"/>
+            </a:lvl5pPr>
+            <a:lvl6pPr>
+              <a:defRPr sz="1200"/>
+            </a:lvl6pPr>
+            <a:lvl7pPr>
+              <a:defRPr sz="1200"/>
+            </a:lvl7pPr>
+            <a:lvl8pPr>
+              <a:defRPr sz="1200"/>
+            </a:lvl8pPr>
+            <a:lvl9pPr>
+              <a:defRPr sz="1200"/>
+            </a:lvl9pPr>
+          </a:lstStyle>
           <a:p>
             <a:pPr lvl="0"/>
             <a:r>
@@ -1672,19 +4148,13 @@
               <a:rPr lang="en-US"/>
               <a:t>Fifth level</a:t>
             </a:r>
-            <a:endParaRPr lang="en-GB"/>
-          </a:p>
-        </p:txBody>
-      </p:sp>
-      <p:sp>
-        <p:nvSpPr>
-          <p:cNvPr id="5" name="Text Placeholder 4">
-            <a:extLst>
-              <a:ext uri="{FF2B5EF4-FFF2-40B4-BE49-F238E27FC236}">
-                <a16:creationId xmlns:a16="http://schemas.microsoft.com/office/drawing/2014/main" id="{184A22A9-3076-40A1-B483-8ED6EC977B37}"/>
-              </a:ext>
-            </a:extLst>
-          </p:cNvPr>
+            <a:endParaRPr lang="en-US" dirty="0"/>
+          </a:p>
+        </p:txBody>
+      </p:sp>
+      <p:sp>
+        <p:nvSpPr>
+          <p:cNvPr id="5" name="Text Placeholder 4"/>
           <p:cNvSpPr>
             <a:spLocks noGrp="1"/>
           </p:cNvSpPr>
@@ -1694,16 +4164,22 @@
         </p:nvSpPr>
         <p:spPr>
           <a:xfrm>
-            <a:off x="6172200" y="1681163"/>
-            <a:ext cx="5183188" cy="823912"/>
-          </a:xfrm>
-        </p:spPr>
-        <p:txBody>
-          <a:bodyPr anchor="b"/>
+            <a:off x="5654495" y="1905000"/>
+            <a:ext cx="4396339" cy="576262"/>
+          </a:xfrm>
+        </p:spPr>
+        <p:txBody>
+          <a:bodyPr anchor="b">
+            <a:noAutofit/>
+          </a:bodyPr>
           <a:lstStyle>
             <a:lvl1pPr marL="0" indent="0">
               <a:buNone/>
-              <a:defRPr sz="2400" b="1"/>
+              <a:defRPr sz="2400" b="0">
+                <a:solidFill>
+                  <a:schemeClr val="accent1"/>
+                </a:solidFill>
+              </a:defRPr>
             </a:lvl1pPr>
             <a:lvl2pPr marL="457200" indent="0">
               <a:buNone/>
@@ -1749,13 +4225,7 @@
       </p:sp>
       <p:sp>
         <p:nvSpPr>
-          <p:cNvPr id="6" name="Content Placeholder 5">
-            <a:extLst>
-              <a:ext uri="{FF2B5EF4-FFF2-40B4-BE49-F238E27FC236}">
-                <a16:creationId xmlns:a16="http://schemas.microsoft.com/office/drawing/2014/main" id="{3C4C1449-BE04-40A3-956E-7368DC825DDA}"/>
-              </a:ext>
-            </a:extLst>
-          </p:cNvPr>
+          <p:cNvPr id="6" name="Content Placeholder 5"/>
           <p:cNvSpPr>
             <a:spLocks noGrp="1"/>
           </p:cNvSpPr>
@@ -1765,65 +4235,112 @@
         </p:nvSpPr>
         <p:spPr>
           <a:xfrm>
-            <a:off x="6172200" y="2505075"/>
-            <a:ext cx="5183188" cy="3684588"/>
-          </a:xfrm>
-        </p:spPr>
+            <a:off x="5654495" y="2514600"/>
+            <a:ext cx="4396339" cy="3741738"/>
+          </a:xfrm>
+        </p:spPr>
+        <p:txBody>
+          <a:bodyPr>
+            <a:normAutofit/>
+          </a:bodyPr>
+          <a:lstStyle>
+            <a:lvl1pPr>
+              <a:defRPr sz="1800"/>
+            </a:lvl1pPr>
+            <a:lvl2pPr>
+              <a:defRPr sz="1600"/>
+            </a:lvl2pPr>
+            <a:lvl3pPr>
+              <a:defRPr sz="1400"/>
+            </a:lvl3pPr>
+            <a:lvl4pPr>
+              <a:defRPr sz="1200"/>
+            </a:lvl4pPr>
+            <a:lvl5pPr>
+              <a:defRPr sz="1200"/>
+            </a:lvl5pPr>
+            <a:lvl6pPr>
+              <a:defRPr sz="1200"/>
+            </a:lvl6pPr>
+            <a:lvl7pPr>
+              <a:defRPr sz="1200"/>
+            </a:lvl7pPr>
+            <a:lvl8pPr>
+              <a:defRPr sz="1200"/>
+            </a:lvl8pPr>
+            <a:lvl9pPr>
+              <a:defRPr sz="1200"/>
+            </a:lvl9pPr>
+          </a:lstStyle>
+          <a:p>
+            <a:pPr lvl="0"/>
+            <a:r>
+              <a:rPr lang="en-US"/>
+              <a:t>Click to edit Master text styles</a:t>
+            </a:r>
+          </a:p>
+          <a:p>
+            <a:pPr lvl="1"/>
+            <a:r>
+              <a:rPr lang="en-US"/>
+              <a:t>Second level</a:t>
+            </a:r>
+          </a:p>
+          <a:p>
+            <a:pPr lvl="2"/>
+            <a:r>
+              <a:rPr lang="en-US"/>
+              <a:t>Third level</a:t>
+            </a:r>
+          </a:p>
+          <a:p>
+            <a:pPr lvl="3"/>
+            <a:r>
+              <a:rPr lang="en-US"/>
+              <a:t>Fourth level</a:t>
+            </a:r>
+          </a:p>
+          <a:p>
+            <a:pPr lvl="4"/>
+            <a:r>
+              <a:rPr lang="en-US"/>
+              <a:t>Fifth level</a:t>
+            </a:r>
+            <a:endParaRPr lang="en-US" dirty="0"/>
+          </a:p>
+        </p:txBody>
+      </p:sp>
+      <p:sp>
+        <p:nvSpPr>
+          <p:cNvPr id="7" name="Date Placeholder 6"/>
+          <p:cNvSpPr>
+            <a:spLocks noGrp="1"/>
+          </p:cNvSpPr>
+          <p:nvPr>
+            <p:ph type="dt" sz="half" idx="10"/>
+          </p:nvPr>
+        </p:nvSpPr>
+        <p:spPr/>
         <p:txBody>
           <a:bodyPr/>
           <a:lstStyle/>
           <a:p>
-            <a:pPr lvl="0"/>
-            <a:r>
-              <a:rPr lang="en-US"/>
-              <a:t>Click to edit Master text styles</a:t>
-            </a:r>
-          </a:p>
-          <a:p>
-            <a:pPr lvl="1"/>
-            <a:r>
-              <a:rPr lang="en-US"/>
-              <a:t>Second level</a:t>
-            </a:r>
-          </a:p>
-          <a:p>
-            <a:pPr lvl="2"/>
-            <a:r>
-              <a:rPr lang="en-US"/>
-              <a:t>Third level</a:t>
-            </a:r>
-          </a:p>
-          <a:p>
-            <a:pPr lvl="3"/>
-            <a:r>
-              <a:rPr lang="en-US"/>
-              <a:t>Fourth level</a:t>
-            </a:r>
-          </a:p>
-          <a:p>
-            <a:pPr lvl="4"/>
-            <a:r>
-              <a:rPr lang="en-US"/>
-              <a:t>Fifth level</a:t>
-            </a:r>
+            <a:fld id="{0D833A45-15C2-4C6A-A9BD-BB2D0724BFD9}" type="datetimeFigureOut">
+              <a:rPr lang="en-GB" smtClean="0"/>
+              <a:t>22/03/2021</a:t>
+            </a:fld>
             <a:endParaRPr lang="en-GB"/>
           </a:p>
         </p:txBody>
       </p:sp>
       <p:sp>
         <p:nvSpPr>
-          <p:cNvPr id="7" name="Date Placeholder 6">
-            <a:extLst>
-              <a:ext uri="{FF2B5EF4-FFF2-40B4-BE49-F238E27FC236}">
-                <a16:creationId xmlns:a16="http://schemas.microsoft.com/office/drawing/2014/main" id="{7316D5D5-725B-4A0E-A920-EF4B142E47ED}"/>
-              </a:ext>
-            </a:extLst>
-          </p:cNvPr>
-          <p:cNvSpPr>
-            <a:spLocks noGrp="1"/>
-          </p:cNvSpPr>
-          <p:nvPr>
-            <p:ph type="dt" sz="half" idx="10"/>
+          <p:cNvPr id="8" name="Footer Placeholder 7"/>
+          <p:cNvSpPr>
+            <a:spLocks noGrp="1"/>
+          </p:cNvSpPr>
+          <p:nvPr>
+            <p:ph type="ftr" sz="quarter" idx="11"/>
           </p:nvPr>
         </p:nvSpPr>
         <p:spPr/>
@@ -1831,48 +4348,13 @@
           <a:bodyPr/>
           <a:lstStyle/>
           <a:p>
-            <a:fld id="{0D833A45-15C2-4C6A-A9BD-BB2D0724BFD9}" type="datetimeFigureOut">
-              <a:rPr lang="en-GB" smtClean="0"/>
-              <a:t>21/03/2021</a:t>
-            </a:fld>
             <a:endParaRPr lang="en-GB"/>
           </a:p>
         </p:txBody>
       </p:sp>
       <p:sp>
         <p:nvSpPr>
-          <p:cNvPr id="8" name="Footer Placeholder 7">
-            <a:extLst>
-              <a:ext uri="{FF2B5EF4-FFF2-40B4-BE49-F238E27FC236}">
-                <a16:creationId xmlns:a16="http://schemas.microsoft.com/office/drawing/2014/main" id="{455303C4-B006-4C58-959F-AEDA9046E506}"/>
-              </a:ext>
-            </a:extLst>
-          </p:cNvPr>
-          <p:cNvSpPr>
-            <a:spLocks noGrp="1"/>
-          </p:cNvSpPr>
-          <p:nvPr>
-            <p:ph type="ftr" sz="quarter" idx="11"/>
-          </p:nvPr>
-        </p:nvSpPr>
-        <p:spPr/>
-        <p:txBody>
-          <a:bodyPr/>
-          <a:lstStyle/>
-          <a:p>
-            <a:endParaRPr lang="en-GB"/>
-          </a:p>
-        </p:txBody>
-      </p:sp>
-      <p:sp>
-        <p:nvSpPr>
-          <p:cNvPr id="9" name="Slide Number Placeholder 8">
-            <a:extLst>
-              <a:ext uri="{FF2B5EF4-FFF2-40B4-BE49-F238E27FC236}">
-                <a16:creationId xmlns:a16="http://schemas.microsoft.com/office/drawing/2014/main" id="{1C39DBD0-03FA-4E04-AC1C-69B8D37FEFEA}"/>
-              </a:ext>
-            </a:extLst>
-          </p:cNvPr>
+          <p:cNvPr id="9" name="Slide Number Placeholder 8"/>
           <p:cNvSpPr>
             <a:spLocks noGrp="1"/>
           </p:cNvSpPr>
@@ -1896,7 +4378,7 @@
     </p:spTree>
     <p:extLst>
       <p:ext uri="{BB962C8B-B14F-4D97-AF65-F5344CB8AC3E}">
-        <p14:creationId xmlns:p14="http://schemas.microsoft.com/office/powerpoint/2010/main" val="954158379"/>
+        <p14:creationId xmlns:p14="http://schemas.microsoft.com/office/powerpoint/2010/main" val="3712555442"/>
       </p:ext>
     </p:extLst>
   </p:cSld>
@@ -1925,13 +4407,7 @@
       </p:grpSpPr>
       <p:sp>
         <p:nvSpPr>
-          <p:cNvPr id="2" name="Title 1">
-            <a:extLst>
-              <a:ext uri="{FF2B5EF4-FFF2-40B4-BE49-F238E27FC236}">
-                <a16:creationId xmlns:a16="http://schemas.microsoft.com/office/drawing/2014/main" id="{C825C62F-CC62-47C4-9CF4-5A741DB4CCC2}"/>
-              </a:ext>
-            </a:extLst>
-          </p:cNvPr>
+          <p:cNvPr id="2" name="Title 1"/>
           <p:cNvSpPr>
             <a:spLocks noGrp="1"/>
           </p:cNvSpPr>
@@ -1948,19 +4424,13 @@
               <a:rPr lang="en-US"/>
               <a:t>Click to edit Master title style</a:t>
             </a:r>
-            <a:endParaRPr lang="en-GB"/>
-          </a:p>
-        </p:txBody>
-      </p:sp>
-      <p:sp>
-        <p:nvSpPr>
-          <p:cNvPr id="3" name="Date Placeholder 2">
-            <a:extLst>
-              <a:ext uri="{FF2B5EF4-FFF2-40B4-BE49-F238E27FC236}">
-                <a16:creationId xmlns:a16="http://schemas.microsoft.com/office/drawing/2014/main" id="{172FF755-3A57-44D9-BAA8-6C077340CBB2}"/>
-              </a:ext>
-            </a:extLst>
-          </p:cNvPr>
+            <a:endParaRPr lang="en-US" dirty="0"/>
+          </a:p>
+        </p:txBody>
+      </p:sp>
+      <p:sp>
+        <p:nvSpPr>
+          <p:cNvPr id="7" name="Date Placeholder 2"/>
           <p:cNvSpPr>
             <a:spLocks noGrp="1"/>
           </p:cNvSpPr>
@@ -1975,7 +4445,7 @@
           <a:p>
             <a:fld id="{0D833A45-15C2-4C6A-A9BD-BB2D0724BFD9}" type="datetimeFigureOut">
               <a:rPr lang="en-GB" smtClean="0"/>
-              <a:t>21/03/2021</a:t>
+              <a:t>22/03/2021</a:t>
             </a:fld>
             <a:endParaRPr lang="en-GB"/>
           </a:p>
@@ -1983,13 +4453,7 @@
       </p:sp>
       <p:sp>
         <p:nvSpPr>
-          <p:cNvPr id="4" name="Footer Placeholder 3">
-            <a:extLst>
-              <a:ext uri="{FF2B5EF4-FFF2-40B4-BE49-F238E27FC236}">
-                <a16:creationId xmlns:a16="http://schemas.microsoft.com/office/drawing/2014/main" id="{888E4E6C-BDBB-4A1F-8D9B-88DC8D49D34A}"/>
-              </a:ext>
-            </a:extLst>
-          </p:cNvPr>
+          <p:cNvPr id="5" name="Footer Placeholder 3"/>
           <p:cNvSpPr>
             <a:spLocks noGrp="1"/>
           </p:cNvSpPr>
@@ -2008,13 +4472,7 @@
       </p:sp>
       <p:sp>
         <p:nvSpPr>
-          <p:cNvPr id="5" name="Slide Number Placeholder 4">
-            <a:extLst>
-              <a:ext uri="{FF2B5EF4-FFF2-40B4-BE49-F238E27FC236}">
-                <a16:creationId xmlns:a16="http://schemas.microsoft.com/office/drawing/2014/main" id="{4349ECB6-77BC-4B3F-ACE0-E034FEC7B678}"/>
-              </a:ext>
-            </a:extLst>
-          </p:cNvPr>
+          <p:cNvPr id="6" name="Slide Number Placeholder 4"/>
           <p:cNvSpPr>
             <a:spLocks noGrp="1"/>
           </p:cNvSpPr>
@@ -2038,7 +4496,7 @@
     </p:spTree>
     <p:extLst>
       <p:ext uri="{BB962C8B-B14F-4D97-AF65-F5344CB8AC3E}">
-        <p14:creationId xmlns:p14="http://schemas.microsoft.com/office/powerpoint/2010/main" val="1821427359"/>
+        <p14:creationId xmlns:p14="http://schemas.microsoft.com/office/powerpoint/2010/main" val="3145931989"/>
       </p:ext>
     </p:extLst>
   </p:cSld>
@@ -2067,13 +4525,7 @@
       </p:grpSpPr>
       <p:sp>
         <p:nvSpPr>
-          <p:cNvPr id="2" name="Date Placeholder 1">
-            <a:extLst>
-              <a:ext uri="{FF2B5EF4-FFF2-40B4-BE49-F238E27FC236}">
-                <a16:creationId xmlns:a16="http://schemas.microsoft.com/office/drawing/2014/main" id="{E7F6BA61-76E3-421C-985E-B1E6EA0CA284}"/>
-              </a:ext>
-            </a:extLst>
-          </p:cNvPr>
+          <p:cNvPr id="7" name="Date Placeholder 1"/>
           <p:cNvSpPr>
             <a:spLocks noGrp="1"/>
           </p:cNvSpPr>
@@ -2088,7 +4540,7 @@
           <a:p>
             <a:fld id="{0D833A45-15C2-4C6A-A9BD-BB2D0724BFD9}" type="datetimeFigureOut">
               <a:rPr lang="en-GB" smtClean="0"/>
-              <a:t>21/03/2021</a:t>
+              <a:t>22/03/2021</a:t>
             </a:fld>
             <a:endParaRPr lang="en-GB"/>
           </a:p>
@@ -2096,13 +4548,7 @@
       </p:sp>
       <p:sp>
         <p:nvSpPr>
-          <p:cNvPr id="3" name="Footer Placeholder 2">
-            <a:extLst>
-              <a:ext uri="{FF2B5EF4-FFF2-40B4-BE49-F238E27FC236}">
-                <a16:creationId xmlns:a16="http://schemas.microsoft.com/office/drawing/2014/main" id="{4750453B-9989-4889-A3C2-B996D994EE6E}"/>
-              </a:ext>
-            </a:extLst>
-          </p:cNvPr>
+          <p:cNvPr id="5" name="Footer Placeholder 2"/>
           <p:cNvSpPr>
             <a:spLocks noGrp="1"/>
           </p:cNvSpPr>
@@ -2121,13 +4567,7 @@
       </p:sp>
       <p:sp>
         <p:nvSpPr>
-          <p:cNvPr id="4" name="Slide Number Placeholder 3">
-            <a:extLst>
-              <a:ext uri="{FF2B5EF4-FFF2-40B4-BE49-F238E27FC236}">
-                <a16:creationId xmlns:a16="http://schemas.microsoft.com/office/drawing/2014/main" id="{BFFCFA85-970C-446C-9213-D9A7EE25A98B}"/>
-              </a:ext>
-            </a:extLst>
-          </p:cNvPr>
+          <p:cNvPr id="6" name="Slide Number Placeholder 3"/>
           <p:cNvSpPr>
             <a:spLocks noGrp="1"/>
           </p:cNvSpPr>
@@ -2151,7 +4591,7 @@
     </p:spTree>
     <p:extLst>
       <p:ext uri="{BB962C8B-B14F-4D97-AF65-F5344CB8AC3E}">
-        <p14:creationId xmlns:p14="http://schemas.microsoft.com/office/powerpoint/2010/main" val="2429516756"/>
+        <p14:creationId xmlns:p14="http://schemas.microsoft.com/office/powerpoint/2010/main" val="1588000548"/>
       </p:ext>
     </p:extLst>
   </p:cSld>
@@ -2180,13 +4620,7 @@
       </p:grpSpPr>
       <p:sp>
         <p:nvSpPr>
-          <p:cNvPr id="2" name="Title 1">
-            <a:extLst>
-              <a:ext uri="{FF2B5EF4-FFF2-40B4-BE49-F238E27FC236}">
-                <a16:creationId xmlns:a16="http://schemas.microsoft.com/office/drawing/2014/main" id="{CDC71F57-EB53-4E22-8917-FD6FFF96F5AD}"/>
-              </a:ext>
-            </a:extLst>
-          </p:cNvPr>
+          <p:cNvPr id="2" name="Title 1"/>
           <p:cNvSpPr>
             <a:spLocks noGrp="1"/>
           </p:cNvSpPr>
@@ -2196,15 +4630,15 @@
         </p:nvSpPr>
         <p:spPr>
           <a:xfrm>
-            <a:off x="839788" y="457200"/>
-            <a:ext cx="3932237" cy="1600200"/>
+            <a:off x="1154954" y="1447800"/>
+            <a:ext cx="3401064" cy="1447800"/>
           </a:xfrm>
         </p:spPr>
         <p:txBody>
           <a:bodyPr anchor="b"/>
           <a:lstStyle>
-            <a:lvl1pPr>
-              <a:defRPr sz="3200"/>
+            <a:lvl1pPr algn="l">
+              <a:defRPr sz="2400" b="0"/>
             </a:lvl1pPr>
           </a:lstStyle>
           <a:p>
@@ -2212,19 +4646,13 @@
               <a:rPr lang="en-US"/>
               <a:t>Click to edit Master title style</a:t>
             </a:r>
-            <a:endParaRPr lang="en-GB"/>
-          </a:p>
-        </p:txBody>
-      </p:sp>
-      <p:sp>
-        <p:nvSpPr>
-          <p:cNvPr id="3" name="Content Placeholder 2">
-            <a:extLst>
-              <a:ext uri="{FF2B5EF4-FFF2-40B4-BE49-F238E27FC236}">
-                <a16:creationId xmlns:a16="http://schemas.microsoft.com/office/drawing/2014/main" id="{E3631E18-0B50-478F-A95C-F9D8B1015484}"/>
-              </a:ext>
-            </a:extLst>
-          </p:cNvPr>
+            <a:endParaRPr lang="en-US" dirty="0"/>
+          </a:p>
+        </p:txBody>
+      </p:sp>
+      <p:sp>
+        <p:nvSpPr>
+          <p:cNvPr id="3" name="Content Placeholder 2"/>
           <p:cNvSpPr>
             <a:spLocks noGrp="1"/>
           </p:cNvSpPr>
@@ -2234,39 +4662,41 @@
         </p:nvSpPr>
         <p:spPr>
           <a:xfrm>
-            <a:off x="5183188" y="987425"/>
-            <a:ext cx="6172200" cy="4873625"/>
-          </a:xfrm>
-        </p:spPr>
-        <p:txBody>
-          <a:bodyPr/>
+            <a:off x="4784616" y="1447800"/>
+            <a:ext cx="5195997" cy="4572000"/>
+          </a:xfrm>
+        </p:spPr>
+        <p:txBody>
+          <a:bodyPr anchor="ctr">
+            <a:normAutofit/>
+          </a:bodyPr>
           <a:lstStyle>
             <a:lvl1pPr>
-              <a:defRPr sz="3200"/>
+              <a:defRPr sz="2000"/>
             </a:lvl1pPr>
             <a:lvl2pPr>
-              <a:defRPr sz="2800"/>
+              <a:defRPr sz="1800"/>
             </a:lvl2pPr>
             <a:lvl3pPr>
-              <a:defRPr sz="2400"/>
+              <a:defRPr sz="1600"/>
             </a:lvl3pPr>
             <a:lvl4pPr>
-              <a:defRPr sz="2000"/>
+              <a:defRPr sz="1400"/>
             </a:lvl4pPr>
             <a:lvl5pPr>
-              <a:defRPr sz="2000"/>
+              <a:defRPr sz="1400"/>
             </a:lvl5pPr>
             <a:lvl6pPr>
-              <a:defRPr sz="2000"/>
+              <a:defRPr sz="1400"/>
             </a:lvl6pPr>
             <a:lvl7pPr>
-              <a:defRPr sz="2000"/>
+              <a:defRPr sz="1400"/>
             </a:lvl7pPr>
             <a:lvl8pPr>
-              <a:defRPr sz="2000"/>
+              <a:defRPr sz="1400"/>
             </a:lvl8pPr>
             <a:lvl9pPr>
-              <a:defRPr sz="2000"/>
+              <a:defRPr sz="1400"/>
             </a:lvl9pPr>
           </a:lstStyle>
           <a:p>
@@ -2303,19 +4733,13 @@
               <a:rPr lang="en-US"/>
               <a:t>Fifth level</a:t>
             </a:r>
-            <a:endParaRPr lang="en-GB"/>
-          </a:p>
-        </p:txBody>
-      </p:sp>
-      <p:sp>
-        <p:nvSpPr>
-          <p:cNvPr id="4" name="Text Placeholder 3">
-            <a:extLst>
-              <a:ext uri="{FF2B5EF4-FFF2-40B4-BE49-F238E27FC236}">
-                <a16:creationId xmlns:a16="http://schemas.microsoft.com/office/drawing/2014/main" id="{54FDB418-B476-4E57-93E4-E72392C024C9}"/>
-              </a:ext>
-            </a:extLst>
-          </p:cNvPr>
+            <a:endParaRPr lang="en-US" dirty="0"/>
+          </a:p>
+        </p:txBody>
+      </p:sp>
+      <p:sp>
+        <p:nvSpPr>
+          <p:cNvPr id="4" name="Text Placeholder 3"/>
           <p:cNvSpPr>
             <a:spLocks noGrp="1"/>
           </p:cNvSpPr>
@@ -2325,8 +4749,8 @@
         </p:nvSpPr>
         <p:spPr>
           <a:xfrm>
-            <a:off x="839788" y="2057400"/>
-            <a:ext cx="3932237" cy="3811588"/>
+            <a:off x="1154954" y="3129280"/>
+            <a:ext cx="3401063" cy="2895599"/>
           </a:xfrm>
         </p:spPr>
         <p:txBody>
@@ -2334,39 +4758,39 @@
           <a:lstStyle>
             <a:lvl1pPr marL="0" indent="0">
               <a:buNone/>
-              <a:defRPr sz="1600"/>
+              <a:defRPr sz="1400"/>
             </a:lvl1pPr>
             <a:lvl2pPr marL="457200" indent="0">
               <a:buNone/>
-              <a:defRPr sz="1400"/>
+              <a:defRPr sz="1200"/>
             </a:lvl2pPr>
             <a:lvl3pPr marL="914400" indent="0">
               <a:buNone/>
-              <a:defRPr sz="1200"/>
+              <a:defRPr sz="1000"/>
             </a:lvl3pPr>
             <a:lvl4pPr marL="1371600" indent="0">
               <a:buNone/>
-              <a:defRPr sz="1000"/>
+              <a:defRPr sz="900"/>
             </a:lvl4pPr>
             <a:lvl5pPr marL="1828800" indent="0">
               <a:buNone/>
-              <a:defRPr sz="1000"/>
+              <a:defRPr sz="900"/>
             </a:lvl5pPr>
             <a:lvl6pPr marL="2286000" indent="0">
               <a:buNone/>
-              <a:defRPr sz="1000"/>
+              <a:defRPr sz="900"/>
             </a:lvl6pPr>
             <a:lvl7pPr marL="2743200" indent="0">
               <a:buNone/>
-              <a:defRPr sz="1000"/>
+              <a:defRPr sz="900"/>
             </a:lvl7pPr>
             <a:lvl8pPr marL="3200400" indent="0">
               <a:buNone/>
-              <a:defRPr sz="1000"/>
+              <a:defRPr sz="900"/>
             </a:lvl8pPr>
             <a:lvl9pPr marL="3657600" indent="0">
               <a:buNone/>
-              <a:defRPr sz="1000"/>
+              <a:defRPr sz="900"/>
             </a:lvl9pPr>
           </a:lstStyle>
           <a:p>
@@ -2380,13 +4804,7 @@
       </p:sp>
       <p:sp>
         <p:nvSpPr>
-          <p:cNvPr id="5" name="Date Placeholder 4">
-            <a:extLst>
-              <a:ext uri="{FF2B5EF4-FFF2-40B4-BE49-F238E27FC236}">
-                <a16:creationId xmlns:a16="http://schemas.microsoft.com/office/drawing/2014/main" id="{1E9CE759-8E20-4988-8C21-D104E90373E6}"/>
-              </a:ext>
-            </a:extLst>
-          </p:cNvPr>
+          <p:cNvPr id="7" name="Date Placeholder 4"/>
           <p:cNvSpPr>
             <a:spLocks noGrp="1"/>
           </p:cNvSpPr>
@@ -2401,7 +4819,7 @@
           <a:p>
             <a:fld id="{0D833A45-15C2-4C6A-A9BD-BB2D0724BFD9}" type="datetimeFigureOut">
               <a:rPr lang="en-GB" smtClean="0"/>
-              <a:t>21/03/2021</a:t>
+              <a:t>22/03/2021</a:t>
             </a:fld>
             <a:endParaRPr lang="en-GB"/>
           </a:p>
@@ -2409,13 +4827,7 @@
       </p:sp>
       <p:sp>
         <p:nvSpPr>
-          <p:cNvPr id="6" name="Footer Placeholder 5">
-            <a:extLst>
-              <a:ext uri="{FF2B5EF4-FFF2-40B4-BE49-F238E27FC236}">
-                <a16:creationId xmlns:a16="http://schemas.microsoft.com/office/drawing/2014/main" id="{42882FC2-1395-441F-89B7-DC3527C9224C}"/>
-              </a:ext>
-            </a:extLst>
-          </p:cNvPr>
+          <p:cNvPr id="5" name="Footer Placeholder 5"/>
           <p:cNvSpPr>
             <a:spLocks noGrp="1"/>
           </p:cNvSpPr>
@@ -2434,13 +4846,7 @@
       </p:sp>
       <p:sp>
         <p:nvSpPr>
-          <p:cNvPr id="7" name="Slide Number Placeholder 6">
-            <a:extLst>
-              <a:ext uri="{FF2B5EF4-FFF2-40B4-BE49-F238E27FC236}">
-                <a16:creationId xmlns:a16="http://schemas.microsoft.com/office/drawing/2014/main" id="{72B7C2F4-C8FD-4365-A2DF-6C59459594EE}"/>
-              </a:ext>
-            </a:extLst>
-          </p:cNvPr>
+          <p:cNvPr id="6" name="Slide Number Placeholder 6"/>
           <p:cNvSpPr>
             <a:spLocks noGrp="1"/>
           </p:cNvSpPr>
@@ -2464,7 +4870,7 @@
     </p:spTree>
     <p:extLst>
       <p:ext uri="{BB962C8B-B14F-4D97-AF65-F5344CB8AC3E}">
-        <p14:creationId xmlns:p14="http://schemas.microsoft.com/office/powerpoint/2010/main" val="1075390907"/>
+        <p14:creationId xmlns:p14="http://schemas.microsoft.com/office/powerpoint/2010/main" val="2691732776"/>
       </p:ext>
     </p:extLst>
   </p:cSld>
@@ -2493,13 +4899,7 @@
       </p:grpSpPr>
       <p:sp>
         <p:nvSpPr>
-          <p:cNvPr id="2" name="Title 1">
-            <a:extLst>
-              <a:ext uri="{FF2B5EF4-FFF2-40B4-BE49-F238E27FC236}">
-                <a16:creationId xmlns:a16="http://schemas.microsoft.com/office/drawing/2014/main" id="{138EAAB0-2B59-47EC-8963-35104431D70A}"/>
-              </a:ext>
-            </a:extLst>
-          </p:cNvPr>
+          <p:cNvPr id="2" name="Title 1"/>
           <p:cNvSpPr>
             <a:spLocks noGrp="1"/>
           </p:cNvSpPr>
@@ -2509,15 +4909,17 @@
         </p:nvSpPr>
         <p:spPr>
           <a:xfrm>
-            <a:off x="839788" y="457200"/>
-            <a:ext cx="3932237" cy="1600200"/>
-          </a:xfrm>
-        </p:spPr>
-        <p:txBody>
-          <a:bodyPr anchor="b"/>
+            <a:off x="1153907" y="1854192"/>
+            <a:ext cx="5092906" cy="1574808"/>
+          </a:xfrm>
+        </p:spPr>
+        <p:txBody>
+          <a:bodyPr anchor="b">
+            <a:normAutofit/>
+          </a:bodyPr>
           <a:lstStyle>
-            <a:lvl1pPr>
-              <a:defRPr sz="3200"/>
+            <a:lvl1pPr algn="l">
+              <a:defRPr sz="3600" b="0"/>
             </a:lvl1pPr>
           </a:lstStyle>
           <a:p>
@@ -2525,21 +4927,15 @@
               <a:rPr lang="en-US"/>
               <a:t>Click to edit Master title style</a:t>
             </a:r>
-            <a:endParaRPr lang="en-GB"/>
-          </a:p>
-        </p:txBody>
-      </p:sp>
-      <p:sp>
-        <p:nvSpPr>
-          <p:cNvPr id="3" name="Picture Placeholder 2">
-            <a:extLst>
-              <a:ext uri="{FF2B5EF4-FFF2-40B4-BE49-F238E27FC236}">
-                <a16:creationId xmlns:a16="http://schemas.microsoft.com/office/drawing/2014/main" id="{BB612A19-22F7-4653-A652-F0D4F0AC9193}"/>
-              </a:ext>
-            </a:extLst>
-          </p:cNvPr>
-          <p:cNvSpPr>
-            <a:spLocks noGrp="1"/>
+            <a:endParaRPr lang="en-US" dirty="0"/>
+          </a:p>
+        </p:txBody>
+      </p:sp>
+      <p:sp>
+        <p:nvSpPr>
+          <p:cNvPr id="3" name="Picture Placeholder 2"/>
+          <p:cNvSpPr>
+            <a:spLocks noGrp="1" noChangeAspect="1"/>
           </p:cNvSpPr>
           <p:nvPr>
             <p:ph type="pic" idx="1"/>
@@ -2547,118 +4943,132 @@
         </p:nvSpPr>
         <p:spPr>
           <a:xfrm>
-            <a:off x="5183188" y="987425"/>
-            <a:ext cx="6172200" cy="4873625"/>
-          </a:xfrm>
-        </p:spPr>
-        <p:txBody>
-          <a:bodyPr/>
+            <a:off x="6949546" y="1143000"/>
+            <a:ext cx="3200400" cy="4572000"/>
+          </a:xfrm>
+          <a:prstGeom prst="roundRect">
+            <a:avLst>
+              <a:gd name="adj" fmla="val 1858"/>
+            </a:avLst>
+          </a:prstGeom>
+          <a:effectLst>
+            <a:outerShdw blurRad="50800" dist="50800" dir="5400000" algn="tl" rotWithShape="0">
+              <a:srgbClr val="000000">
+                <a:alpha val="43000"/>
+              </a:srgbClr>
+            </a:outerShdw>
+          </a:effectLst>
+        </p:spPr>
+        <p:txBody>
+          <a:bodyPr anchor="t">
+            <a:normAutofit/>
+          </a:bodyPr>
           <a:lstStyle>
-            <a:lvl1pPr marL="0" indent="0">
-              <a:buNone/>
-              <a:defRPr sz="3200"/>
-            </a:lvl1pPr>
-            <a:lvl2pPr marL="457200" indent="0">
-              <a:buNone/>
-              <a:defRPr sz="2800"/>
-            </a:lvl2pPr>
-            <a:lvl3pPr marL="914400" indent="0">
-              <a:buNone/>
-              <a:defRPr sz="2400"/>
-            </a:lvl3pPr>
-            <a:lvl4pPr marL="1371600" indent="0">
-              <a:buNone/>
-              <a:defRPr sz="2000"/>
-            </a:lvl4pPr>
-            <a:lvl5pPr marL="1828800" indent="0">
-              <a:buNone/>
-              <a:defRPr sz="2000"/>
-            </a:lvl5pPr>
-            <a:lvl6pPr marL="2286000" indent="0">
-              <a:buNone/>
-              <a:defRPr sz="2000"/>
-            </a:lvl6pPr>
-            <a:lvl7pPr marL="2743200" indent="0">
-              <a:buNone/>
-              <a:defRPr sz="2000"/>
-            </a:lvl7pPr>
-            <a:lvl8pPr marL="3200400" indent="0">
-              <a:buNone/>
-              <a:defRPr sz="2000"/>
-            </a:lvl8pPr>
-            <a:lvl9pPr marL="3657600" indent="0">
-              <a:buNone/>
-              <a:defRPr sz="2000"/>
-            </a:lvl9pPr>
-          </a:lstStyle>
-          <a:p>
-            <a:endParaRPr lang="en-GB"/>
-          </a:p>
-        </p:txBody>
-      </p:sp>
-      <p:sp>
-        <p:nvSpPr>
-          <p:cNvPr id="4" name="Text Placeholder 3">
-            <a:extLst>
-              <a:ext uri="{FF2B5EF4-FFF2-40B4-BE49-F238E27FC236}">
-                <a16:creationId xmlns:a16="http://schemas.microsoft.com/office/drawing/2014/main" id="{C98515C4-5380-4669-A953-BA9F136E765B}"/>
-              </a:ext>
-            </a:extLst>
-          </p:cNvPr>
-          <p:cNvSpPr>
-            <a:spLocks noGrp="1"/>
-          </p:cNvSpPr>
-          <p:nvPr>
-            <p:ph type="body" sz="half" idx="2"/>
-          </p:nvPr>
-        </p:nvSpPr>
-        <p:spPr>
-          <a:xfrm>
-            <a:off x="839788" y="2057400"/>
-            <a:ext cx="3932237" cy="3811588"/>
-          </a:xfrm>
-        </p:spPr>
-        <p:txBody>
-          <a:bodyPr/>
-          <a:lstStyle>
-            <a:lvl1pPr marL="0" indent="0">
+            <a:lvl1pPr marL="0" indent="0" algn="ctr">
               <a:buNone/>
               <a:defRPr sz="1600"/>
             </a:lvl1pPr>
             <a:lvl2pPr marL="457200" indent="0">
               <a:buNone/>
-              <a:defRPr sz="1400"/>
+              <a:defRPr sz="1600"/>
             </a:lvl2pPr>
             <a:lvl3pPr marL="914400" indent="0">
               <a:buNone/>
-              <a:defRPr sz="1200"/>
+              <a:defRPr sz="1600"/>
             </a:lvl3pPr>
             <a:lvl4pPr marL="1371600" indent="0">
               <a:buNone/>
-              <a:defRPr sz="1000"/>
+              <a:defRPr sz="1600"/>
             </a:lvl4pPr>
             <a:lvl5pPr marL="1828800" indent="0">
               <a:buNone/>
-              <a:defRPr sz="1000"/>
+              <a:defRPr sz="1600"/>
             </a:lvl5pPr>
             <a:lvl6pPr marL="2286000" indent="0">
               <a:buNone/>
-              <a:defRPr sz="1000"/>
+              <a:defRPr sz="1600"/>
             </a:lvl6pPr>
             <a:lvl7pPr marL="2743200" indent="0">
               <a:buNone/>
-              <a:defRPr sz="1000"/>
+              <a:defRPr sz="1600"/>
             </a:lvl7pPr>
             <a:lvl8pPr marL="3200400" indent="0">
               <a:buNone/>
-              <a:defRPr sz="1000"/>
+              <a:defRPr sz="1600"/>
             </a:lvl8pPr>
             <a:lvl9pPr marL="3657600" indent="0">
               <a:buNone/>
-              <a:defRPr sz="1000"/>
+              <a:defRPr sz="1600"/>
             </a:lvl9pPr>
           </a:lstStyle>
           <a:p>
+            <a:r>
+              <a:rPr lang="en-US"/>
+              <a:t>Click icon to add picture</a:t>
+            </a:r>
+            <a:endParaRPr lang="en-US" dirty="0"/>
+          </a:p>
+        </p:txBody>
+      </p:sp>
+      <p:sp>
+        <p:nvSpPr>
+          <p:cNvPr id="4" name="Text Placeholder 3"/>
+          <p:cNvSpPr>
+            <a:spLocks noGrp="1"/>
+          </p:cNvSpPr>
+          <p:nvPr>
+            <p:ph type="body" sz="half" idx="2"/>
+          </p:nvPr>
+        </p:nvSpPr>
+        <p:spPr>
+          <a:xfrm>
+            <a:off x="1154954" y="3657600"/>
+            <a:ext cx="5084979" cy="1371600"/>
+          </a:xfrm>
+        </p:spPr>
+        <p:txBody>
+          <a:bodyPr>
+            <a:normAutofit/>
+          </a:bodyPr>
+          <a:lstStyle>
+            <a:lvl1pPr marL="0" indent="0">
+              <a:buNone/>
+              <a:defRPr sz="1400"/>
+            </a:lvl1pPr>
+            <a:lvl2pPr marL="457200" indent="0">
+              <a:buNone/>
+              <a:defRPr sz="1200"/>
+            </a:lvl2pPr>
+            <a:lvl3pPr marL="914400" indent="0">
+              <a:buNone/>
+              <a:defRPr sz="1000"/>
+            </a:lvl3pPr>
+            <a:lvl4pPr marL="1371600" indent="0">
+              <a:buNone/>
+              <a:defRPr sz="900"/>
+            </a:lvl4pPr>
+            <a:lvl5pPr marL="1828800" indent="0">
+              <a:buNone/>
+              <a:defRPr sz="900"/>
+            </a:lvl5pPr>
+            <a:lvl6pPr marL="2286000" indent="0">
+              <a:buNone/>
+              <a:defRPr sz="900"/>
+            </a:lvl6pPr>
+            <a:lvl7pPr marL="2743200" indent="0">
+              <a:buNone/>
+              <a:defRPr sz="900"/>
+            </a:lvl7pPr>
+            <a:lvl8pPr marL="3200400" indent="0">
+              <a:buNone/>
+              <a:defRPr sz="900"/>
+            </a:lvl8pPr>
+            <a:lvl9pPr marL="3657600" indent="0">
+              <a:buNone/>
+              <a:defRPr sz="900"/>
+            </a:lvl9pPr>
+          </a:lstStyle>
+          <a:p>
             <a:pPr lvl="0"/>
             <a:r>
               <a:rPr lang="en-US"/>
@@ -2669,13 +5079,7 @@
       </p:sp>
       <p:sp>
         <p:nvSpPr>
-          <p:cNvPr id="5" name="Date Placeholder 4">
-            <a:extLst>
-              <a:ext uri="{FF2B5EF4-FFF2-40B4-BE49-F238E27FC236}">
-                <a16:creationId xmlns:a16="http://schemas.microsoft.com/office/drawing/2014/main" id="{F334E6AA-3336-4BCD-988B-952F9A759F36}"/>
-              </a:ext>
-            </a:extLst>
-          </p:cNvPr>
+          <p:cNvPr id="5" name="Date Placeholder 4"/>
           <p:cNvSpPr>
             <a:spLocks noGrp="1"/>
           </p:cNvSpPr>
@@ -2690,7 +5094,7 @@
           <a:p>
             <a:fld id="{0D833A45-15C2-4C6A-A9BD-BB2D0724BFD9}" type="datetimeFigureOut">
               <a:rPr lang="en-GB" smtClean="0"/>
-              <a:t>21/03/2021</a:t>
+              <a:t>22/03/2021</a:t>
             </a:fld>
             <a:endParaRPr lang="en-GB"/>
           </a:p>
@@ -2698,13 +5102,7 @@
       </p:sp>
       <p:sp>
         <p:nvSpPr>
-          <p:cNvPr id="6" name="Footer Placeholder 5">
-            <a:extLst>
-              <a:ext uri="{FF2B5EF4-FFF2-40B4-BE49-F238E27FC236}">
-                <a16:creationId xmlns:a16="http://schemas.microsoft.com/office/drawing/2014/main" id="{45BF039E-9E07-4B5B-A34E-FE4D7B001727}"/>
-              </a:ext>
-            </a:extLst>
-          </p:cNvPr>
+          <p:cNvPr id="6" name="Footer Placeholder 5"/>
           <p:cNvSpPr>
             <a:spLocks noGrp="1"/>
           </p:cNvSpPr>
@@ -2723,13 +5121,7 @@
       </p:sp>
       <p:sp>
         <p:nvSpPr>
-          <p:cNvPr id="7" name="Slide Number Placeholder 6">
-            <a:extLst>
-              <a:ext uri="{FF2B5EF4-FFF2-40B4-BE49-F238E27FC236}">
-                <a16:creationId xmlns:a16="http://schemas.microsoft.com/office/drawing/2014/main" id="{04CD876D-D3E5-474D-8C7C-622B820D0438}"/>
-              </a:ext>
-            </a:extLst>
-          </p:cNvPr>
+          <p:cNvPr id="7" name="Slide Number Placeholder 6"/>
           <p:cNvSpPr>
             <a:spLocks noGrp="1"/>
           </p:cNvSpPr>
@@ -2753,7 +5145,7 @@
     </p:spTree>
     <p:extLst>
       <p:ext uri="{BB962C8B-B14F-4D97-AF65-F5344CB8AC3E}">
-        <p14:creationId xmlns:p14="http://schemas.microsoft.com/office/powerpoint/2010/main" val="3010893982"/>
+        <p14:creationId xmlns:p14="http://schemas.microsoft.com/office/powerpoint/2010/main" val="3025915368"/>
       </p:ext>
     </p:extLst>
   </p:cSld>
@@ -2767,8 +5159,8 @@
 <p:sldMaster xmlns:a="http://schemas.openxmlformats.org/drawingml/2006/main" xmlns:r="http://schemas.openxmlformats.org/officeDocument/2006/relationships" xmlns:p="http://schemas.openxmlformats.org/presentationml/2006/main">
   <p:cSld>
     <p:bg>
-      <p:bgRef idx="1001">
-        <a:schemeClr val="bg1"/>
+      <p:bgRef idx="1003">
+        <a:schemeClr val="bg2"/>
       </p:bgRef>
     </p:bg>
     <p:spTree>
@@ -2785,34 +5177,243 @@
           <a:chExt cx="0" cy="0"/>
         </a:xfrm>
       </p:grpSpPr>
-      <p:sp>
-        <p:nvSpPr>
-          <p:cNvPr id="2" name="Title Placeholder 1">
+      <p:pic>
+        <p:nvPicPr>
+          <p:cNvPr id="8" name="Picture 7"/>
+          <p:cNvPicPr>
+            <a:picLocks noChangeAspect="1"/>
+          </p:cNvPicPr>
+          <p:nvPr/>
+        </p:nvPicPr>
+        <p:blipFill rotWithShape="1">
+          <a:blip r:embed="rId19">
             <a:extLst>
-              <a:ext uri="{FF2B5EF4-FFF2-40B4-BE49-F238E27FC236}">
-                <a16:creationId xmlns:a16="http://schemas.microsoft.com/office/drawing/2014/main" id="{F31535C7-4270-4F97-9EB7-A2161EFD7744}"/>
+              <a:ext uri="{28A0092B-C50C-407E-A947-70E740481C1C}">
+                <a14:useLocalDpi xmlns:a14="http://schemas.microsoft.com/office/drawing/2010/main" val="0"/>
               </a:ext>
             </a:extLst>
-          </p:cNvPr>
-          <p:cNvSpPr>
-            <a:spLocks noGrp="1"/>
-          </p:cNvSpPr>
-          <p:nvPr>
-            <p:ph type="title"/>
-          </p:nvPr>
-        </p:nvSpPr>
-        <p:spPr>
-          <a:xfrm>
-            <a:off x="838200" y="365125"/>
-            <a:ext cx="10515600" cy="1325563"/>
+          </a:blip>
+          <a:srcRect l="3613"/>
+          <a:stretch/>
+        </p:blipFill>
+        <p:spPr>
+          <a:xfrm>
+            <a:off x="0" y="2669685"/>
+            <a:ext cx="4037012" cy="4188315"/>
           </a:xfrm>
           <a:prstGeom prst="rect">
             <a:avLst/>
           </a:prstGeom>
         </p:spPr>
-        <p:txBody>
-          <a:bodyPr vert="horz" lIns="91440" tIns="45720" rIns="91440" bIns="45720" rtlCol="0" anchor="ctr">
-            <a:normAutofit/>
+      </p:pic>
+      <p:pic>
+        <p:nvPicPr>
+          <p:cNvPr id="7" name="Picture 6"/>
+          <p:cNvPicPr>
+            <a:picLocks noChangeAspect="1"/>
+          </p:cNvPicPr>
+          <p:nvPr/>
+        </p:nvPicPr>
+        <p:blipFill rotWithShape="1">
+          <a:blip r:embed="rId20">
+            <a:extLst>
+              <a:ext uri="{28A0092B-C50C-407E-A947-70E740481C1C}">
+                <a14:useLocalDpi xmlns:a14="http://schemas.microsoft.com/office/drawing/2010/main" val="0"/>
+              </a:ext>
+            </a:extLst>
+          </a:blip>
+          <a:srcRect l="35640"/>
+          <a:stretch/>
+        </p:blipFill>
+        <p:spPr>
+          <a:xfrm>
+            <a:off x="0" y="2892347"/>
+            <a:ext cx="1522412" cy="2365453"/>
+          </a:xfrm>
+          <a:prstGeom prst="rect">
+            <a:avLst/>
+          </a:prstGeom>
+        </p:spPr>
+      </p:pic>
+      <p:sp>
+        <p:nvSpPr>
+          <p:cNvPr id="16" name="Oval 15"/>
+          <p:cNvSpPr/>
+          <p:nvPr/>
+        </p:nvSpPr>
+        <p:spPr>
+          <a:xfrm>
+            <a:off x="8609012" y="1676400"/>
+            <a:ext cx="2819400" cy="2819400"/>
+          </a:xfrm>
+          <a:prstGeom prst="ellipse">
+            <a:avLst/>
+          </a:prstGeom>
+          <a:gradFill flip="none" rotWithShape="1">
+            <a:gsLst>
+              <a:gs pos="0">
+                <a:schemeClr val="bg2">
+                  <a:lumMod val="40000"/>
+                  <a:lumOff val="60000"/>
+                  <a:alpha val="7000"/>
+                </a:schemeClr>
+              </a:gs>
+              <a:gs pos="69000">
+                <a:schemeClr val="bg2">
+                  <a:lumMod val="40000"/>
+                  <a:lumOff val="60000"/>
+                  <a:alpha val="0"/>
+                </a:schemeClr>
+              </a:gs>
+              <a:gs pos="36000">
+                <a:schemeClr val="bg2">
+                  <a:lumMod val="40000"/>
+                  <a:lumOff val="60000"/>
+                  <a:alpha val="6000"/>
+                </a:schemeClr>
+              </a:gs>
+            </a:gsLst>
+            <a:path path="circle">
+              <a:fillToRect l="50000" t="50000" r="50000" b="50000"/>
+            </a:path>
+            <a:tileRect/>
+          </a:gradFill>
+          <a:ln>
+            <a:noFill/>
+          </a:ln>
+          <a:effectLst/>
+        </p:spPr>
+        <p:style>
+          <a:lnRef idx="1">
+            <a:schemeClr val="accent1"/>
+          </a:lnRef>
+          <a:fillRef idx="3">
+            <a:schemeClr val="accent1"/>
+          </a:fillRef>
+          <a:effectRef idx="2">
+            <a:schemeClr val="accent1"/>
+          </a:effectRef>
+          <a:fontRef idx="minor">
+            <a:schemeClr val="lt1"/>
+          </a:fontRef>
+        </p:style>
+      </p:sp>
+      <p:pic>
+        <p:nvPicPr>
+          <p:cNvPr id="9" name="Picture 8"/>
+          <p:cNvPicPr>
+            <a:picLocks noChangeAspect="1"/>
+          </p:cNvPicPr>
+          <p:nvPr/>
+        </p:nvPicPr>
+        <p:blipFill rotWithShape="1">
+          <a:blip r:embed="rId21">
+            <a:extLst>
+              <a:ext uri="{28A0092B-C50C-407E-A947-70E740481C1C}">
+                <a14:useLocalDpi xmlns:a14="http://schemas.microsoft.com/office/drawing/2010/main" val="0"/>
+              </a:ext>
+            </a:extLst>
+          </a:blip>
+          <a:srcRect t="28813"/>
+          <a:stretch/>
+        </p:blipFill>
+        <p:spPr>
+          <a:xfrm>
+            <a:off x="7999412" y="0"/>
+            <a:ext cx="1603387" cy="1141407"/>
+          </a:xfrm>
+          <a:prstGeom prst="rect">
+            <a:avLst/>
+          </a:prstGeom>
+        </p:spPr>
+      </p:pic>
+      <p:pic>
+        <p:nvPicPr>
+          <p:cNvPr id="10" name="Picture 9"/>
+          <p:cNvPicPr>
+            <a:picLocks noChangeAspect="1"/>
+          </p:cNvPicPr>
+          <p:nvPr/>
+        </p:nvPicPr>
+        <p:blipFill rotWithShape="1">
+          <a:blip r:embed="rId22">
+            <a:extLst>
+              <a:ext uri="{28A0092B-C50C-407E-A947-70E740481C1C}">
+                <a14:useLocalDpi xmlns:a14="http://schemas.microsoft.com/office/drawing/2010/main" val="0"/>
+              </a:ext>
+            </a:extLst>
+          </a:blip>
+          <a:srcRect b="23320"/>
+          <a:stretch/>
+        </p:blipFill>
+        <p:spPr>
+          <a:xfrm>
+            <a:off x="8609012" y="6096000"/>
+            <a:ext cx="993734" cy="762000"/>
+          </a:xfrm>
+          <a:prstGeom prst="rect">
+            <a:avLst/>
+          </a:prstGeom>
+        </p:spPr>
+      </p:pic>
+      <p:sp>
+        <p:nvSpPr>
+          <p:cNvPr id="14" name="Rectangle 13"/>
+          <p:cNvSpPr/>
+          <p:nvPr/>
+        </p:nvSpPr>
+        <p:spPr>
+          <a:xfrm>
+            <a:off x="10437812" y="0"/>
+            <a:ext cx="685800" cy="1143000"/>
+          </a:xfrm>
+          <a:prstGeom prst="rect">
+            <a:avLst/>
+          </a:prstGeom>
+          <a:solidFill>
+            <a:schemeClr val="accent1"/>
+          </a:solidFill>
+          <a:ln>
+            <a:noFill/>
+          </a:ln>
+        </p:spPr>
+        <p:style>
+          <a:lnRef idx="1">
+            <a:schemeClr val="accent1"/>
+          </a:lnRef>
+          <a:fillRef idx="3">
+            <a:schemeClr val="accent1"/>
+          </a:fillRef>
+          <a:effectRef idx="2">
+            <a:schemeClr val="accent1"/>
+          </a:effectRef>
+          <a:fontRef idx="minor">
+            <a:schemeClr val="lt1"/>
+          </a:fontRef>
+        </p:style>
+      </p:sp>
+      <p:sp>
+        <p:nvSpPr>
+          <p:cNvPr id="2" name="Title Placeholder 1"/>
+          <p:cNvSpPr>
+            <a:spLocks noGrp="1"/>
+          </p:cNvSpPr>
+          <p:nvPr>
+            <p:ph type="title"/>
+          </p:nvPr>
+        </p:nvSpPr>
+        <p:spPr>
+          <a:xfrm>
+            <a:off x="646111" y="452718"/>
+            <a:ext cx="9404723" cy="1400530"/>
+          </a:xfrm>
+          <a:prstGeom prst="rect">
+            <a:avLst/>
+          </a:prstGeom>
+        </p:spPr>
+        <p:txBody>
+          <a:bodyPr vert="horz" lIns="91440" tIns="45720" rIns="91440" bIns="45720" rtlCol="0" anchor="t">
+            <a:noAutofit/>
           </a:bodyPr>
           <a:lstStyle/>
           <a:p>
@@ -2820,19 +5421,13 @@
               <a:rPr lang="en-US"/>
               <a:t>Click to edit Master title style</a:t>
             </a:r>
-            <a:endParaRPr lang="en-GB"/>
-          </a:p>
-        </p:txBody>
-      </p:sp>
-      <p:sp>
-        <p:nvSpPr>
-          <p:cNvPr id="3" name="Text Placeholder 2">
-            <a:extLst>
-              <a:ext uri="{FF2B5EF4-FFF2-40B4-BE49-F238E27FC236}">
-                <a16:creationId xmlns:a16="http://schemas.microsoft.com/office/drawing/2014/main" id="{61DB5E9E-106C-4786-839D-9278EFA0AB07}"/>
-              </a:ext>
-            </a:extLst>
-          </p:cNvPr>
+            <a:endParaRPr lang="en-US" dirty="0"/>
+          </a:p>
+        </p:txBody>
+      </p:sp>
+      <p:sp>
+        <p:nvSpPr>
+          <p:cNvPr id="3" name="Text Placeholder 2"/>
           <p:cNvSpPr>
             <a:spLocks noGrp="1"/>
           </p:cNvSpPr>
@@ -2842,8 +5437,8 @@
         </p:nvSpPr>
         <p:spPr>
           <a:xfrm>
-            <a:off x="838200" y="1825625"/>
-            <a:ext cx="10515600" cy="4351338"/>
+            <a:off x="1103312" y="2052918"/>
+            <a:ext cx="8946541" cy="4195481"/>
           </a:xfrm>
           <a:prstGeom prst="rect">
             <a:avLst/>
@@ -2888,19 +5483,13 @@
               <a:rPr lang="en-US"/>
               <a:t>Fifth level</a:t>
             </a:r>
-            <a:endParaRPr lang="en-GB"/>
-          </a:p>
-        </p:txBody>
-      </p:sp>
-      <p:sp>
-        <p:nvSpPr>
-          <p:cNvPr id="4" name="Date Placeholder 3">
-            <a:extLst>
-              <a:ext uri="{FF2B5EF4-FFF2-40B4-BE49-F238E27FC236}">
-                <a16:creationId xmlns:a16="http://schemas.microsoft.com/office/drawing/2014/main" id="{C4F11EDF-8AF3-4DF8-A265-0D2ECBDB77FB}"/>
-              </a:ext>
-            </a:extLst>
-          </p:cNvPr>
+            <a:endParaRPr lang="en-US" dirty="0"/>
+          </a:p>
+        </p:txBody>
+      </p:sp>
+      <p:sp>
+        <p:nvSpPr>
+          <p:cNvPr id="4" name="Date Placeholder 3"/>
           <p:cNvSpPr>
             <a:spLocks noGrp="1"/>
           </p:cNvSpPr>
@@ -2909,19 +5498,99 @@
           </p:nvPr>
         </p:nvSpPr>
         <p:spPr>
-          <a:xfrm>
-            <a:off x="838200" y="6356350"/>
-            <a:ext cx="2743200" cy="365125"/>
+          <a:xfrm rot="5400000">
+            <a:off x="10155639" y="1790701"/>
+            <a:ext cx="990599" cy="304799"/>
           </a:xfrm>
           <a:prstGeom prst="rect">
             <a:avLst/>
           </a:prstGeom>
         </p:spPr>
         <p:txBody>
-          <a:bodyPr vert="horz" lIns="91440" tIns="45720" rIns="91440" bIns="45720" rtlCol="0" anchor="ctr"/>
+          <a:bodyPr vert="horz" lIns="91440" tIns="45720" rIns="91440" bIns="45720" rtlCol="0" anchor="t"/>
           <a:lstStyle>
             <a:lvl1pPr algn="l">
-              <a:defRPr sz="1200">
+              <a:defRPr sz="1100" b="0" i="0">
+                <a:solidFill>
+                  <a:schemeClr val="tx1">
+                    <a:tint val="75000"/>
+                    <a:alpha val="60000"/>
+                  </a:schemeClr>
+                </a:solidFill>
+              </a:defRPr>
+            </a:lvl1pPr>
+          </a:lstStyle>
+          <a:p>
+            <a:fld id="{0D833A45-15C2-4C6A-A9BD-BB2D0724BFD9}" type="datetimeFigureOut">
+              <a:rPr lang="en-GB" smtClean="0"/>
+              <a:t>22/03/2021</a:t>
+            </a:fld>
+            <a:endParaRPr lang="en-GB"/>
+          </a:p>
+        </p:txBody>
+      </p:sp>
+      <p:sp>
+        <p:nvSpPr>
+          <p:cNvPr id="5" name="Footer Placeholder 4"/>
+          <p:cNvSpPr>
+            <a:spLocks noGrp="1"/>
+          </p:cNvSpPr>
+          <p:nvPr>
+            <p:ph type="ftr" sz="quarter" idx="3"/>
+          </p:nvPr>
+        </p:nvSpPr>
+        <p:spPr>
+          <a:xfrm rot="5400000">
+            <a:off x="8951573" y="3225297"/>
+            <a:ext cx="3859795" cy="304801"/>
+          </a:xfrm>
+          <a:prstGeom prst="rect">
+            <a:avLst/>
+          </a:prstGeom>
+        </p:spPr>
+        <p:txBody>
+          <a:bodyPr vert="horz" lIns="91440" tIns="45720" rIns="91440" bIns="45720" rtlCol="0" anchor="b"/>
+          <a:lstStyle>
+            <a:lvl1pPr algn="l">
+              <a:defRPr sz="1100" b="0" i="0">
+                <a:solidFill>
+                  <a:schemeClr val="tx1">
+                    <a:tint val="75000"/>
+                    <a:alpha val="60000"/>
+                  </a:schemeClr>
+                </a:solidFill>
+              </a:defRPr>
+            </a:lvl1pPr>
+          </a:lstStyle>
+          <a:p>
+            <a:endParaRPr lang="en-GB"/>
+          </a:p>
+        </p:txBody>
+      </p:sp>
+      <p:sp>
+        <p:nvSpPr>
+          <p:cNvPr id="6" name="Slide Number Placeholder 5"/>
+          <p:cNvSpPr>
+            <a:spLocks noGrp="1"/>
+          </p:cNvSpPr>
+          <p:nvPr>
+            <p:ph type="sldNum" sz="quarter" idx="4"/>
+          </p:nvPr>
+        </p:nvSpPr>
+        <p:spPr>
+          <a:xfrm>
+            <a:off x="10352540" y="295729"/>
+            <a:ext cx="838199" cy="767687"/>
+          </a:xfrm>
+          <a:prstGeom prst="rect">
+            <a:avLst/>
+          </a:prstGeom>
+        </p:spPr>
+        <p:txBody>
+          <a:bodyPr vert="horz" lIns="91440" tIns="45720" rIns="91440" bIns="45720" rtlCol="0" anchor="b"/>
+          <a:lstStyle>
+            <a:lvl1pPr algn="ctr">
+              <a:defRPr sz="2800" b="0" i="0">
                 <a:solidFill>
                   <a:schemeClr val="tx1">
                     <a:tint val="75000"/>
@@ -2931,96 +5600,6 @@
             </a:lvl1pPr>
           </a:lstStyle>
           <a:p>
-            <a:fld id="{0D833A45-15C2-4C6A-A9BD-BB2D0724BFD9}" type="datetimeFigureOut">
-              <a:rPr lang="en-GB" smtClean="0"/>
-              <a:t>21/03/2021</a:t>
-            </a:fld>
-            <a:endParaRPr lang="en-GB"/>
-          </a:p>
-        </p:txBody>
-      </p:sp>
-      <p:sp>
-        <p:nvSpPr>
-          <p:cNvPr id="5" name="Footer Placeholder 4">
-            <a:extLst>
-              <a:ext uri="{FF2B5EF4-FFF2-40B4-BE49-F238E27FC236}">
-                <a16:creationId xmlns:a16="http://schemas.microsoft.com/office/drawing/2014/main" id="{9E897C69-94D3-4825-B92B-652899B71993}"/>
-              </a:ext>
-            </a:extLst>
-          </p:cNvPr>
-          <p:cNvSpPr>
-            <a:spLocks noGrp="1"/>
-          </p:cNvSpPr>
-          <p:nvPr>
-            <p:ph type="ftr" sz="quarter" idx="3"/>
-          </p:nvPr>
-        </p:nvSpPr>
-        <p:spPr>
-          <a:xfrm>
-            <a:off x="4038600" y="6356350"/>
-            <a:ext cx="4114800" cy="365125"/>
-          </a:xfrm>
-          <a:prstGeom prst="rect">
-            <a:avLst/>
-          </a:prstGeom>
-        </p:spPr>
-        <p:txBody>
-          <a:bodyPr vert="horz" lIns="91440" tIns="45720" rIns="91440" bIns="45720" rtlCol="0" anchor="ctr"/>
-          <a:lstStyle>
-            <a:lvl1pPr algn="ctr">
-              <a:defRPr sz="1200">
-                <a:solidFill>
-                  <a:schemeClr val="tx1">
-                    <a:tint val="75000"/>
-                  </a:schemeClr>
-                </a:solidFill>
-              </a:defRPr>
-            </a:lvl1pPr>
-          </a:lstStyle>
-          <a:p>
-            <a:endParaRPr lang="en-GB"/>
-          </a:p>
-        </p:txBody>
-      </p:sp>
-      <p:sp>
-        <p:nvSpPr>
-          <p:cNvPr id="6" name="Slide Number Placeholder 5">
-            <a:extLst>
-              <a:ext uri="{FF2B5EF4-FFF2-40B4-BE49-F238E27FC236}">
-                <a16:creationId xmlns:a16="http://schemas.microsoft.com/office/drawing/2014/main" id="{315036E5-4C06-45A4-913B-CD86189451FD}"/>
-              </a:ext>
-            </a:extLst>
-          </p:cNvPr>
-          <p:cNvSpPr>
-            <a:spLocks noGrp="1"/>
-          </p:cNvSpPr>
-          <p:nvPr>
-            <p:ph type="sldNum" sz="quarter" idx="4"/>
-          </p:nvPr>
-        </p:nvSpPr>
-        <p:spPr>
-          <a:xfrm>
-            <a:off x="8610600" y="6356350"/>
-            <a:ext cx="2743200" cy="365125"/>
-          </a:xfrm>
-          <a:prstGeom prst="rect">
-            <a:avLst/>
-          </a:prstGeom>
-        </p:spPr>
-        <p:txBody>
-          <a:bodyPr vert="horz" lIns="91440" tIns="45720" rIns="91440" bIns="45720" rtlCol="0" anchor="ctr"/>
-          <a:lstStyle>
-            <a:lvl1pPr algn="r">
-              <a:defRPr sz="1200">
-                <a:solidFill>
-                  <a:schemeClr val="tx1">
-                    <a:tint val="75000"/>
-                  </a:schemeClr>
-                </a:solidFill>
-              </a:defRPr>
-            </a:lvl1pPr>
-          </a:lstStyle>
-          <a:p>
             <a:fld id="{7E95904D-A739-402D-BCBF-40FB37E1B671}" type="slidenum">
               <a:rPr lang="en-GB" smtClean="0"/>
               <a:t>‹#›</a:t>
@@ -3032,35 +5611,118 @@
     </p:spTree>
     <p:extLst>
       <p:ext uri="{BB962C8B-B14F-4D97-AF65-F5344CB8AC3E}">
-        <p14:creationId xmlns:p14="http://schemas.microsoft.com/office/powerpoint/2010/main" val="4160694192"/>
+        <p14:creationId xmlns:p14="http://schemas.microsoft.com/office/powerpoint/2010/main" val="3936625526"/>
       </p:ext>
     </p:extLst>
   </p:cSld>
-  <p:clrMap bg1="lt1" tx1="dk1" bg2="lt2" tx2="dk2" accent1="accent1" accent2="accent2" accent3="accent3" accent4="accent4" accent5="accent5" accent6="accent6" hlink="hlink" folHlink="folHlink"/>
+  <p:clrMap bg1="dk1" tx1="lt1" bg2="dk2" tx2="lt2" accent1="accent1" accent2="accent2" accent3="accent3" accent4="accent4" accent5="accent5" accent6="accent6" hlink="hlink" folHlink="folHlink"/>
   <p:sldLayoutIdLst>
-    <p:sldLayoutId id="2147483649" r:id="rId1"/>
-    <p:sldLayoutId id="2147483650" r:id="rId2"/>
-    <p:sldLayoutId id="2147483651" r:id="rId3"/>
-    <p:sldLayoutId id="2147483652" r:id="rId4"/>
-    <p:sldLayoutId id="2147483653" r:id="rId5"/>
-    <p:sldLayoutId id="2147483654" r:id="rId6"/>
-    <p:sldLayoutId id="2147483655" r:id="rId7"/>
-    <p:sldLayoutId id="2147483656" r:id="rId8"/>
-    <p:sldLayoutId id="2147483657" r:id="rId9"/>
-    <p:sldLayoutId id="2147483658" r:id="rId10"/>
-    <p:sldLayoutId id="2147483659" r:id="rId11"/>
+    <p:sldLayoutId id="2147483845" r:id="rId1"/>
+    <p:sldLayoutId id="2147483846" r:id="rId2"/>
+    <p:sldLayoutId id="2147483847" r:id="rId3"/>
+    <p:sldLayoutId id="2147483848" r:id="rId4"/>
+    <p:sldLayoutId id="2147483849" r:id="rId5"/>
+    <p:sldLayoutId id="2147483850" r:id="rId6"/>
+    <p:sldLayoutId id="2147483851" r:id="rId7"/>
+    <p:sldLayoutId id="2147483852" r:id="rId8"/>
+    <p:sldLayoutId id="2147483853" r:id="rId9"/>
+    <p:sldLayoutId id="2147483854" r:id="rId10"/>
+    <p:sldLayoutId id="2147483855" r:id="rId11"/>
+    <p:sldLayoutId id="2147483856" r:id="rId12"/>
+    <p:sldLayoutId id="2147483857" r:id="rId13"/>
+    <p:sldLayoutId id="2147483858" r:id="rId14"/>
+    <p:sldLayoutId id="2147483859" r:id="rId15"/>
+    <p:sldLayoutId id="2147483860" r:id="rId16"/>
+    <p:sldLayoutId id="2147483861" r:id="rId17"/>
   </p:sldLayoutIdLst>
   <p:txStyles>
     <p:titleStyle>
-      <a:lvl1pPr algn="l" defTabSz="914400" rtl="0" eaLnBrk="1" latinLnBrk="0" hangingPunct="1">
-        <a:lnSpc>
-          <a:spcPct val="90000"/>
-        </a:lnSpc>
+      <a:lvl1pPr algn="l" defTabSz="457200" rtl="0" eaLnBrk="1" latinLnBrk="0" hangingPunct="1">
         <a:spcBef>
           <a:spcPct val="0"/>
         </a:spcBef>
         <a:buNone/>
-        <a:defRPr sz="4400" kern="1200">
+        <a:defRPr sz="4200" b="0" i="0" kern="1200">
+          <a:solidFill>
+            <a:schemeClr val="tx2"/>
+          </a:solidFill>
+          <a:latin typeface="+mj-lt"/>
+          <a:ea typeface="+mj-ea"/>
+          <a:cs typeface="+mj-cs"/>
+        </a:defRPr>
+      </a:lvl1pPr>
+      <a:lvl2pPr eaLnBrk="1" hangingPunct="1">
+        <a:defRPr>
+          <a:solidFill>
+            <a:schemeClr val="tx2"/>
+          </a:solidFill>
+        </a:defRPr>
+      </a:lvl2pPr>
+      <a:lvl3pPr eaLnBrk="1" hangingPunct="1">
+        <a:defRPr>
+          <a:solidFill>
+            <a:schemeClr val="tx2"/>
+          </a:solidFill>
+        </a:defRPr>
+      </a:lvl3pPr>
+      <a:lvl4pPr eaLnBrk="1" hangingPunct="1">
+        <a:defRPr>
+          <a:solidFill>
+            <a:schemeClr val="tx2"/>
+          </a:solidFill>
+        </a:defRPr>
+      </a:lvl4pPr>
+      <a:lvl5pPr eaLnBrk="1" hangingPunct="1">
+        <a:defRPr>
+          <a:solidFill>
+            <a:schemeClr val="tx2"/>
+          </a:solidFill>
+        </a:defRPr>
+      </a:lvl5pPr>
+      <a:lvl6pPr eaLnBrk="1" hangingPunct="1">
+        <a:defRPr>
+          <a:solidFill>
+            <a:schemeClr val="tx2"/>
+          </a:solidFill>
+        </a:defRPr>
+      </a:lvl6pPr>
+      <a:lvl7pPr eaLnBrk="1" hangingPunct="1">
+        <a:defRPr>
+          <a:solidFill>
+            <a:schemeClr val="tx2"/>
+          </a:solidFill>
+        </a:defRPr>
+      </a:lvl7pPr>
+      <a:lvl8pPr eaLnBrk="1" hangingPunct="1">
+        <a:defRPr>
+          <a:solidFill>
+            <a:schemeClr val="tx2"/>
+          </a:solidFill>
+        </a:defRPr>
+      </a:lvl8pPr>
+      <a:lvl9pPr eaLnBrk="1" hangingPunct="1">
+        <a:defRPr>
+          <a:solidFill>
+            <a:schemeClr val="tx2"/>
+          </a:solidFill>
+        </a:defRPr>
+      </a:lvl9pPr>
+    </p:titleStyle>
+    <p:bodyStyle>
+      <a:lvl1pPr marL="342900" indent="-342900" algn="l" defTabSz="457200" rtl="0" eaLnBrk="1" latinLnBrk="0" hangingPunct="1">
+        <a:spcBef>
+          <a:spcPts val="1000"/>
+        </a:spcBef>
+        <a:spcAft>
+          <a:spcPts val="0"/>
+        </a:spcAft>
+        <a:buClr>
+          <a:schemeClr val="accent1"/>
+        </a:buClr>
+        <a:buSzPct val="80000"/>
+        <a:buFont typeface="Wingdings 3" charset="2"/>
+        <a:buChar char=""/>
+        <a:defRPr sz="2000" b="0" i="0" kern="1200">
           <a:solidFill>
             <a:schemeClr val="tx1"/>
           </a:solidFill>
@@ -3069,18 +5731,189 @@
           <a:cs typeface="+mj-cs"/>
         </a:defRPr>
       </a:lvl1pPr>
-    </p:titleStyle>
-    <p:bodyStyle>
-      <a:lvl1pPr marL="228600" indent="-228600" algn="l" defTabSz="914400" rtl="0" eaLnBrk="1" latinLnBrk="0" hangingPunct="1">
-        <a:lnSpc>
-          <a:spcPct val="90000"/>
-        </a:lnSpc>
+      <a:lvl2pPr marL="742950" indent="-285750" algn="l" defTabSz="457200" rtl="0" eaLnBrk="1" latinLnBrk="0" hangingPunct="1">
         <a:spcBef>
           <a:spcPts val="1000"/>
         </a:spcBef>
-        <a:buFont typeface="Arial" panose="020B0604020202020204" pitchFamily="34" charset="0"/>
-        <a:buChar char="•"/>
-        <a:defRPr sz="2800" kern="1200">
+        <a:spcAft>
+          <a:spcPts val="0"/>
+        </a:spcAft>
+        <a:buClr>
+          <a:schemeClr val="accent1"/>
+        </a:buClr>
+        <a:buSzPct val="80000"/>
+        <a:buFont typeface="Wingdings 3" charset="2"/>
+        <a:buChar char=""/>
+        <a:defRPr sz="1800" b="0" i="0" kern="1200">
+          <a:solidFill>
+            <a:schemeClr val="tx1"/>
+          </a:solidFill>
+          <a:latin typeface="+mj-lt"/>
+          <a:ea typeface="+mj-ea"/>
+          <a:cs typeface="+mj-cs"/>
+        </a:defRPr>
+      </a:lvl2pPr>
+      <a:lvl3pPr marL="1143000" indent="-228600" algn="l" defTabSz="457200" rtl="0" eaLnBrk="1" latinLnBrk="0" hangingPunct="1">
+        <a:spcBef>
+          <a:spcPts val="1000"/>
+        </a:spcBef>
+        <a:spcAft>
+          <a:spcPts val="0"/>
+        </a:spcAft>
+        <a:buClr>
+          <a:schemeClr val="accent1"/>
+        </a:buClr>
+        <a:buSzPct val="80000"/>
+        <a:buFont typeface="Wingdings 3" charset="2"/>
+        <a:buChar char=""/>
+        <a:defRPr sz="1600" b="0" i="0" kern="1200">
+          <a:solidFill>
+            <a:schemeClr val="tx1"/>
+          </a:solidFill>
+          <a:latin typeface="+mj-lt"/>
+          <a:ea typeface="+mj-ea"/>
+          <a:cs typeface="+mj-cs"/>
+        </a:defRPr>
+      </a:lvl3pPr>
+      <a:lvl4pPr marL="1600200" indent="-228600" algn="l" defTabSz="457200" rtl="0" eaLnBrk="1" latinLnBrk="0" hangingPunct="1">
+        <a:spcBef>
+          <a:spcPts val="1000"/>
+        </a:spcBef>
+        <a:spcAft>
+          <a:spcPts val="0"/>
+        </a:spcAft>
+        <a:buClr>
+          <a:schemeClr val="accent1"/>
+        </a:buClr>
+        <a:buSzPct val="80000"/>
+        <a:buFont typeface="Wingdings 3" charset="2"/>
+        <a:buChar char=""/>
+        <a:defRPr sz="1400" b="0" i="0" kern="1200">
+          <a:solidFill>
+            <a:schemeClr val="tx1"/>
+          </a:solidFill>
+          <a:latin typeface="+mj-lt"/>
+          <a:ea typeface="+mj-ea"/>
+          <a:cs typeface="+mj-cs"/>
+        </a:defRPr>
+      </a:lvl4pPr>
+      <a:lvl5pPr marL="2057400" indent="-228600" algn="l" defTabSz="457200" rtl="0" eaLnBrk="1" latinLnBrk="0" hangingPunct="1">
+        <a:spcBef>
+          <a:spcPts val="1000"/>
+        </a:spcBef>
+        <a:spcAft>
+          <a:spcPts val="0"/>
+        </a:spcAft>
+        <a:buClr>
+          <a:schemeClr val="accent1"/>
+        </a:buClr>
+        <a:buSzPct val="80000"/>
+        <a:buFont typeface="Wingdings 3" charset="2"/>
+        <a:buChar char=""/>
+        <a:defRPr sz="1400" b="0" i="0" kern="1200">
+          <a:solidFill>
+            <a:schemeClr val="tx1"/>
+          </a:solidFill>
+          <a:latin typeface="+mj-lt"/>
+          <a:ea typeface="+mj-ea"/>
+          <a:cs typeface="+mj-cs"/>
+        </a:defRPr>
+      </a:lvl5pPr>
+      <a:lvl6pPr marL="2514600" indent="-228600" algn="l" defTabSz="457200" rtl="0" eaLnBrk="1" latinLnBrk="0" hangingPunct="1">
+        <a:spcBef>
+          <a:spcPts val="1000"/>
+        </a:spcBef>
+        <a:spcAft>
+          <a:spcPts val="0"/>
+        </a:spcAft>
+        <a:buClr>
+          <a:schemeClr val="accent1"/>
+        </a:buClr>
+        <a:buSzPct val="80000"/>
+        <a:buFont typeface="Wingdings 3" charset="2"/>
+        <a:buChar char=""/>
+        <a:defRPr sz="1400" b="0" i="0" kern="1200">
+          <a:solidFill>
+            <a:schemeClr val="tx1"/>
+          </a:solidFill>
+          <a:latin typeface="+mj-lt"/>
+          <a:ea typeface="+mj-ea"/>
+          <a:cs typeface="+mj-cs"/>
+        </a:defRPr>
+      </a:lvl6pPr>
+      <a:lvl7pPr marL="2971800" indent="-228600" algn="l" defTabSz="457200" rtl="0" eaLnBrk="1" latinLnBrk="0" hangingPunct="1">
+        <a:spcBef>
+          <a:spcPts val="1000"/>
+        </a:spcBef>
+        <a:spcAft>
+          <a:spcPts val="0"/>
+        </a:spcAft>
+        <a:buClr>
+          <a:schemeClr val="accent1"/>
+        </a:buClr>
+        <a:buSzPct val="80000"/>
+        <a:buFont typeface="Wingdings 3" charset="2"/>
+        <a:buChar char=""/>
+        <a:defRPr sz="1400" b="0" i="0" kern="1200">
+          <a:solidFill>
+            <a:schemeClr val="tx1"/>
+          </a:solidFill>
+          <a:latin typeface="+mj-lt"/>
+          <a:ea typeface="+mj-ea"/>
+          <a:cs typeface="+mj-cs"/>
+        </a:defRPr>
+      </a:lvl7pPr>
+      <a:lvl8pPr marL="3429000" indent="-228600" algn="l" defTabSz="457200" rtl="0" eaLnBrk="1" latinLnBrk="0" hangingPunct="1">
+        <a:spcBef>
+          <a:spcPts val="1000"/>
+        </a:spcBef>
+        <a:spcAft>
+          <a:spcPts val="0"/>
+        </a:spcAft>
+        <a:buClr>
+          <a:schemeClr val="accent1"/>
+        </a:buClr>
+        <a:buSzPct val="80000"/>
+        <a:buFont typeface="Wingdings 3" charset="2"/>
+        <a:buChar char=""/>
+        <a:defRPr sz="1400" b="0" i="0" kern="1200">
+          <a:solidFill>
+            <a:schemeClr val="tx1"/>
+          </a:solidFill>
+          <a:latin typeface="+mj-lt"/>
+          <a:ea typeface="+mj-ea"/>
+          <a:cs typeface="+mj-cs"/>
+        </a:defRPr>
+      </a:lvl8pPr>
+      <a:lvl9pPr marL="3886200" indent="-228600" algn="l" defTabSz="457200" rtl="0" eaLnBrk="1" latinLnBrk="0" hangingPunct="1">
+        <a:spcBef>
+          <a:spcPts val="1000"/>
+        </a:spcBef>
+        <a:spcAft>
+          <a:spcPts val="0"/>
+        </a:spcAft>
+        <a:buClr>
+          <a:schemeClr val="accent1"/>
+        </a:buClr>
+        <a:buSzPct val="80000"/>
+        <a:buFont typeface="Wingdings 3" charset="2"/>
+        <a:buChar char=""/>
+        <a:defRPr sz="1400" b="0" i="0" kern="1200">
+          <a:solidFill>
+            <a:schemeClr val="tx1"/>
+          </a:solidFill>
+          <a:latin typeface="+mj-lt"/>
+          <a:ea typeface="+mj-ea"/>
+          <a:cs typeface="+mj-cs"/>
+        </a:defRPr>
+      </a:lvl9pPr>
+    </p:bodyStyle>
+    <p:otherStyle>
+      <a:defPPr>
+        <a:defRPr lang="en-US"/>
+      </a:defPPr>
+      <a:lvl1pPr marL="0" algn="l" defTabSz="457200" rtl="0" eaLnBrk="1" latinLnBrk="0" hangingPunct="1">
+        <a:defRPr sz="1800" kern="1200">
           <a:solidFill>
             <a:schemeClr val="tx1"/>
           </a:solidFill>
@@ -3089,16 +5922,8 @@
           <a:cs typeface="+mn-cs"/>
         </a:defRPr>
       </a:lvl1pPr>
-      <a:lvl2pPr marL="685800" indent="-228600" algn="l" defTabSz="914400" rtl="0" eaLnBrk="1" latinLnBrk="0" hangingPunct="1">
-        <a:lnSpc>
-          <a:spcPct val="90000"/>
-        </a:lnSpc>
-        <a:spcBef>
-          <a:spcPts val="500"/>
-        </a:spcBef>
-        <a:buFont typeface="Arial" panose="020B0604020202020204" pitchFamily="34" charset="0"/>
-        <a:buChar char="•"/>
-        <a:defRPr sz="2400" kern="1200">
+      <a:lvl2pPr marL="457200" algn="l" defTabSz="457200" rtl="0" eaLnBrk="1" latinLnBrk="0" hangingPunct="1">
+        <a:defRPr sz="1800" kern="1200">
           <a:solidFill>
             <a:schemeClr val="tx1"/>
           </a:solidFill>
@@ -3107,16 +5932,8 @@
           <a:cs typeface="+mn-cs"/>
         </a:defRPr>
       </a:lvl2pPr>
-      <a:lvl3pPr marL="1143000" indent="-228600" algn="l" defTabSz="914400" rtl="0" eaLnBrk="1" latinLnBrk="0" hangingPunct="1">
-        <a:lnSpc>
-          <a:spcPct val="90000"/>
-        </a:lnSpc>
-        <a:spcBef>
-          <a:spcPts val="500"/>
-        </a:spcBef>
-        <a:buFont typeface="Arial" panose="020B0604020202020204" pitchFamily="34" charset="0"/>
-        <a:buChar char="•"/>
-        <a:defRPr sz="2000" kern="1200">
+      <a:lvl3pPr marL="914400" algn="l" defTabSz="457200" rtl="0" eaLnBrk="1" latinLnBrk="0" hangingPunct="1">
+        <a:defRPr sz="1800" kern="1200">
           <a:solidFill>
             <a:schemeClr val="tx1"/>
           </a:solidFill>
@@ -3125,15 +5942,7 @@
           <a:cs typeface="+mn-cs"/>
         </a:defRPr>
       </a:lvl3pPr>
-      <a:lvl4pPr marL="1600200" indent="-228600" algn="l" defTabSz="914400" rtl="0" eaLnBrk="1" latinLnBrk="0" hangingPunct="1">
-        <a:lnSpc>
-          <a:spcPct val="90000"/>
-        </a:lnSpc>
-        <a:spcBef>
-          <a:spcPts val="500"/>
-        </a:spcBef>
-        <a:buFont typeface="Arial" panose="020B0604020202020204" pitchFamily="34" charset="0"/>
-        <a:buChar char="•"/>
+      <a:lvl4pPr marL="1371600" algn="l" defTabSz="457200" rtl="0" eaLnBrk="1" latinLnBrk="0" hangingPunct="1">
         <a:defRPr sz="1800" kern="1200">
           <a:solidFill>
             <a:schemeClr val="tx1"/>
@@ -3143,15 +5952,7 @@
           <a:cs typeface="+mn-cs"/>
         </a:defRPr>
       </a:lvl4pPr>
-      <a:lvl5pPr marL="2057400" indent="-228600" algn="l" defTabSz="914400" rtl="0" eaLnBrk="1" latinLnBrk="0" hangingPunct="1">
-        <a:lnSpc>
-          <a:spcPct val="90000"/>
-        </a:lnSpc>
-        <a:spcBef>
-          <a:spcPts val="500"/>
-        </a:spcBef>
-        <a:buFont typeface="Arial" panose="020B0604020202020204" pitchFamily="34" charset="0"/>
-        <a:buChar char="•"/>
+      <a:lvl5pPr marL="1828800" algn="l" defTabSz="457200" rtl="0" eaLnBrk="1" latinLnBrk="0" hangingPunct="1">
         <a:defRPr sz="1800" kern="1200">
           <a:solidFill>
             <a:schemeClr val="tx1"/>
@@ -3161,15 +5962,7 @@
           <a:cs typeface="+mn-cs"/>
         </a:defRPr>
       </a:lvl5pPr>
-      <a:lvl6pPr marL="2514600" indent="-228600" algn="l" defTabSz="914400" rtl="0" eaLnBrk="1" latinLnBrk="0" hangingPunct="1">
-        <a:lnSpc>
-          <a:spcPct val="90000"/>
-        </a:lnSpc>
-        <a:spcBef>
-          <a:spcPts val="500"/>
-        </a:spcBef>
-        <a:buFont typeface="Arial" panose="020B0604020202020204" pitchFamily="34" charset="0"/>
-        <a:buChar char="•"/>
+      <a:lvl6pPr marL="2286000" algn="l" defTabSz="457200" rtl="0" eaLnBrk="1" latinLnBrk="0" hangingPunct="1">
         <a:defRPr sz="1800" kern="1200">
           <a:solidFill>
             <a:schemeClr val="tx1"/>
@@ -3179,15 +5972,7 @@
           <a:cs typeface="+mn-cs"/>
         </a:defRPr>
       </a:lvl6pPr>
-      <a:lvl7pPr marL="2971800" indent="-228600" algn="l" defTabSz="914400" rtl="0" eaLnBrk="1" latinLnBrk="0" hangingPunct="1">
-        <a:lnSpc>
-          <a:spcPct val="90000"/>
-        </a:lnSpc>
-        <a:spcBef>
-          <a:spcPts val="500"/>
-        </a:spcBef>
-        <a:buFont typeface="Arial" panose="020B0604020202020204" pitchFamily="34" charset="0"/>
-        <a:buChar char="•"/>
+      <a:lvl7pPr marL="2743200" algn="l" defTabSz="457200" rtl="0" eaLnBrk="1" latinLnBrk="0" hangingPunct="1">
         <a:defRPr sz="1800" kern="1200">
           <a:solidFill>
             <a:schemeClr val="tx1"/>
@@ -3197,15 +5982,7 @@
           <a:cs typeface="+mn-cs"/>
         </a:defRPr>
       </a:lvl7pPr>
-      <a:lvl8pPr marL="3429000" indent="-228600" algn="l" defTabSz="914400" rtl="0" eaLnBrk="1" latinLnBrk="0" hangingPunct="1">
-        <a:lnSpc>
-          <a:spcPct val="90000"/>
-        </a:lnSpc>
-        <a:spcBef>
-          <a:spcPts val="500"/>
-        </a:spcBef>
-        <a:buFont typeface="Arial" panose="020B0604020202020204" pitchFamily="34" charset="0"/>
-        <a:buChar char="•"/>
+      <a:lvl8pPr marL="3200400" algn="l" defTabSz="457200" rtl="0" eaLnBrk="1" latinLnBrk="0" hangingPunct="1">
         <a:defRPr sz="1800" kern="1200">
           <a:solidFill>
             <a:schemeClr val="tx1"/>
@@ -3215,110 +5992,7 @@
           <a:cs typeface="+mn-cs"/>
         </a:defRPr>
       </a:lvl8pPr>
-      <a:lvl9pPr marL="3886200" indent="-228600" algn="l" defTabSz="914400" rtl="0" eaLnBrk="1" latinLnBrk="0" hangingPunct="1">
-        <a:lnSpc>
-          <a:spcPct val="90000"/>
-        </a:lnSpc>
-        <a:spcBef>
-          <a:spcPts val="500"/>
-        </a:spcBef>
-        <a:buFont typeface="Arial" panose="020B0604020202020204" pitchFamily="34" charset="0"/>
-        <a:buChar char="•"/>
-        <a:defRPr sz="1800" kern="1200">
-          <a:solidFill>
-            <a:schemeClr val="tx1"/>
-          </a:solidFill>
-          <a:latin typeface="+mn-lt"/>
-          <a:ea typeface="+mn-ea"/>
-          <a:cs typeface="+mn-cs"/>
-        </a:defRPr>
-      </a:lvl9pPr>
-    </p:bodyStyle>
-    <p:otherStyle>
-      <a:defPPr>
-        <a:defRPr lang="en-US"/>
-      </a:defPPr>
-      <a:lvl1pPr marL="0" algn="l" defTabSz="914400" rtl="0" eaLnBrk="1" latinLnBrk="0" hangingPunct="1">
-        <a:defRPr sz="1800" kern="1200">
-          <a:solidFill>
-            <a:schemeClr val="tx1"/>
-          </a:solidFill>
-          <a:latin typeface="+mn-lt"/>
-          <a:ea typeface="+mn-ea"/>
-          <a:cs typeface="+mn-cs"/>
-        </a:defRPr>
-      </a:lvl1pPr>
-      <a:lvl2pPr marL="457200" algn="l" defTabSz="914400" rtl="0" eaLnBrk="1" latinLnBrk="0" hangingPunct="1">
-        <a:defRPr sz="1800" kern="1200">
-          <a:solidFill>
-            <a:schemeClr val="tx1"/>
-          </a:solidFill>
-          <a:latin typeface="+mn-lt"/>
-          <a:ea typeface="+mn-ea"/>
-          <a:cs typeface="+mn-cs"/>
-        </a:defRPr>
-      </a:lvl2pPr>
-      <a:lvl3pPr marL="914400" algn="l" defTabSz="914400" rtl="0" eaLnBrk="1" latinLnBrk="0" hangingPunct="1">
-        <a:defRPr sz="1800" kern="1200">
-          <a:solidFill>
-            <a:schemeClr val="tx1"/>
-          </a:solidFill>
-          <a:latin typeface="+mn-lt"/>
-          <a:ea typeface="+mn-ea"/>
-          <a:cs typeface="+mn-cs"/>
-        </a:defRPr>
-      </a:lvl3pPr>
-      <a:lvl4pPr marL="1371600" algn="l" defTabSz="914400" rtl="0" eaLnBrk="1" latinLnBrk="0" hangingPunct="1">
-        <a:defRPr sz="1800" kern="1200">
-          <a:solidFill>
-            <a:schemeClr val="tx1"/>
-          </a:solidFill>
-          <a:latin typeface="+mn-lt"/>
-          <a:ea typeface="+mn-ea"/>
-          <a:cs typeface="+mn-cs"/>
-        </a:defRPr>
-      </a:lvl4pPr>
-      <a:lvl5pPr marL="1828800" algn="l" defTabSz="914400" rtl="0" eaLnBrk="1" latinLnBrk="0" hangingPunct="1">
-        <a:defRPr sz="1800" kern="1200">
-          <a:solidFill>
-            <a:schemeClr val="tx1"/>
-          </a:solidFill>
-          <a:latin typeface="+mn-lt"/>
-          <a:ea typeface="+mn-ea"/>
-          <a:cs typeface="+mn-cs"/>
-        </a:defRPr>
-      </a:lvl5pPr>
-      <a:lvl6pPr marL="2286000" algn="l" defTabSz="914400" rtl="0" eaLnBrk="1" latinLnBrk="0" hangingPunct="1">
-        <a:defRPr sz="1800" kern="1200">
-          <a:solidFill>
-            <a:schemeClr val="tx1"/>
-          </a:solidFill>
-          <a:latin typeface="+mn-lt"/>
-          <a:ea typeface="+mn-ea"/>
-          <a:cs typeface="+mn-cs"/>
-        </a:defRPr>
-      </a:lvl6pPr>
-      <a:lvl7pPr marL="2743200" algn="l" defTabSz="914400" rtl="0" eaLnBrk="1" latinLnBrk="0" hangingPunct="1">
-        <a:defRPr sz="1800" kern="1200">
-          <a:solidFill>
-            <a:schemeClr val="tx1"/>
-          </a:solidFill>
-          <a:latin typeface="+mn-lt"/>
-          <a:ea typeface="+mn-ea"/>
-          <a:cs typeface="+mn-cs"/>
-        </a:defRPr>
-      </a:lvl7pPr>
-      <a:lvl8pPr marL="3200400" algn="l" defTabSz="914400" rtl="0" eaLnBrk="1" latinLnBrk="0" hangingPunct="1">
-        <a:defRPr sz="1800" kern="1200">
-          <a:solidFill>
-            <a:schemeClr val="tx1"/>
-          </a:solidFill>
-          <a:latin typeface="+mn-lt"/>
-          <a:ea typeface="+mn-ea"/>
-          <a:cs typeface="+mn-cs"/>
-        </a:defRPr>
-      </a:lvl8pPr>
-      <a:lvl9pPr marL="3657600" algn="l" defTabSz="914400" rtl="0" eaLnBrk="1" latinLnBrk="0" hangingPunct="1">
+      <a:lvl9pPr marL="3657600" algn="l" defTabSz="457200" rtl="0" eaLnBrk="1" latinLnBrk="0" hangingPunct="1">
         <a:defRPr sz="1800" kern="1200">
           <a:solidFill>
             <a:schemeClr val="tx1"/>
@@ -3368,7 +6042,7 @@
         </p:nvSpPr>
         <p:spPr>
           <a:xfrm>
-            <a:off x="1524000" y="2129126"/>
+            <a:off x="1524000" y="2301702"/>
             <a:ext cx="9144000" cy="2387600"/>
           </a:xfrm>
         </p:spPr>
@@ -3384,8 +6058,15 @@
               <a:rPr lang="en-GB" dirty="0"/>
             </a:br>
             <a:r>
-              <a:rPr lang="en-GB" dirty="0"/>
-              <a:t>To Do List</a:t>
+              <a:rPr lang="en-GB" sz="3600" dirty="0"/>
+              <a:t>Project 2</a:t>
+            </a:r>
+            <a:br>
+              <a:rPr lang="en-GB" sz="3600" dirty="0"/>
+            </a:br>
+            <a:r>
+              <a:rPr lang="en-GB" sz="3600" dirty="0"/>
+              <a:t>To do list</a:t>
             </a:r>
           </a:p>
         </p:txBody>
@@ -3394,6 +6075,570 @@
     <p:extLst>
       <p:ext uri="{BB962C8B-B14F-4D97-AF65-F5344CB8AC3E}">
         <p14:creationId xmlns:p14="http://schemas.microsoft.com/office/powerpoint/2010/main" val="1497858276"/>
+      </p:ext>
+    </p:extLst>
+  </p:cSld>
+  <p:clrMapOvr>
+    <a:masterClrMapping/>
+  </p:clrMapOvr>
+</p:sld>
+</file>
+
+<file path=ppt/slides/slide10.xml><?xml version="1.0" encoding="utf-8"?>
+<p:sld xmlns:a="http://schemas.openxmlformats.org/drawingml/2006/main" xmlns:r="http://schemas.openxmlformats.org/officeDocument/2006/relationships" xmlns:p="http://schemas.openxmlformats.org/presentationml/2006/main">
+  <p:cSld>
+    <p:spTree>
+      <p:nvGrpSpPr>
+        <p:cNvPr id="1" name=""/>
+        <p:cNvGrpSpPr/>
+        <p:nvPr/>
+      </p:nvGrpSpPr>
+      <p:grpSpPr>
+        <a:xfrm>
+          <a:off x="0" y="0"/>
+          <a:ext cx="0" cy="0"/>
+          <a:chOff x="0" y="0"/>
+          <a:chExt cx="0" cy="0"/>
+        </a:xfrm>
+      </p:grpSpPr>
+      <p:sp>
+        <p:nvSpPr>
+          <p:cNvPr id="2" name="Title 1">
+            <a:extLst>
+              <a:ext uri="{FF2B5EF4-FFF2-40B4-BE49-F238E27FC236}">
+                <a16:creationId xmlns:a16="http://schemas.microsoft.com/office/drawing/2014/main" id="{04D5A510-D149-477C-B751-6A995B46B84C}"/>
+              </a:ext>
+            </a:extLst>
+          </p:cNvPr>
+          <p:cNvSpPr>
+            <a:spLocks noGrp="1"/>
+          </p:cNvSpPr>
+          <p:nvPr>
+            <p:ph type="title"/>
+          </p:nvPr>
+        </p:nvSpPr>
+        <p:spPr/>
+        <p:txBody>
+          <a:bodyPr/>
+          <a:lstStyle/>
+          <a:p>
+            <a:r>
+              <a:rPr lang="en-GB" dirty="0"/>
+              <a:t>A few user stories</a:t>
+            </a:r>
+          </a:p>
+        </p:txBody>
+      </p:sp>
+      <p:pic>
+        <p:nvPicPr>
+          <p:cNvPr id="6" name="Picture 5">
+            <a:extLst>
+              <a:ext uri="{FF2B5EF4-FFF2-40B4-BE49-F238E27FC236}">
+                <a16:creationId xmlns:a16="http://schemas.microsoft.com/office/drawing/2014/main" id="{F8C14A31-2604-4B94-9524-40EC10B16B44}"/>
+              </a:ext>
+            </a:extLst>
+          </p:cNvPr>
+          <p:cNvPicPr>
+            <a:picLocks noChangeAspect="1"/>
+          </p:cNvPicPr>
+          <p:nvPr/>
+        </p:nvPicPr>
+        <p:blipFill>
+          <a:blip r:embed="rId2"/>
+          <a:stretch>
+            <a:fillRect/>
+          </a:stretch>
+        </p:blipFill>
+        <p:spPr>
+          <a:xfrm>
+            <a:off x="1077739" y="3455715"/>
+            <a:ext cx="9729325" cy="2752179"/>
+          </a:xfrm>
+          <a:prstGeom prst="rect">
+            <a:avLst/>
+          </a:prstGeom>
+        </p:spPr>
+      </p:pic>
+      <p:pic>
+        <p:nvPicPr>
+          <p:cNvPr id="9" name="Picture 8">
+            <a:extLst>
+              <a:ext uri="{FF2B5EF4-FFF2-40B4-BE49-F238E27FC236}">
+                <a16:creationId xmlns:a16="http://schemas.microsoft.com/office/drawing/2014/main" id="{38989A0A-D26E-497E-AEF7-C20978FDDD5A}"/>
+              </a:ext>
+            </a:extLst>
+          </p:cNvPr>
+          <p:cNvPicPr>
+            <a:picLocks noChangeAspect="1"/>
+          </p:cNvPicPr>
+          <p:nvPr/>
+        </p:nvPicPr>
+        <p:blipFill>
+          <a:blip r:embed="rId3"/>
+          <a:stretch>
+            <a:fillRect/>
+          </a:stretch>
+        </p:blipFill>
+        <p:spPr>
+          <a:xfrm>
+            <a:off x="1077739" y="1625600"/>
+            <a:ext cx="3226291" cy="1701621"/>
+          </a:xfrm>
+          <a:prstGeom prst="rect">
+            <a:avLst/>
+          </a:prstGeom>
+        </p:spPr>
+      </p:pic>
+      <p:pic>
+        <p:nvPicPr>
+          <p:cNvPr id="10" name="Content Placeholder 9">
+            <a:extLst>
+              <a:ext uri="{FF2B5EF4-FFF2-40B4-BE49-F238E27FC236}">
+                <a16:creationId xmlns:a16="http://schemas.microsoft.com/office/drawing/2014/main" id="{2F675718-BE59-47D5-A0DE-552C2EF80BDD}"/>
+              </a:ext>
+            </a:extLst>
+          </p:cNvPr>
+          <p:cNvPicPr>
+            <a:picLocks noGrp="1" noChangeAspect="1"/>
+          </p:cNvPicPr>
+          <p:nvPr>
+            <p:ph idx="1"/>
+          </p:nvPr>
+        </p:nvPicPr>
+        <p:blipFill>
+          <a:blip r:embed="rId4"/>
+          <a:stretch>
+            <a:fillRect/>
+          </a:stretch>
+        </p:blipFill>
+        <p:spPr>
+          <a:xfrm>
+            <a:off x="4618181" y="1625600"/>
+            <a:ext cx="6127136" cy="1701622"/>
+          </a:xfrm>
+          <a:prstGeom prst="rect">
+            <a:avLst/>
+          </a:prstGeom>
+        </p:spPr>
+      </p:pic>
+      <p:sp>
+        <p:nvSpPr>
+          <p:cNvPr id="11" name="TextBox 10">
+            <a:extLst>
+              <a:ext uri="{FF2B5EF4-FFF2-40B4-BE49-F238E27FC236}">
+                <a16:creationId xmlns:a16="http://schemas.microsoft.com/office/drawing/2014/main" id="{AB8E4AD0-8B0F-4C94-ABA2-5F800AA70C20}"/>
+              </a:ext>
+            </a:extLst>
+          </p:cNvPr>
+          <p:cNvSpPr txBox="1"/>
+          <p:nvPr/>
+        </p:nvSpPr>
+        <p:spPr>
+          <a:xfrm>
+            <a:off x="1077739" y="6336387"/>
+            <a:ext cx="6942926" cy="369332"/>
+          </a:xfrm>
+          <a:prstGeom prst="rect">
+            <a:avLst/>
+          </a:prstGeom>
+          <a:noFill/>
+        </p:spPr>
+        <p:txBody>
+          <a:bodyPr wrap="none" rtlCol="0">
+            <a:spAutoFit/>
+          </a:bodyPr>
+          <a:lstStyle/>
+          <a:p>
+            <a:r>
+              <a:rPr lang="en-US" dirty="0"/>
+              <a:t>Note - these user stories were handled with the same commit</a:t>
+            </a:r>
+            <a:endParaRPr lang="en-GB" dirty="0"/>
+          </a:p>
+        </p:txBody>
+      </p:sp>
+    </p:spTree>
+    <p:extLst>
+      <p:ext uri="{BB962C8B-B14F-4D97-AF65-F5344CB8AC3E}">
+        <p14:creationId xmlns:p14="http://schemas.microsoft.com/office/powerpoint/2010/main" val="2619143081"/>
+      </p:ext>
+    </p:extLst>
+  </p:cSld>
+  <p:clrMapOvr>
+    <a:masterClrMapping/>
+  </p:clrMapOvr>
+</p:sld>
+</file>
+
+<file path=ppt/slides/slide11.xml><?xml version="1.0" encoding="utf-8"?>
+<p:sld xmlns:a="http://schemas.openxmlformats.org/drawingml/2006/main" xmlns:r="http://schemas.openxmlformats.org/officeDocument/2006/relationships" xmlns:p="http://schemas.openxmlformats.org/presentationml/2006/main">
+  <p:cSld>
+    <p:spTree>
+      <p:nvGrpSpPr>
+        <p:cNvPr id="1" name=""/>
+        <p:cNvGrpSpPr/>
+        <p:nvPr/>
+      </p:nvGrpSpPr>
+      <p:grpSpPr>
+        <a:xfrm>
+          <a:off x="0" y="0"/>
+          <a:ext cx="0" cy="0"/>
+          <a:chOff x="0" y="0"/>
+          <a:chExt cx="0" cy="0"/>
+        </a:xfrm>
+      </p:grpSpPr>
+      <p:sp>
+        <p:nvSpPr>
+          <p:cNvPr id="2" name="Title 1">
+            <a:extLst>
+              <a:ext uri="{FF2B5EF4-FFF2-40B4-BE49-F238E27FC236}">
+                <a16:creationId xmlns:a16="http://schemas.microsoft.com/office/drawing/2014/main" id="{C55B9E74-6D2D-4AC9-B539-DE10F2246635}"/>
+              </a:ext>
+            </a:extLst>
+          </p:cNvPr>
+          <p:cNvSpPr>
+            <a:spLocks noGrp="1"/>
+          </p:cNvSpPr>
+          <p:nvPr>
+            <p:ph type="title"/>
+          </p:nvPr>
+        </p:nvSpPr>
+        <p:spPr/>
+        <p:txBody>
+          <a:bodyPr/>
+          <a:lstStyle/>
+          <a:p>
+            <a:r>
+              <a:rPr lang="en-GB" dirty="0"/>
+              <a:t>Sprint Reviews</a:t>
+            </a:r>
+          </a:p>
+        </p:txBody>
+      </p:sp>
+      <p:sp>
+        <p:nvSpPr>
+          <p:cNvPr id="3" name="Content Placeholder 2">
+            <a:extLst>
+              <a:ext uri="{FF2B5EF4-FFF2-40B4-BE49-F238E27FC236}">
+                <a16:creationId xmlns:a16="http://schemas.microsoft.com/office/drawing/2014/main" id="{DFA407A1-0468-47D0-8ACE-5D60879DC9B5}"/>
+              </a:ext>
+            </a:extLst>
+          </p:cNvPr>
+          <p:cNvSpPr>
+            <a:spLocks noGrp="1"/>
+          </p:cNvSpPr>
+          <p:nvPr>
+            <p:ph idx="1"/>
+          </p:nvPr>
+        </p:nvSpPr>
+        <p:spPr/>
+        <p:txBody>
+          <a:bodyPr/>
+          <a:lstStyle/>
+          <a:p>
+            <a:r>
+              <a:rPr lang="en-US" dirty="0"/>
+              <a:t>Fully happy with the backend of the project including tests</a:t>
+            </a:r>
+          </a:p>
+          <a:p>
+            <a:endParaRPr lang="en-US" dirty="0"/>
+          </a:p>
+          <a:p>
+            <a:r>
+              <a:rPr lang="en-US" dirty="0"/>
+              <a:t>Front end is lacking due to time constraints and burnout</a:t>
+            </a:r>
+          </a:p>
+          <a:p>
+            <a:endParaRPr lang="en-US" dirty="0"/>
+          </a:p>
+          <a:p>
+            <a:r>
+              <a:rPr lang="en-US" dirty="0"/>
+              <a:t>Selenium tests were being written but documentation of the project took priority</a:t>
+            </a:r>
+          </a:p>
+          <a:p>
+            <a:endParaRPr lang="en-US" dirty="0"/>
+          </a:p>
+          <a:p>
+            <a:r>
+              <a:rPr lang="en-US" dirty="0"/>
+              <a:t>Swagger is left untouched</a:t>
+            </a:r>
+          </a:p>
+          <a:p>
+            <a:endParaRPr lang="en-US" dirty="0"/>
+          </a:p>
+          <a:p>
+            <a:endParaRPr lang="en-GB" dirty="0"/>
+          </a:p>
+        </p:txBody>
+      </p:sp>
+    </p:spTree>
+    <p:extLst>
+      <p:ext uri="{BB962C8B-B14F-4D97-AF65-F5344CB8AC3E}">
+        <p14:creationId xmlns:p14="http://schemas.microsoft.com/office/powerpoint/2010/main" val="3134316201"/>
+      </p:ext>
+    </p:extLst>
+  </p:cSld>
+  <p:clrMapOvr>
+    <a:masterClrMapping/>
+  </p:clrMapOvr>
+</p:sld>
+</file>
+
+<file path=ppt/slides/slide12.xml><?xml version="1.0" encoding="utf-8"?>
+<p:sld xmlns:a="http://schemas.openxmlformats.org/drawingml/2006/main" xmlns:r="http://schemas.openxmlformats.org/officeDocument/2006/relationships" xmlns:p="http://schemas.openxmlformats.org/presentationml/2006/main">
+  <p:cSld>
+    <p:spTree>
+      <p:nvGrpSpPr>
+        <p:cNvPr id="1" name=""/>
+        <p:cNvGrpSpPr/>
+        <p:nvPr/>
+      </p:nvGrpSpPr>
+      <p:grpSpPr>
+        <a:xfrm>
+          <a:off x="0" y="0"/>
+          <a:ext cx="0" cy="0"/>
+          <a:chOff x="0" y="0"/>
+          <a:chExt cx="0" cy="0"/>
+        </a:xfrm>
+      </p:grpSpPr>
+      <p:sp>
+        <p:nvSpPr>
+          <p:cNvPr id="2" name="Title 1">
+            <a:extLst>
+              <a:ext uri="{FF2B5EF4-FFF2-40B4-BE49-F238E27FC236}">
+                <a16:creationId xmlns:a16="http://schemas.microsoft.com/office/drawing/2014/main" id="{43FCECB5-A507-46E7-81AB-00AEADBB6DAD}"/>
+              </a:ext>
+            </a:extLst>
+          </p:cNvPr>
+          <p:cNvSpPr>
+            <a:spLocks noGrp="1"/>
+          </p:cNvSpPr>
+          <p:nvPr>
+            <p:ph type="title"/>
+          </p:nvPr>
+        </p:nvSpPr>
+        <p:spPr/>
+        <p:txBody>
+          <a:bodyPr/>
+          <a:lstStyle/>
+          <a:p>
+            <a:r>
+              <a:rPr lang="en-GB" dirty="0"/>
+              <a:t>Sprint Retros</a:t>
+            </a:r>
+          </a:p>
+        </p:txBody>
+      </p:sp>
+      <p:sp>
+        <p:nvSpPr>
+          <p:cNvPr id="3" name="Content Placeholder 2">
+            <a:extLst>
+              <a:ext uri="{FF2B5EF4-FFF2-40B4-BE49-F238E27FC236}">
+                <a16:creationId xmlns:a16="http://schemas.microsoft.com/office/drawing/2014/main" id="{761675EE-7E44-445E-878F-E8921AC18C0B}"/>
+              </a:ext>
+            </a:extLst>
+          </p:cNvPr>
+          <p:cNvSpPr>
+            <a:spLocks noGrp="1"/>
+          </p:cNvSpPr>
+          <p:nvPr>
+            <p:ph idx="1"/>
+          </p:nvPr>
+        </p:nvSpPr>
+        <p:spPr>
+          <a:xfrm>
+            <a:off x="838200" y="1800686"/>
+            <a:ext cx="10515600" cy="4351338"/>
+          </a:xfrm>
+        </p:spPr>
+        <p:txBody>
+          <a:bodyPr/>
+          <a:lstStyle/>
+          <a:p>
+            <a:r>
+              <a:rPr lang="en-US" dirty="0"/>
+              <a:t>General workflow was good – Stuck to a working day structure</a:t>
+            </a:r>
+          </a:p>
+          <a:p>
+            <a:endParaRPr lang="en-US" dirty="0"/>
+          </a:p>
+          <a:p>
+            <a:r>
+              <a:rPr lang="en-US" dirty="0"/>
+              <a:t>Story points are very arbitrary – Spikes?</a:t>
+            </a:r>
+          </a:p>
+          <a:p>
+            <a:endParaRPr lang="en-US" dirty="0"/>
+          </a:p>
+          <a:p>
+            <a:r>
+              <a:rPr lang="en-US" dirty="0" err="1"/>
+              <a:t>Prioritisation</a:t>
+            </a:r>
+            <a:r>
+              <a:rPr lang="en-US" dirty="0"/>
+              <a:t> of testing appropriate for the project but left front end a little neglected</a:t>
+            </a:r>
+          </a:p>
+          <a:p>
+            <a:endParaRPr lang="en-US" dirty="0"/>
+          </a:p>
+          <a:p>
+            <a:r>
+              <a:rPr lang="en-US" dirty="0"/>
+              <a:t>Git and version control management ran well</a:t>
+            </a:r>
+            <a:endParaRPr lang="en-GB" dirty="0"/>
+          </a:p>
+        </p:txBody>
+      </p:sp>
+    </p:spTree>
+    <p:extLst>
+      <p:ext uri="{BB962C8B-B14F-4D97-AF65-F5344CB8AC3E}">
+        <p14:creationId xmlns:p14="http://schemas.microsoft.com/office/powerpoint/2010/main" val="3636907416"/>
+      </p:ext>
+    </p:extLst>
+  </p:cSld>
+  <p:clrMapOvr>
+    <a:masterClrMapping/>
+  </p:clrMapOvr>
+</p:sld>
+</file>
+
+<file path=ppt/slides/slide13.xml><?xml version="1.0" encoding="utf-8"?>
+<p:sld xmlns:a="http://schemas.openxmlformats.org/drawingml/2006/main" xmlns:r="http://schemas.openxmlformats.org/officeDocument/2006/relationships" xmlns:p="http://schemas.openxmlformats.org/presentationml/2006/main">
+  <p:cSld>
+    <p:spTree>
+      <p:nvGrpSpPr>
+        <p:cNvPr id="1" name=""/>
+        <p:cNvGrpSpPr/>
+        <p:nvPr/>
+      </p:nvGrpSpPr>
+      <p:grpSpPr>
+        <a:xfrm>
+          <a:off x="0" y="0"/>
+          <a:ext cx="0" cy="0"/>
+          <a:chOff x="0" y="0"/>
+          <a:chExt cx="0" cy="0"/>
+        </a:xfrm>
+      </p:grpSpPr>
+      <p:sp>
+        <p:nvSpPr>
+          <p:cNvPr id="2" name="Title 1">
+            <a:extLst>
+              <a:ext uri="{FF2B5EF4-FFF2-40B4-BE49-F238E27FC236}">
+                <a16:creationId xmlns:a16="http://schemas.microsoft.com/office/drawing/2014/main" id="{4285A37B-2282-4DCF-9E18-438ABB3C6A3C}"/>
+              </a:ext>
+            </a:extLst>
+          </p:cNvPr>
+          <p:cNvSpPr>
+            <a:spLocks noGrp="1"/>
+          </p:cNvSpPr>
+          <p:nvPr>
+            <p:ph type="title"/>
+          </p:nvPr>
+        </p:nvSpPr>
+        <p:spPr>
+          <a:xfrm>
+            <a:off x="874220" y="502594"/>
+            <a:ext cx="9404723" cy="1400530"/>
+          </a:xfrm>
+        </p:spPr>
+        <p:txBody>
+          <a:bodyPr/>
+          <a:lstStyle/>
+          <a:p>
+            <a:r>
+              <a:rPr lang="en-GB" dirty="0"/>
+              <a:t>Final thoughts</a:t>
+            </a:r>
+          </a:p>
+        </p:txBody>
+      </p:sp>
+      <p:sp>
+        <p:nvSpPr>
+          <p:cNvPr id="3" name="Content Placeholder 2">
+            <a:extLst>
+              <a:ext uri="{FF2B5EF4-FFF2-40B4-BE49-F238E27FC236}">
+                <a16:creationId xmlns:a16="http://schemas.microsoft.com/office/drawing/2014/main" id="{A3596454-37B5-41C3-9F3D-0E50456CFC6D}"/>
+              </a:ext>
+            </a:extLst>
+          </p:cNvPr>
+          <p:cNvSpPr>
+            <a:spLocks noGrp="1"/>
+          </p:cNvSpPr>
+          <p:nvPr>
+            <p:ph idx="1"/>
+          </p:nvPr>
+        </p:nvSpPr>
+        <p:spPr/>
+        <p:txBody>
+          <a:bodyPr/>
+          <a:lstStyle/>
+          <a:p>
+            <a:r>
+              <a:rPr lang="en-US" dirty="0"/>
+              <a:t>Started off frustrated but found the whole project very rewarding</a:t>
+            </a:r>
+          </a:p>
+          <a:p>
+            <a:endParaRPr lang="en-US" dirty="0"/>
+          </a:p>
+          <a:p>
+            <a:r>
+              <a:rPr lang="en-US" dirty="0"/>
+              <a:t>Learnt lots of different technologies – looking at slide 3 feels surreal for 8 weeks of progress</a:t>
+            </a:r>
+          </a:p>
+          <a:p>
+            <a:endParaRPr lang="en-US" dirty="0"/>
+          </a:p>
+          <a:p>
+            <a:r>
+              <a:rPr lang="en-US" dirty="0"/>
+              <a:t>Given more time</a:t>
+            </a:r>
+            <a:r>
+              <a:rPr lang="en-GB" dirty="0"/>
+              <a:t> </a:t>
+            </a:r>
+          </a:p>
+          <a:p>
+            <a:pPr lvl="1"/>
+            <a:r>
+              <a:rPr lang="en-GB" dirty="0"/>
+              <a:t>Selenium testing complete</a:t>
+            </a:r>
+            <a:endParaRPr lang="en-US" dirty="0"/>
+          </a:p>
+          <a:p>
+            <a:pPr lvl="1"/>
+            <a:r>
+              <a:rPr lang="en-US" dirty="0"/>
+              <a:t>Make the front end more intuitive</a:t>
+            </a:r>
+          </a:p>
+          <a:p>
+            <a:pPr lvl="1"/>
+            <a:r>
+              <a:rPr lang="en-US" dirty="0"/>
+              <a:t>Add users as per my initial ERD</a:t>
+            </a:r>
+            <a:endParaRPr lang="en-GB" dirty="0"/>
+          </a:p>
+        </p:txBody>
+      </p:sp>
+    </p:spTree>
+    <p:extLst>
+      <p:ext uri="{BB962C8B-B14F-4D97-AF65-F5344CB8AC3E}">
+        <p14:creationId xmlns:p14="http://schemas.microsoft.com/office/powerpoint/2010/main" val="2598945888"/>
       </p:ext>
     </p:extLst>
   </p:cSld>
@@ -3438,7 +6683,7 @@
         </p:nvSpPr>
         <p:spPr>
           <a:xfrm>
-            <a:off x="838200" y="365125"/>
+            <a:off x="838200" y="2827390"/>
             <a:ext cx="5529349" cy="1325563"/>
           </a:xfrm>
         </p:spPr>
@@ -3452,31 +6697,6 @@
               <a:rPr lang="en-GB" sz="3600" dirty="0"/>
               <a:t>Sprint 1 - Backend</a:t>
             </a:r>
-          </a:p>
-        </p:txBody>
-      </p:sp>
-      <p:sp>
-        <p:nvSpPr>
-          <p:cNvPr id="3" name="Content Placeholder 2">
-            <a:extLst>
-              <a:ext uri="{FF2B5EF4-FFF2-40B4-BE49-F238E27FC236}">
-                <a16:creationId xmlns:a16="http://schemas.microsoft.com/office/drawing/2014/main" id="{19356C5F-4F6B-408E-BD57-AF17D40D27FA}"/>
-              </a:ext>
-            </a:extLst>
-          </p:cNvPr>
-          <p:cNvSpPr>
-            <a:spLocks noGrp="1"/>
-          </p:cNvSpPr>
-          <p:nvPr>
-            <p:ph idx="1"/>
-          </p:nvPr>
-        </p:nvSpPr>
-        <p:spPr/>
-        <p:txBody>
-          <a:bodyPr/>
-          <a:lstStyle/>
-          <a:p>
-            <a:endParaRPr lang="en-GB" dirty="0"/>
           </a:p>
         </p:txBody>
       </p:sp>
@@ -3496,7 +6716,7 @@
         </p:nvSpPr>
         <p:spPr>
           <a:xfrm>
-            <a:off x="6096000" y="365124"/>
+            <a:off x="838200" y="4152953"/>
             <a:ext cx="5529349" cy="1325563"/>
           </a:xfrm>
           <a:prstGeom prst="rect">
@@ -3534,6 +6754,161 @@
           </a:p>
         </p:txBody>
       </p:sp>
+      <p:sp>
+        <p:nvSpPr>
+          <p:cNvPr id="5" name="Title 1">
+            <a:extLst>
+              <a:ext uri="{FF2B5EF4-FFF2-40B4-BE49-F238E27FC236}">
+                <a16:creationId xmlns:a16="http://schemas.microsoft.com/office/drawing/2014/main" id="{3DB19CB0-CC29-49AA-9BD1-DF82CB1EB100}"/>
+              </a:ext>
+            </a:extLst>
+          </p:cNvPr>
+          <p:cNvSpPr txBox="1">
+            <a:spLocks/>
+          </p:cNvSpPr>
+          <p:nvPr/>
+        </p:nvSpPr>
+        <p:spPr>
+          <a:xfrm>
+            <a:off x="838200" y="1075400"/>
+            <a:ext cx="6640484" cy="1325563"/>
+          </a:xfrm>
+          <a:prstGeom prst="rect">
+            <a:avLst/>
+          </a:prstGeom>
+        </p:spPr>
+        <p:txBody>
+          <a:bodyPr vert="horz" lIns="91440" tIns="45720" rIns="91440" bIns="45720" rtlCol="0" anchor="ctr">
+            <a:normAutofit/>
+          </a:bodyPr>
+          <a:lstStyle>
+            <a:lvl1pPr algn="l" defTabSz="914400" rtl="0" eaLnBrk="1" latinLnBrk="0" hangingPunct="1">
+              <a:lnSpc>
+                <a:spcPct val="90000"/>
+              </a:lnSpc>
+              <a:spcBef>
+                <a:spcPct val="0"/>
+              </a:spcBef>
+              <a:buNone/>
+              <a:defRPr sz="4400" kern="1200">
+                <a:solidFill>
+                  <a:schemeClr val="tx1"/>
+                </a:solidFill>
+                <a:latin typeface="+mj-lt"/>
+                <a:ea typeface="+mj-ea"/>
+                <a:cs typeface="+mj-cs"/>
+              </a:defRPr>
+            </a:lvl1pPr>
+          </a:lstStyle>
+          <a:p>
+            <a:r>
+              <a:rPr lang="en-GB" sz="3600" dirty="0"/>
+              <a:t>Initial research into the project</a:t>
+            </a:r>
+          </a:p>
+        </p:txBody>
+      </p:sp>
+      <p:pic>
+        <p:nvPicPr>
+          <p:cNvPr id="6" name="Picture 5">
+            <a:extLst>
+              <a:ext uri="{FF2B5EF4-FFF2-40B4-BE49-F238E27FC236}">
+                <a16:creationId xmlns:a16="http://schemas.microsoft.com/office/drawing/2014/main" id="{53FD40C9-3E6C-41B4-B1B9-77E89B99ED37}"/>
+              </a:ext>
+            </a:extLst>
+          </p:cNvPr>
+          <p:cNvPicPr>
+            <a:picLocks noChangeAspect="1"/>
+          </p:cNvPicPr>
+          <p:nvPr/>
+        </p:nvPicPr>
+        <p:blipFill>
+          <a:blip r:embed="rId2"/>
+          <a:stretch>
+            <a:fillRect/>
+          </a:stretch>
+        </p:blipFill>
+        <p:spPr>
+          <a:xfrm>
+            <a:off x="6733309" y="1104172"/>
+            <a:ext cx="4972074" cy="2251505"/>
+          </a:xfrm>
+          <a:prstGeom prst="rect">
+            <a:avLst/>
+          </a:prstGeom>
+        </p:spPr>
+      </p:pic>
+      <p:pic>
+        <p:nvPicPr>
+          <p:cNvPr id="7" name="Picture 6">
+            <a:extLst>
+              <a:ext uri="{FF2B5EF4-FFF2-40B4-BE49-F238E27FC236}">
+                <a16:creationId xmlns:a16="http://schemas.microsoft.com/office/drawing/2014/main" id="{0C114E29-30A9-43B5-9894-F84C588D014A}"/>
+              </a:ext>
+            </a:extLst>
+          </p:cNvPr>
+          <p:cNvPicPr>
+            <a:picLocks noChangeAspect="1"/>
+          </p:cNvPicPr>
+          <p:nvPr/>
+        </p:nvPicPr>
+        <p:blipFill>
+          <a:blip r:embed="rId3"/>
+          <a:stretch>
+            <a:fillRect/>
+          </a:stretch>
+        </p:blipFill>
+        <p:spPr>
+          <a:xfrm>
+            <a:off x="7699896" y="3980873"/>
+            <a:ext cx="3038899" cy="1886213"/>
+          </a:xfrm>
+          <a:prstGeom prst="rect">
+            <a:avLst/>
+          </a:prstGeom>
+        </p:spPr>
+      </p:pic>
+      <p:cxnSp>
+        <p:nvCxnSpPr>
+          <p:cNvPr id="9" name="Straight Arrow Connector 8">
+            <a:extLst>
+              <a:ext uri="{FF2B5EF4-FFF2-40B4-BE49-F238E27FC236}">
+                <a16:creationId xmlns:a16="http://schemas.microsoft.com/office/drawing/2014/main" id="{089CD60B-678A-440D-922E-80D6E2B4ECEE}"/>
+              </a:ext>
+            </a:extLst>
+          </p:cNvPr>
+          <p:cNvCxnSpPr>
+            <a:stCxn id="6" idx="2"/>
+          </p:cNvCxnSpPr>
+          <p:nvPr/>
+        </p:nvCxnSpPr>
+        <p:spPr>
+          <a:xfrm>
+            <a:off x="9219346" y="3355677"/>
+            <a:ext cx="0" cy="625196"/>
+          </a:xfrm>
+          <a:prstGeom prst="straightConnector1">
+            <a:avLst/>
+          </a:prstGeom>
+          <a:ln>
+            <a:tailEnd type="triangle"/>
+          </a:ln>
+        </p:spPr>
+        <p:style>
+          <a:lnRef idx="1">
+            <a:schemeClr val="accent1"/>
+          </a:lnRef>
+          <a:fillRef idx="0">
+            <a:schemeClr val="accent1"/>
+          </a:fillRef>
+          <a:effectRef idx="0">
+            <a:schemeClr val="accent1"/>
+          </a:effectRef>
+          <a:fontRef idx="minor">
+            <a:schemeClr val="tx1"/>
+          </a:fontRef>
+        </p:style>
+      </p:cxnSp>
     </p:spTree>
     <p:extLst>
       <p:ext uri="{BB962C8B-B14F-4D97-AF65-F5344CB8AC3E}">
@@ -3569,7 +6944,7 @@
           <p:cNvPr id="2" name="Title 1">
             <a:extLst>
               <a:ext uri="{FF2B5EF4-FFF2-40B4-BE49-F238E27FC236}">
-                <a16:creationId xmlns:a16="http://schemas.microsoft.com/office/drawing/2014/main" id="{8340FA0B-F390-4840-AC81-B5559BBE5421}"/>
+                <a16:creationId xmlns:a16="http://schemas.microsoft.com/office/drawing/2014/main" id="{09A57D82-D283-48EB-BDE6-48182D5898ED}"/>
               </a:ext>
             </a:extLst>
           </p:cNvPr>
@@ -3586,33 +6961,89 @@
           <a:lstStyle/>
           <a:p>
             <a:r>
-              <a:rPr lang="en-GB" dirty="0"/>
-              <a:t>Technologies Learnt</a:t>
-            </a:r>
-          </a:p>
-        </p:txBody>
-      </p:sp>
-      <p:sp>
-        <p:nvSpPr>
-          <p:cNvPr id="3" name="Content Placeholder 2">
+              <a:rPr lang="en-US" dirty="0"/>
+              <a:t>Anticipated timeline</a:t>
+            </a:r>
+            <a:endParaRPr lang="en-GB" dirty="0"/>
+          </a:p>
+        </p:txBody>
+      </p:sp>
+      <p:pic>
+        <p:nvPicPr>
+          <p:cNvPr id="4" name="Content Placeholder 3">
             <a:extLst>
               <a:ext uri="{FF2B5EF4-FFF2-40B4-BE49-F238E27FC236}">
-                <a16:creationId xmlns:a16="http://schemas.microsoft.com/office/drawing/2014/main" id="{DF785776-DD3E-4580-86ED-BB838856DE9C}"/>
+                <a16:creationId xmlns:a16="http://schemas.microsoft.com/office/drawing/2014/main" id="{0A63237E-24AA-400C-8A01-65632CCE8B5F}"/>
               </a:ext>
             </a:extLst>
           </p:cNvPr>
-          <p:cNvSpPr>
-            <a:spLocks noGrp="1"/>
-          </p:cNvSpPr>
+          <p:cNvPicPr>
+            <a:picLocks noGrp="1" noChangeAspect="1"/>
+          </p:cNvPicPr>
           <p:nvPr>
             <p:ph idx="1"/>
           </p:nvPr>
-        </p:nvSpPr>
-        <p:spPr/>
-        <p:txBody>
-          <a:bodyPr/>
+        </p:nvPicPr>
+        <p:blipFill>
+          <a:blip r:embed="rId2"/>
+          <a:stretch>
+            <a:fillRect/>
+          </a:stretch>
+        </p:blipFill>
+        <p:spPr>
+          <a:xfrm>
+            <a:off x="646111" y="2236163"/>
+            <a:ext cx="6538321" cy="2768590"/>
+          </a:xfrm>
+          <a:prstGeom prst="rect">
+            <a:avLst/>
+          </a:prstGeom>
+        </p:spPr>
+      </p:pic>
+      <p:sp>
+        <p:nvSpPr>
+          <p:cNvPr id="5" name="TextBox 4">
+            <a:extLst>
+              <a:ext uri="{FF2B5EF4-FFF2-40B4-BE49-F238E27FC236}">
+                <a16:creationId xmlns:a16="http://schemas.microsoft.com/office/drawing/2014/main" id="{A01042E6-840C-4BF6-B60D-4D84C64A0E8B}"/>
+              </a:ext>
+            </a:extLst>
+          </p:cNvPr>
+          <p:cNvSpPr txBox="1"/>
+          <p:nvPr/>
+        </p:nvSpPr>
+        <p:spPr>
+          <a:xfrm>
+            <a:off x="523702" y="5611091"/>
+            <a:ext cx="4907113" cy="369332"/>
+          </a:xfrm>
+          <a:prstGeom prst="rect">
+            <a:avLst/>
+          </a:prstGeom>
+          <a:noFill/>
+        </p:spPr>
+        <p:txBody>
+          <a:bodyPr wrap="none" rtlCol="0">
+            <a:spAutoFit/>
+          </a:bodyPr>
           <a:lstStyle/>
           <a:p>
+            <a:r>
+              <a:rPr lang="en-US" dirty="0"/>
+              <a:t>Note – </a:t>
+            </a:r>
+            <a:r>
+              <a:rPr lang="en-US" dirty="0" err="1"/>
+              <a:t>MoSCoW</a:t>
+            </a:r>
+            <a:r>
+              <a:rPr lang="en-US" dirty="0"/>
+              <a:t> method used to </a:t>
+            </a:r>
+            <a:r>
+              <a:rPr lang="en-US" dirty="0" err="1"/>
+              <a:t>prioritise</a:t>
+            </a:r>
             <a:endParaRPr lang="en-GB" dirty="0"/>
           </a:p>
         </p:txBody>
@@ -3620,7 +7051,7 @@
     </p:spTree>
     <p:extLst>
       <p:ext uri="{BB962C8B-B14F-4D97-AF65-F5344CB8AC3E}">
-        <p14:creationId xmlns:p14="http://schemas.microsoft.com/office/powerpoint/2010/main" val="3099943820"/>
+        <p14:creationId xmlns:p14="http://schemas.microsoft.com/office/powerpoint/2010/main" val="1291946767"/>
       </p:ext>
     </p:extLst>
   </p:cSld>
@@ -3652,7 +7083,7 @@
           <p:cNvPr id="2" name="Title 1">
             <a:extLst>
               <a:ext uri="{FF2B5EF4-FFF2-40B4-BE49-F238E27FC236}">
-                <a16:creationId xmlns:a16="http://schemas.microsoft.com/office/drawing/2014/main" id="{20F48B2E-082A-4346-BDE2-14909378C68D}"/>
+                <a16:creationId xmlns:a16="http://schemas.microsoft.com/office/drawing/2014/main" id="{3A935229-BB42-4D56-977A-390F1E5D7638}"/>
               </a:ext>
             </a:extLst>
           </p:cNvPr>
@@ -3669,41 +7100,49 @@
           <a:lstStyle/>
           <a:p>
             <a:r>
-              <a:rPr lang="en-GB" dirty="0"/>
-              <a:t>Git process and Version control</a:t>
-            </a:r>
-          </a:p>
-        </p:txBody>
-      </p:sp>
-      <p:sp>
-        <p:nvSpPr>
-          <p:cNvPr id="3" name="Content Placeholder 2">
+              <a:rPr lang="en-US" dirty="0"/>
+              <a:t>Risk Assessment</a:t>
+            </a:r>
+            <a:endParaRPr lang="en-GB" dirty="0"/>
+          </a:p>
+        </p:txBody>
+      </p:sp>
+      <p:pic>
+        <p:nvPicPr>
+          <p:cNvPr id="4" name="Content Placeholder 3">
             <a:extLst>
               <a:ext uri="{FF2B5EF4-FFF2-40B4-BE49-F238E27FC236}">
-                <a16:creationId xmlns:a16="http://schemas.microsoft.com/office/drawing/2014/main" id="{38F53443-DDB1-4AF0-98C9-5F9D2279100F}"/>
+                <a16:creationId xmlns:a16="http://schemas.microsoft.com/office/drawing/2014/main" id="{A2A1086F-B260-4281-8BDC-1D877D6CBE7E}"/>
               </a:ext>
             </a:extLst>
           </p:cNvPr>
-          <p:cNvSpPr>
-            <a:spLocks noGrp="1"/>
-          </p:cNvSpPr>
+          <p:cNvPicPr>
+            <a:picLocks noGrp="1" noChangeAspect="1"/>
+          </p:cNvPicPr>
           <p:nvPr>
             <p:ph idx="1"/>
           </p:nvPr>
-        </p:nvSpPr>
-        <p:spPr/>
-        <p:txBody>
-          <a:bodyPr/>
-          <a:lstStyle/>
-          <a:p>
-            <a:endParaRPr lang="en-GB"/>
-          </a:p>
-        </p:txBody>
-      </p:sp>
+        </p:nvPicPr>
+        <p:blipFill>
+          <a:blip r:embed="rId2"/>
+          <a:stretch>
+            <a:fillRect/>
+          </a:stretch>
+        </p:blipFill>
+        <p:spPr>
+          <a:xfrm>
+            <a:off x="773826" y="1412557"/>
+            <a:ext cx="9404723" cy="4946827"/>
+          </a:xfrm>
+          <a:prstGeom prst="rect">
+            <a:avLst/>
+          </a:prstGeom>
+        </p:spPr>
+      </p:pic>
     </p:spTree>
     <p:extLst>
       <p:ext uri="{BB962C8B-B14F-4D97-AF65-F5344CB8AC3E}">
-        <p14:creationId xmlns:p14="http://schemas.microsoft.com/office/powerpoint/2010/main" val="4541002"/>
+        <p14:creationId xmlns:p14="http://schemas.microsoft.com/office/powerpoint/2010/main" val="3598652686"/>
       </p:ext>
     </p:extLst>
   </p:cSld>
@@ -3735,7 +7174,7 @@
           <p:cNvPr id="2" name="Title 1">
             <a:extLst>
               <a:ext uri="{FF2B5EF4-FFF2-40B4-BE49-F238E27FC236}">
-                <a16:creationId xmlns:a16="http://schemas.microsoft.com/office/drawing/2014/main" id="{BEC39B8B-E180-4C07-95EF-B4E47859ABBE}"/>
+                <a16:creationId xmlns:a16="http://schemas.microsoft.com/office/drawing/2014/main" id="{8340FA0B-F390-4840-AC81-B5559BBE5421}"/>
               </a:ext>
             </a:extLst>
           </p:cNvPr>
@@ -3753,7 +7192,7 @@
           <a:p>
             <a:r>
               <a:rPr lang="en-GB" dirty="0"/>
-              <a:t>Testing</a:t>
+              <a:t>Technologies used</a:t>
             </a:r>
           </a:p>
         </p:txBody>
@@ -3763,7 +7202,7 @@
           <p:cNvPr id="3" name="Content Placeholder 2">
             <a:extLst>
               <a:ext uri="{FF2B5EF4-FFF2-40B4-BE49-F238E27FC236}">
-                <a16:creationId xmlns:a16="http://schemas.microsoft.com/office/drawing/2014/main" id="{0E597777-7CEB-48FC-98B0-A920D35CFE30}"/>
+                <a16:creationId xmlns:a16="http://schemas.microsoft.com/office/drawing/2014/main" id="{DF785776-DD3E-4580-86ED-BB838856DE9C}"/>
               </a:ext>
             </a:extLst>
           </p:cNvPr>
@@ -3774,19 +7213,339 @@
             <p:ph idx="1"/>
           </p:nvPr>
         </p:nvSpPr>
-        <p:spPr/>
-        <p:txBody>
-          <a:bodyPr/>
+        <p:spPr>
+          <a:xfrm>
+            <a:off x="1045124" y="2061230"/>
+            <a:ext cx="2238404" cy="4195481"/>
+          </a:xfrm>
+        </p:spPr>
+        <p:txBody>
+          <a:bodyPr>
+            <a:normAutofit/>
+          </a:bodyPr>
           <a:lstStyle/>
           <a:p>
-            <a:endParaRPr lang="en-GB"/>
+            <a:r>
+              <a:rPr lang="en-GB" dirty="0"/>
+              <a:t>MySQL</a:t>
+            </a:r>
+          </a:p>
+          <a:p>
+            <a:r>
+              <a:rPr lang="en-GB" dirty="0"/>
+              <a:t>Java</a:t>
+            </a:r>
+          </a:p>
+          <a:p>
+            <a:r>
+              <a:rPr lang="en-GB" dirty="0"/>
+              <a:t>Spring Boot</a:t>
+            </a:r>
+          </a:p>
+          <a:p>
+            <a:r>
+              <a:rPr lang="en-GB" dirty="0"/>
+              <a:t>JUnit + Mockito</a:t>
+            </a:r>
+          </a:p>
+          <a:p>
+            <a:r>
+              <a:rPr lang="en-GB" dirty="0"/>
+              <a:t>(Selenium)</a:t>
+            </a:r>
+          </a:p>
+          <a:p>
+            <a:r>
+              <a:rPr lang="en-GB" dirty="0"/>
+              <a:t>HTML</a:t>
+            </a:r>
+          </a:p>
+          <a:p>
+            <a:r>
+              <a:rPr lang="en-GB" dirty="0"/>
+              <a:t>JavaScript</a:t>
+            </a:r>
+          </a:p>
+          <a:p>
+            <a:r>
+              <a:rPr lang="en-GB" dirty="0"/>
+              <a:t>CSS</a:t>
+            </a:r>
+          </a:p>
+          <a:p>
+            <a:endParaRPr lang="en-GB" dirty="0"/>
+          </a:p>
+        </p:txBody>
+      </p:sp>
+      <p:sp>
+        <p:nvSpPr>
+          <p:cNvPr id="4" name="Content Placeholder 2">
+            <a:extLst>
+              <a:ext uri="{FF2B5EF4-FFF2-40B4-BE49-F238E27FC236}">
+                <a16:creationId xmlns:a16="http://schemas.microsoft.com/office/drawing/2014/main" id="{7D15DD00-714F-467D-A698-D5B6E8724F3D}"/>
+              </a:ext>
+            </a:extLst>
+          </p:cNvPr>
+          <p:cNvSpPr txBox="1">
+            <a:spLocks/>
+          </p:cNvSpPr>
+          <p:nvPr/>
+        </p:nvSpPr>
+        <p:spPr>
+          <a:xfrm>
+            <a:off x="4229270" y="2061229"/>
+            <a:ext cx="2238404" cy="4195481"/>
+          </a:xfrm>
+          <a:prstGeom prst="rect">
+            <a:avLst/>
+          </a:prstGeom>
+        </p:spPr>
+        <p:txBody>
+          <a:bodyPr vert="horz" lIns="91440" tIns="45720" rIns="91440" bIns="45720" rtlCol="0">
+            <a:normAutofit/>
+          </a:bodyPr>
+          <a:lstStyle>
+            <a:lvl1pPr marL="342900" indent="-342900" algn="l" defTabSz="457200" rtl="0" eaLnBrk="1" latinLnBrk="0" hangingPunct="1">
+              <a:spcBef>
+                <a:spcPts val="1000"/>
+              </a:spcBef>
+              <a:spcAft>
+                <a:spcPts val="0"/>
+              </a:spcAft>
+              <a:buClr>
+                <a:schemeClr val="accent1"/>
+              </a:buClr>
+              <a:buSzPct val="80000"/>
+              <a:buFont typeface="Wingdings 3" charset="2"/>
+              <a:buChar char=""/>
+              <a:defRPr sz="2000" b="0" i="0" kern="1200">
+                <a:solidFill>
+                  <a:schemeClr val="tx1"/>
+                </a:solidFill>
+                <a:latin typeface="+mj-lt"/>
+                <a:ea typeface="+mj-ea"/>
+                <a:cs typeface="+mj-cs"/>
+              </a:defRPr>
+            </a:lvl1pPr>
+            <a:lvl2pPr marL="742950" indent="-285750" algn="l" defTabSz="457200" rtl="0" eaLnBrk="1" latinLnBrk="0" hangingPunct="1">
+              <a:spcBef>
+                <a:spcPts val="1000"/>
+              </a:spcBef>
+              <a:spcAft>
+                <a:spcPts val="0"/>
+              </a:spcAft>
+              <a:buClr>
+                <a:schemeClr val="accent1"/>
+              </a:buClr>
+              <a:buSzPct val="80000"/>
+              <a:buFont typeface="Wingdings 3" charset="2"/>
+              <a:buChar char=""/>
+              <a:defRPr sz="1800" b="0" i="0" kern="1200">
+                <a:solidFill>
+                  <a:schemeClr val="tx1"/>
+                </a:solidFill>
+                <a:latin typeface="+mj-lt"/>
+                <a:ea typeface="+mj-ea"/>
+                <a:cs typeface="+mj-cs"/>
+              </a:defRPr>
+            </a:lvl2pPr>
+            <a:lvl3pPr marL="1143000" indent="-228600" algn="l" defTabSz="457200" rtl="0" eaLnBrk="1" latinLnBrk="0" hangingPunct="1">
+              <a:spcBef>
+                <a:spcPts val="1000"/>
+              </a:spcBef>
+              <a:spcAft>
+                <a:spcPts val="0"/>
+              </a:spcAft>
+              <a:buClr>
+                <a:schemeClr val="accent1"/>
+              </a:buClr>
+              <a:buSzPct val="80000"/>
+              <a:buFont typeface="Wingdings 3" charset="2"/>
+              <a:buChar char=""/>
+              <a:defRPr sz="1600" b="0" i="0" kern="1200">
+                <a:solidFill>
+                  <a:schemeClr val="tx1"/>
+                </a:solidFill>
+                <a:latin typeface="+mj-lt"/>
+                <a:ea typeface="+mj-ea"/>
+                <a:cs typeface="+mj-cs"/>
+              </a:defRPr>
+            </a:lvl3pPr>
+            <a:lvl4pPr marL="1600200" indent="-228600" algn="l" defTabSz="457200" rtl="0" eaLnBrk="1" latinLnBrk="0" hangingPunct="1">
+              <a:spcBef>
+                <a:spcPts val="1000"/>
+              </a:spcBef>
+              <a:spcAft>
+                <a:spcPts val="0"/>
+              </a:spcAft>
+              <a:buClr>
+                <a:schemeClr val="accent1"/>
+              </a:buClr>
+              <a:buSzPct val="80000"/>
+              <a:buFont typeface="Wingdings 3" charset="2"/>
+              <a:buChar char=""/>
+              <a:defRPr sz="1400" b="0" i="0" kern="1200">
+                <a:solidFill>
+                  <a:schemeClr val="tx1"/>
+                </a:solidFill>
+                <a:latin typeface="+mj-lt"/>
+                <a:ea typeface="+mj-ea"/>
+                <a:cs typeface="+mj-cs"/>
+              </a:defRPr>
+            </a:lvl4pPr>
+            <a:lvl5pPr marL="2057400" indent="-228600" algn="l" defTabSz="457200" rtl="0" eaLnBrk="1" latinLnBrk="0" hangingPunct="1">
+              <a:spcBef>
+                <a:spcPts val="1000"/>
+              </a:spcBef>
+              <a:spcAft>
+                <a:spcPts val="0"/>
+              </a:spcAft>
+              <a:buClr>
+                <a:schemeClr val="accent1"/>
+              </a:buClr>
+              <a:buSzPct val="80000"/>
+              <a:buFont typeface="Wingdings 3" charset="2"/>
+              <a:buChar char=""/>
+              <a:defRPr sz="1400" b="0" i="0" kern="1200">
+                <a:solidFill>
+                  <a:schemeClr val="tx1"/>
+                </a:solidFill>
+                <a:latin typeface="+mj-lt"/>
+                <a:ea typeface="+mj-ea"/>
+                <a:cs typeface="+mj-cs"/>
+              </a:defRPr>
+            </a:lvl5pPr>
+            <a:lvl6pPr marL="2514600" indent="-228600" algn="l" defTabSz="457200" rtl="0" eaLnBrk="1" latinLnBrk="0" hangingPunct="1">
+              <a:spcBef>
+                <a:spcPts val="1000"/>
+              </a:spcBef>
+              <a:spcAft>
+                <a:spcPts val="0"/>
+              </a:spcAft>
+              <a:buClr>
+                <a:schemeClr val="accent1"/>
+              </a:buClr>
+              <a:buSzPct val="80000"/>
+              <a:buFont typeface="Wingdings 3" charset="2"/>
+              <a:buChar char=""/>
+              <a:defRPr sz="1400" b="0" i="0" kern="1200">
+                <a:solidFill>
+                  <a:schemeClr val="tx1"/>
+                </a:solidFill>
+                <a:latin typeface="+mj-lt"/>
+                <a:ea typeface="+mj-ea"/>
+                <a:cs typeface="+mj-cs"/>
+              </a:defRPr>
+            </a:lvl6pPr>
+            <a:lvl7pPr marL="2971800" indent="-228600" algn="l" defTabSz="457200" rtl="0" eaLnBrk="1" latinLnBrk="0" hangingPunct="1">
+              <a:spcBef>
+                <a:spcPts val="1000"/>
+              </a:spcBef>
+              <a:spcAft>
+                <a:spcPts val="0"/>
+              </a:spcAft>
+              <a:buClr>
+                <a:schemeClr val="accent1"/>
+              </a:buClr>
+              <a:buSzPct val="80000"/>
+              <a:buFont typeface="Wingdings 3" charset="2"/>
+              <a:buChar char=""/>
+              <a:defRPr sz="1400" b="0" i="0" kern="1200">
+                <a:solidFill>
+                  <a:schemeClr val="tx1"/>
+                </a:solidFill>
+                <a:latin typeface="+mj-lt"/>
+                <a:ea typeface="+mj-ea"/>
+                <a:cs typeface="+mj-cs"/>
+              </a:defRPr>
+            </a:lvl7pPr>
+            <a:lvl8pPr marL="3429000" indent="-228600" algn="l" defTabSz="457200" rtl="0" eaLnBrk="1" latinLnBrk="0" hangingPunct="1">
+              <a:spcBef>
+                <a:spcPts val="1000"/>
+              </a:spcBef>
+              <a:spcAft>
+                <a:spcPts val="0"/>
+              </a:spcAft>
+              <a:buClr>
+                <a:schemeClr val="accent1"/>
+              </a:buClr>
+              <a:buSzPct val="80000"/>
+              <a:buFont typeface="Wingdings 3" charset="2"/>
+              <a:buChar char=""/>
+              <a:defRPr sz="1400" b="0" i="0" kern="1200">
+                <a:solidFill>
+                  <a:schemeClr val="tx1"/>
+                </a:solidFill>
+                <a:latin typeface="+mj-lt"/>
+                <a:ea typeface="+mj-ea"/>
+                <a:cs typeface="+mj-cs"/>
+              </a:defRPr>
+            </a:lvl8pPr>
+            <a:lvl9pPr marL="3886200" indent="-228600" algn="l" defTabSz="457200" rtl="0" eaLnBrk="1" latinLnBrk="0" hangingPunct="1">
+              <a:spcBef>
+                <a:spcPts val="1000"/>
+              </a:spcBef>
+              <a:spcAft>
+                <a:spcPts val="0"/>
+              </a:spcAft>
+              <a:buClr>
+                <a:schemeClr val="accent1"/>
+              </a:buClr>
+              <a:buSzPct val="80000"/>
+              <a:buFont typeface="Wingdings 3" charset="2"/>
+              <a:buChar char=""/>
+              <a:defRPr sz="1400" b="0" i="0" kern="1200">
+                <a:solidFill>
+                  <a:schemeClr val="tx1"/>
+                </a:solidFill>
+                <a:latin typeface="+mj-lt"/>
+                <a:ea typeface="+mj-ea"/>
+                <a:cs typeface="+mj-cs"/>
+              </a:defRPr>
+            </a:lvl9pPr>
+          </a:lstStyle>
+          <a:p>
+            <a:r>
+              <a:rPr lang="en-GB" dirty="0"/>
+              <a:t>SonarQube</a:t>
+            </a:r>
+          </a:p>
+          <a:p>
+            <a:r>
+              <a:rPr lang="en-GB" dirty="0"/>
+              <a:t>Jira</a:t>
+            </a:r>
+          </a:p>
+          <a:p>
+            <a:r>
+              <a:rPr lang="en-GB" dirty="0"/>
+              <a:t>Git</a:t>
+            </a:r>
+          </a:p>
+          <a:p>
+            <a:r>
+              <a:rPr lang="en-GB" dirty="0"/>
+              <a:t>GitHub</a:t>
+            </a:r>
+          </a:p>
+          <a:p>
+            <a:r>
+              <a:rPr lang="en-GB" dirty="0"/>
+              <a:t>Maven</a:t>
+            </a:r>
+          </a:p>
+          <a:p>
+            <a:endParaRPr lang="en-GB" dirty="0"/>
+          </a:p>
+          <a:p>
+            <a:endParaRPr lang="en-GB" dirty="0"/>
           </a:p>
         </p:txBody>
       </p:sp>
     </p:spTree>
     <p:extLst>
       <p:ext uri="{BB962C8B-B14F-4D97-AF65-F5344CB8AC3E}">
-        <p14:creationId xmlns:p14="http://schemas.microsoft.com/office/powerpoint/2010/main" val="92367633"/>
+        <p14:creationId xmlns:p14="http://schemas.microsoft.com/office/powerpoint/2010/main" val="3099943820"/>
       </p:ext>
     </p:extLst>
   </p:cSld>
@@ -3818,7 +7577,7 @@
           <p:cNvPr id="2" name="Title 1">
             <a:extLst>
               <a:ext uri="{FF2B5EF4-FFF2-40B4-BE49-F238E27FC236}">
-                <a16:creationId xmlns:a16="http://schemas.microsoft.com/office/drawing/2014/main" id="{04D5A510-D149-477C-B751-6A995B46B84C}"/>
+                <a16:creationId xmlns:a16="http://schemas.microsoft.com/office/drawing/2014/main" id="{20F48B2E-082A-4346-BDE2-14909378C68D}"/>
               </a:ext>
             </a:extLst>
           </p:cNvPr>
@@ -3836,7 +7595,7 @@
           <a:p>
             <a:r>
               <a:rPr lang="en-GB" dirty="0"/>
-              <a:t>A few user stories</a:t>
+              <a:t>Git process and Version control</a:t>
             </a:r>
           </a:p>
         </p:txBody>
@@ -3846,7 +7605,7 @@
           <p:cNvPr id="3" name="Content Placeholder 2">
             <a:extLst>
               <a:ext uri="{FF2B5EF4-FFF2-40B4-BE49-F238E27FC236}">
-                <a16:creationId xmlns:a16="http://schemas.microsoft.com/office/drawing/2014/main" id="{60E176FE-0224-4659-9AEB-BBD14AB26E85}"/>
+                <a16:creationId xmlns:a16="http://schemas.microsoft.com/office/drawing/2014/main" id="{38F53443-DDB1-4AF0-98C9-5F9D2279100F}"/>
               </a:ext>
             </a:extLst>
           </p:cNvPr>
@@ -3862,14 +7621,77 @@
           <a:bodyPr/>
           <a:lstStyle/>
           <a:p>
-            <a:endParaRPr lang="en-GB"/>
-          </a:p>
-        </p:txBody>
-      </p:sp>
+            <a:r>
+              <a:rPr lang="en-GB" dirty="0"/>
+              <a:t>Feature branch model</a:t>
+            </a:r>
+          </a:p>
+        </p:txBody>
+      </p:sp>
+      <p:pic>
+        <p:nvPicPr>
+          <p:cNvPr id="4" name="Picture 3">
+            <a:extLst>
+              <a:ext uri="{FF2B5EF4-FFF2-40B4-BE49-F238E27FC236}">
+                <a16:creationId xmlns:a16="http://schemas.microsoft.com/office/drawing/2014/main" id="{4662CEA6-BB6D-459B-A01F-4530CCFBF31D}"/>
+              </a:ext>
+            </a:extLst>
+          </p:cNvPr>
+          <p:cNvPicPr>
+            <a:picLocks noChangeAspect="1"/>
+          </p:cNvPicPr>
+          <p:nvPr/>
+        </p:nvPicPr>
+        <p:blipFill>
+          <a:blip r:embed="rId2"/>
+          <a:stretch>
+            <a:fillRect/>
+          </a:stretch>
+        </p:blipFill>
+        <p:spPr>
+          <a:xfrm>
+            <a:off x="646111" y="3022962"/>
+            <a:ext cx="5699271" cy="2553226"/>
+          </a:xfrm>
+          <a:prstGeom prst="rect">
+            <a:avLst/>
+          </a:prstGeom>
+        </p:spPr>
+      </p:pic>
+      <p:pic>
+        <p:nvPicPr>
+          <p:cNvPr id="5" name="Picture 4">
+            <a:extLst>
+              <a:ext uri="{FF2B5EF4-FFF2-40B4-BE49-F238E27FC236}">
+                <a16:creationId xmlns:a16="http://schemas.microsoft.com/office/drawing/2014/main" id="{87720D8C-1C38-4CCD-9252-837468D861B7}"/>
+              </a:ext>
+            </a:extLst>
+          </p:cNvPr>
+          <p:cNvPicPr>
+            <a:picLocks noChangeAspect="1"/>
+          </p:cNvPicPr>
+          <p:nvPr/>
+        </p:nvPicPr>
+        <p:blipFill>
+          <a:blip r:embed="rId3"/>
+          <a:stretch>
+            <a:fillRect/>
+          </a:stretch>
+        </p:blipFill>
+        <p:spPr>
+          <a:xfrm>
+            <a:off x="6846650" y="1182255"/>
+            <a:ext cx="4699239" cy="5563647"/>
+          </a:xfrm>
+          <a:prstGeom prst="rect">
+            <a:avLst/>
+          </a:prstGeom>
+        </p:spPr>
+      </p:pic>
     </p:spTree>
     <p:extLst>
       <p:ext uri="{BB962C8B-B14F-4D97-AF65-F5344CB8AC3E}">
-        <p14:creationId xmlns:p14="http://schemas.microsoft.com/office/powerpoint/2010/main" val="775234854"/>
+        <p14:creationId xmlns:p14="http://schemas.microsoft.com/office/powerpoint/2010/main" val="4541002"/>
       </p:ext>
     </p:extLst>
   </p:cSld>
@@ -3901,7 +7723,7 @@
           <p:cNvPr id="2" name="Title 1">
             <a:extLst>
               <a:ext uri="{FF2B5EF4-FFF2-40B4-BE49-F238E27FC236}">
-                <a16:creationId xmlns:a16="http://schemas.microsoft.com/office/drawing/2014/main" id="{C55B9E74-6D2D-4AC9-B539-DE10F2246635}"/>
+                <a16:creationId xmlns:a16="http://schemas.microsoft.com/office/drawing/2014/main" id="{BEC39B8B-E180-4C07-95EF-B4E47859ABBE}"/>
               </a:ext>
             </a:extLst>
           </p:cNvPr>
@@ -3919,40 +7741,77 @@
           <a:p>
             <a:r>
               <a:rPr lang="en-GB" dirty="0"/>
-              <a:t>Sprint Reviews</a:t>
-            </a:r>
-          </a:p>
-        </p:txBody>
-      </p:sp>
-      <p:sp>
-        <p:nvSpPr>
-          <p:cNvPr id="3" name="Content Placeholder 2">
+              <a:t>Testing</a:t>
+            </a:r>
+          </a:p>
+        </p:txBody>
+      </p:sp>
+      <p:pic>
+        <p:nvPicPr>
+          <p:cNvPr id="4" name="Content Placeholder 3">
             <a:extLst>
               <a:ext uri="{FF2B5EF4-FFF2-40B4-BE49-F238E27FC236}">
-                <a16:creationId xmlns:a16="http://schemas.microsoft.com/office/drawing/2014/main" id="{DFA407A1-0468-47D0-8ACE-5D60879DC9B5}"/>
+                <a16:creationId xmlns:a16="http://schemas.microsoft.com/office/drawing/2014/main" id="{D9F7059D-AEBF-4A84-AC51-412EC117A488}"/>
               </a:ext>
             </a:extLst>
           </p:cNvPr>
-          <p:cNvSpPr>
-            <a:spLocks noGrp="1"/>
-          </p:cNvSpPr>
+          <p:cNvPicPr>
+            <a:picLocks noGrp="1" noChangeAspect="1"/>
+          </p:cNvPicPr>
           <p:nvPr>
             <p:ph idx="1"/>
           </p:nvPr>
-        </p:nvSpPr>
-        <p:spPr/>
-        <p:txBody>
-          <a:bodyPr/>
-          <a:lstStyle/>
-          <a:p>
-            <a:endParaRPr lang="en-GB"/>
-          </a:p>
-        </p:txBody>
-      </p:sp>
+        </p:nvPicPr>
+        <p:blipFill>
+          <a:blip r:embed="rId2"/>
+          <a:stretch>
+            <a:fillRect/>
+          </a:stretch>
+        </p:blipFill>
+        <p:spPr>
+          <a:xfrm>
+            <a:off x="825414" y="1998068"/>
+            <a:ext cx="3296110" cy="3362794"/>
+          </a:xfrm>
+          <a:prstGeom prst="rect">
+            <a:avLst/>
+          </a:prstGeom>
+        </p:spPr>
+      </p:pic>
+      <p:pic>
+        <p:nvPicPr>
+          <p:cNvPr id="5" name="Picture 4">
+            <a:extLst>
+              <a:ext uri="{FF2B5EF4-FFF2-40B4-BE49-F238E27FC236}">
+                <a16:creationId xmlns:a16="http://schemas.microsoft.com/office/drawing/2014/main" id="{AF9A9C37-5E86-4EB0-8A17-75A548E9D918}"/>
+              </a:ext>
+            </a:extLst>
+          </p:cNvPr>
+          <p:cNvPicPr>
+            <a:picLocks noChangeAspect="1"/>
+          </p:cNvPicPr>
+          <p:nvPr/>
+        </p:nvPicPr>
+        <p:blipFill>
+          <a:blip r:embed="rId3"/>
+          <a:stretch>
+            <a:fillRect/>
+          </a:stretch>
+        </p:blipFill>
+        <p:spPr>
+          <a:xfrm>
+            <a:off x="4431660" y="1998068"/>
+            <a:ext cx="7097115" cy="3362794"/>
+          </a:xfrm>
+          <a:prstGeom prst="rect">
+            <a:avLst/>
+          </a:prstGeom>
+        </p:spPr>
+      </p:pic>
     </p:spTree>
     <p:extLst>
       <p:ext uri="{BB962C8B-B14F-4D97-AF65-F5344CB8AC3E}">
-        <p14:creationId xmlns:p14="http://schemas.microsoft.com/office/powerpoint/2010/main" val="3134316201"/>
+        <p14:creationId xmlns:p14="http://schemas.microsoft.com/office/powerpoint/2010/main" val="92367633"/>
       </p:ext>
     </p:extLst>
   </p:cSld>
@@ -3984,7 +7843,7 @@
           <p:cNvPr id="2" name="Title 1">
             <a:extLst>
               <a:ext uri="{FF2B5EF4-FFF2-40B4-BE49-F238E27FC236}">
-                <a16:creationId xmlns:a16="http://schemas.microsoft.com/office/drawing/2014/main" id="{43FCECB5-A507-46E7-81AB-00AEADBB6DAD}"/>
+                <a16:creationId xmlns:a16="http://schemas.microsoft.com/office/drawing/2014/main" id="{E3A0A67A-B585-4BF7-A659-CAD2281AF3EA}"/>
               </a:ext>
             </a:extLst>
           </p:cNvPr>
@@ -3995,15 +7854,21 @@
             <p:ph type="title"/>
           </p:nvPr>
         </p:nvSpPr>
-        <p:spPr/>
+        <p:spPr>
+          <a:xfrm>
+            <a:off x="775420" y="609601"/>
+            <a:ext cx="9404723" cy="1400530"/>
+          </a:xfrm>
+        </p:spPr>
         <p:txBody>
           <a:bodyPr/>
           <a:lstStyle/>
           <a:p>
             <a:r>
-              <a:rPr lang="en-GB" dirty="0"/>
-              <a:t>Sprint Retros</a:t>
-            </a:r>
+              <a:rPr lang="en-US" dirty="0"/>
+              <a:t>Code Smells</a:t>
+            </a:r>
+            <a:endParaRPr lang="en-GB" dirty="0"/>
           </a:p>
         </p:txBody>
       </p:sp>
@@ -4012,7 +7877,7 @@
           <p:cNvPr id="3" name="Content Placeholder 2">
             <a:extLst>
               <a:ext uri="{FF2B5EF4-FFF2-40B4-BE49-F238E27FC236}">
-                <a16:creationId xmlns:a16="http://schemas.microsoft.com/office/drawing/2014/main" id="{761675EE-7E44-445E-878F-E8921AC18C0B}"/>
+                <a16:creationId xmlns:a16="http://schemas.microsoft.com/office/drawing/2014/main" id="{2DB466FA-3356-4D41-873C-A048CD38AF08}"/>
               </a:ext>
             </a:extLst>
           </p:cNvPr>
@@ -4023,12 +7888,7 @@
             <p:ph idx="1"/>
           </p:nvPr>
         </p:nvSpPr>
-        <p:spPr>
-          <a:xfrm>
-            <a:off x="838200" y="1800686"/>
-            <a:ext cx="10515600" cy="4351338"/>
-          </a:xfrm>
-        </p:spPr>
+        <p:spPr/>
         <p:txBody>
           <a:bodyPr/>
           <a:lstStyle/>
@@ -4037,10 +7897,66 @@
           </a:p>
         </p:txBody>
       </p:sp>
+      <p:pic>
+        <p:nvPicPr>
+          <p:cNvPr id="4" name="Picture 3">
+            <a:extLst>
+              <a:ext uri="{FF2B5EF4-FFF2-40B4-BE49-F238E27FC236}">
+                <a16:creationId xmlns:a16="http://schemas.microsoft.com/office/drawing/2014/main" id="{0413E6C6-FD7B-4629-A131-7515A40CB43F}"/>
+              </a:ext>
+            </a:extLst>
+          </p:cNvPr>
+          <p:cNvPicPr/>
+          <p:nvPr/>
+        </p:nvPicPr>
+        <p:blipFill>
+          <a:blip r:embed="rId2"/>
+          <a:stretch>
+            <a:fillRect/>
+          </a:stretch>
+        </p:blipFill>
+        <p:spPr>
+          <a:xfrm>
+            <a:off x="190272" y="2035174"/>
+            <a:ext cx="5837092" cy="4195481"/>
+          </a:xfrm>
+          <a:prstGeom prst="rect">
+            <a:avLst/>
+          </a:prstGeom>
+        </p:spPr>
+      </p:pic>
+      <p:pic>
+        <p:nvPicPr>
+          <p:cNvPr id="5" name="Picture 4">
+            <a:extLst>
+              <a:ext uri="{FF2B5EF4-FFF2-40B4-BE49-F238E27FC236}">
+                <a16:creationId xmlns:a16="http://schemas.microsoft.com/office/drawing/2014/main" id="{5DFA73D9-5E83-484C-BA27-3B74848A9F94}"/>
+              </a:ext>
+            </a:extLst>
+          </p:cNvPr>
+          <p:cNvPicPr/>
+          <p:nvPr/>
+        </p:nvPicPr>
+        <p:blipFill>
+          <a:blip r:embed="rId3"/>
+          <a:stretch>
+            <a:fillRect/>
+          </a:stretch>
+        </p:blipFill>
+        <p:spPr>
+          <a:xfrm>
+            <a:off x="6164638" y="2035174"/>
+            <a:ext cx="5731510" cy="4213225"/>
+          </a:xfrm>
+          <a:prstGeom prst="rect">
+            <a:avLst/>
+          </a:prstGeom>
+        </p:spPr>
+      </p:pic>
     </p:spTree>
     <p:extLst>
       <p:ext uri="{BB962C8B-B14F-4D97-AF65-F5344CB8AC3E}">
-        <p14:creationId xmlns:p14="http://schemas.microsoft.com/office/powerpoint/2010/main" val="3636907416"/>
+        <p14:creationId xmlns:p14="http://schemas.microsoft.com/office/powerpoint/2010/main" val="2728710646"/>
       </p:ext>
     </p:extLst>
   </p:cSld>
@@ -4072,7 +7988,7 @@
           <p:cNvPr id="2" name="Title 1">
             <a:extLst>
               <a:ext uri="{FF2B5EF4-FFF2-40B4-BE49-F238E27FC236}">
-                <a16:creationId xmlns:a16="http://schemas.microsoft.com/office/drawing/2014/main" id="{4285A37B-2282-4DCF-9E18-438ABB3C6A3C}"/>
+                <a16:creationId xmlns:a16="http://schemas.microsoft.com/office/drawing/2014/main" id="{04D5A510-D149-477C-B751-6A995B46B84C}"/>
               </a:ext>
             </a:extLst>
           </p:cNvPr>
@@ -4090,40 +8006,159 @@
           <a:p>
             <a:r>
               <a:rPr lang="en-GB" dirty="0"/>
-              <a:t>Final thoughts</a:t>
-            </a:r>
-          </a:p>
-        </p:txBody>
-      </p:sp>
-      <p:sp>
-        <p:nvSpPr>
-          <p:cNvPr id="3" name="Content Placeholder 2">
+              <a:t>A few user stories</a:t>
+            </a:r>
+          </a:p>
+        </p:txBody>
+      </p:sp>
+      <p:pic>
+        <p:nvPicPr>
+          <p:cNvPr id="4" name="Content Placeholder 3">
             <a:extLst>
               <a:ext uri="{FF2B5EF4-FFF2-40B4-BE49-F238E27FC236}">
-                <a16:creationId xmlns:a16="http://schemas.microsoft.com/office/drawing/2014/main" id="{A3596454-37B5-41C3-9F3D-0E50456CFC6D}"/>
+                <a16:creationId xmlns:a16="http://schemas.microsoft.com/office/drawing/2014/main" id="{146042D5-4E00-4A9F-8B29-5BB8A2CD27C8}"/>
               </a:ext>
             </a:extLst>
           </p:cNvPr>
-          <p:cNvSpPr>
-            <a:spLocks noGrp="1"/>
-          </p:cNvSpPr>
+          <p:cNvPicPr>
+            <a:picLocks noGrp="1" noChangeAspect="1"/>
+          </p:cNvPicPr>
           <p:nvPr>
             <p:ph idx="1"/>
           </p:nvPr>
-        </p:nvSpPr>
-        <p:spPr/>
-        <p:txBody>
-          <a:bodyPr/>
+        </p:nvPicPr>
+        <p:blipFill>
+          <a:blip r:embed="rId2"/>
+          <a:stretch>
+            <a:fillRect/>
+          </a:stretch>
+        </p:blipFill>
+        <p:spPr>
+          <a:xfrm>
+            <a:off x="1133157" y="1453066"/>
+            <a:ext cx="3595861" cy="1687094"/>
+          </a:xfrm>
+          <a:prstGeom prst="rect">
+            <a:avLst/>
+          </a:prstGeom>
+        </p:spPr>
+      </p:pic>
+      <p:pic>
+        <p:nvPicPr>
+          <p:cNvPr id="5" name="Picture 4">
+            <a:extLst>
+              <a:ext uri="{FF2B5EF4-FFF2-40B4-BE49-F238E27FC236}">
+                <a16:creationId xmlns:a16="http://schemas.microsoft.com/office/drawing/2014/main" id="{FC5C0342-B126-4B7A-84DC-DBDF3C9ACB55}"/>
+              </a:ext>
+            </a:extLst>
+          </p:cNvPr>
+          <p:cNvPicPr>
+            <a:picLocks noChangeAspect="1"/>
+          </p:cNvPicPr>
+          <p:nvPr/>
+        </p:nvPicPr>
+        <p:blipFill>
+          <a:blip r:embed="rId3"/>
+          <a:stretch>
+            <a:fillRect/>
+          </a:stretch>
+        </p:blipFill>
+        <p:spPr>
+          <a:xfrm>
+            <a:off x="5015346" y="1453066"/>
+            <a:ext cx="6256390" cy="1686592"/>
+          </a:xfrm>
+          <a:prstGeom prst="rect">
+            <a:avLst/>
+          </a:prstGeom>
+        </p:spPr>
+      </p:pic>
+      <p:pic>
+        <p:nvPicPr>
+          <p:cNvPr id="6" name="Picture 5">
+            <a:extLst>
+              <a:ext uri="{FF2B5EF4-FFF2-40B4-BE49-F238E27FC236}">
+                <a16:creationId xmlns:a16="http://schemas.microsoft.com/office/drawing/2014/main" id="{F8C14A31-2604-4B94-9524-40EC10B16B44}"/>
+              </a:ext>
+            </a:extLst>
+          </p:cNvPr>
+          <p:cNvPicPr>
+            <a:picLocks noChangeAspect="1"/>
+          </p:cNvPicPr>
+          <p:nvPr/>
+        </p:nvPicPr>
+        <p:blipFill>
+          <a:blip r:embed="rId4"/>
+          <a:stretch>
+            <a:fillRect/>
+          </a:stretch>
+        </p:blipFill>
+        <p:spPr>
+          <a:xfrm>
+            <a:off x="1133157" y="3367743"/>
+            <a:ext cx="10146545" cy="2870200"/>
+          </a:xfrm>
+          <a:prstGeom prst="rect">
+            <a:avLst/>
+          </a:prstGeom>
+        </p:spPr>
+      </p:pic>
+      <p:sp>
+        <p:nvSpPr>
+          <p:cNvPr id="7" name="Oval 6">
+            <a:extLst>
+              <a:ext uri="{FF2B5EF4-FFF2-40B4-BE49-F238E27FC236}">
+                <a16:creationId xmlns:a16="http://schemas.microsoft.com/office/drawing/2014/main" id="{74ECFABF-2F8F-40B8-BD68-08B7F9718D7B}"/>
+              </a:ext>
+            </a:extLst>
+          </p:cNvPr>
+          <p:cNvSpPr/>
+          <p:nvPr/>
+        </p:nvSpPr>
+        <p:spPr>
+          <a:xfrm>
+            <a:off x="6096000" y="4359564"/>
+            <a:ext cx="1080655" cy="471054"/>
+          </a:xfrm>
+          <a:prstGeom prst="ellipse">
+            <a:avLst/>
+          </a:prstGeom>
+          <a:noFill/>
+          <a:ln>
+            <a:solidFill>
+              <a:srgbClr val="FF0000"/>
+            </a:solidFill>
+          </a:ln>
+        </p:spPr>
+        <p:style>
+          <a:lnRef idx="2">
+            <a:schemeClr val="accent1">
+              <a:shade val="50000"/>
+            </a:schemeClr>
+          </a:lnRef>
+          <a:fillRef idx="1">
+            <a:schemeClr val="accent1"/>
+          </a:fillRef>
+          <a:effectRef idx="0">
+            <a:schemeClr val="accent1"/>
+          </a:effectRef>
+          <a:fontRef idx="minor">
+            <a:schemeClr val="lt1"/>
+          </a:fontRef>
+        </p:style>
+        <p:txBody>
+          <a:bodyPr rtlCol="0" anchor="ctr"/>
           <a:lstStyle/>
           <a:p>
-            <a:endParaRPr lang="en-GB" dirty="0"/>
+            <a:pPr algn="ctr"/>
+            <a:endParaRPr lang="en-GB"/>
           </a:p>
         </p:txBody>
       </p:sp>
     </p:spTree>
     <p:extLst>
       <p:ext uri="{BB962C8B-B14F-4D97-AF65-F5344CB8AC3E}">
-        <p14:creationId xmlns:p14="http://schemas.microsoft.com/office/powerpoint/2010/main" val="2598945888"/>
+        <p14:creationId xmlns:p14="http://schemas.microsoft.com/office/powerpoint/2010/main" val="775234854"/>
       </p:ext>
     </p:extLst>
   </p:cSld>
@@ -4134,9 +8169,9 @@
 </file>
 
 <file path=ppt/theme/theme1.xml><?xml version="1.0" encoding="utf-8"?>
-<a:theme xmlns:a="http://schemas.openxmlformats.org/drawingml/2006/main" name="Office Theme">
+<a:theme xmlns:a="http://schemas.openxmlformats.org/drawingml/2006/main" name="Ion">
   <a:themeElements>
-    <a:clrScheme name="Office">
+    <a:clrScheme name="Ion">
       <a:dk1>
         <a:sysClr val="windowText" lastClr="000000"/>
       </a:dk1>
@@ -4144,44 +8179,44 @@
         <a:sysClr val="window" lastClr="FFFFFF"/>
       </a:lt1>
       <a:dk2>
-        <a:srgbClr val="44546A"/>
+        <a:srgbClr val="0E5580"/>
       </a:dk2>
       <a:lt2>
-        <a:srgbClr val="E7E6E6"/>
+        <a:srgbClr val="EBEBEB"/>
       </a:lt2>
       <a:accent1>
-        <a:srgbClr val="4472C4"/>
+        <a:srgbClr val="ACD433"/>
       </a:accent1>
       <a:accent2>
-        <a:srgbClr val="ED7D31"/>
+        <a:srgbClr val="E6C133"/>
       </a:accent2>
       <a:accent3>
-        <a:srgbClr val="A5A5A5"/>
+        <a:srgbClr val="EF7A24"/>
       </a:accent3>
       <a:accent4>
-        <a:srgbClr val="FFC000"/>
+        <a:srgbClr val="5AA0F5"/>
       </a:accent4>
       <a:accent5>
-        <a:srgbClr val="5B9BD5"/>
+        <a:srgbClr val="75CEEC"/>
       </a:accent5>
       <a:accent6>
-        <a:srgbClr val="70AD47"/>
+        <a:srgbClr val="65D6A0"/>
       </a:accent6>
       <a:hlink>
-        <a:srgbClr val="0563C1"/>
+        <a:srgbClr val="C4E46E"/>
       </a:hlink>
       <a:folHlink>
-        <a:srgbClr val="954F72"/>
+        <a:srgbClr val="BDE0FB"/>
       </a:folHlink>
     </a:clrScheme>
-    <a:fontScheme name="Office">
+    <a:fontScheme name="Ion">
       <a:majorFont>
-        <a:latin typeface="Calibri Light" panose="020F0302020204030204"/>
+        <a:latin typeface="Century Gothic" panose="020B0502020202020204"/>
         <a:ea typeface=""/>
         <a:cs typeface=""/>
-        <a:font script="Jpan" typeface="游ゴシック Light"/>
+        <a:font script="Jpan" typeface="メイリオ"/>
         <a:font script="Hang" typeface="맑은 고딕"/>
-        <a:font script="Hans" typeface="等线 Light"/>
+        <a:font script="Hans" typeface="宋体"/>
         <a:font script="Hant" typeface="新細明體"/>
         <a:font script="Arab" typeface="Times New Roman"/>
         <a:font script="Hebr" typeface="Times New Roman"/>
@@ -4209,31 +8244,14 @@
         <a:font script="Viet" typeface="Times New Roman"/>
         <a:font script="Uigh" typeface="Microsoft Uighur"/>
         <a:font script="Geor" typeface="Sylfaen"/>
-        <a:font script="Armn" typeface="Arial"/>
-        <a:font script="Bugi" typeface="Leelawadee UI"/>
-        <a:font script="Bopo" typeface="Microsoft JhengHei"/>
-        <a:font script="Java" typeface="Javanese Text"/>
-        <a:font script="Lisu" typeface="Segoe UI"/>
-        <a:font script="Mymr" typeface="Myanmar Text"/>
-        <a:font script="Nkoo" typeface="Ebrima"/>
-        <a:font script="Olck" typeface="Nirmala UI"/>
-        <a:font script="Osma" typeface="Ebrima"/>
-        <a:font script="Phag" typeface="Phagspa"/>
-        <a:font script="Syrn" typeface="Estrangelo Edessa"/>
-        <a:font script="Syrj" typeface="Estrangelo Edessa"/>
-        <a:font script="Syre" typeface="Estrangelo Edessa"/>
-        <a:font script="Sora" typeface="Nirmala UI"/>
-        <a:font script="Tale" typeface="Microsoft Tai Le"/>
-        <a:font script="Talu" typeface="Microsoft New Tai Lue"/>
-        <a:font script="Tfng" typeface="Ebrima"/>
       </a:majorFont>
       <a:minorFont>
-        <a:latin typeface="Calibri" panose="020F0502020204030204"/>
+        <a:latin typeface="Century Gothic" panose="020B0502020202020204"/>
         <a:ea typeface=""/>
         <a:cs typeface=""/>
-        <a:font script="Jpan" typeface="游ゴシック"/>
+        <a:font script="Jpan" typeface="メイリオ"/>
         <a:font script="Hang" typeface="맑은 고딕"/>
-        <a:font script="Hans" typeface="等线"/>
+        <a:font script="Hans" typeface="宋体"/>
         <a:font script="Hant" typeface="新細明體"/>
         <a:font script="Arab" typeface="Arial"/>
         <a:font script="Hebr" typeface="Arial"/>
@@ -4261,26 +8279,9 @@
         <a:font script="Viet" typeface="Arial"/>
         <a:font script="Uigh" typeface="Microsoft Uighur"/>
         <a:font script="Geor" typeface="Sylfaen"/>
-        <a:font script="Armn" typeface="Arial"/>
-        <a:font script="Bugi" typeface="Leelawadee UI"/>
-        <a:font script="Bopo" typeface="Microsoft JhengHei"/>
-        <a:font script="Java" typeface="Javanese Text"/>
-        <a:font script="Lisu" typeface="Segoe UI"/>
-        <a:font script="Mymr" typeface="Myanmar Text"/>
-        <a:font script="Nkoo" typeface="Ebrima"/>
-        <a:font script="Olck" typeface="Nirmala UI"/>
-        <a:font script="Osma" typeface="Ebrima"/>
-        <a:font script="Phag" typeface="Phagspa"/>
-        <a:font script="Syrn" typeface="Estrangelo Edessa"/>
-        <a:font script="Syrj" typeface="Estrangelo Edessa"/>
-        <a:font script="Syre" typeface="Estrangelo Edessa"/>
-        <a:font script="Sora" typeface="Nirmala UI"/>
-        <a:font script="Tale" typeface="Microsoft Tai Le"/>
-        <a:font script="Talu" typeface="Microsoft New Tai Lue"/>
-        <a:font script="Tfng" typeface="Ebrima"/>
       </a:minorFont>
     </a:fontScheme>
-    <a:fmtScheme name="Office">
+    <a:fmtScheme name="Ion">
       <a:fillStyleLst>
         <a:solidFill>
           <a:schemeClr val="phClr"/>
@@ -4289,23 +8290,15 @@
           <a:gsLst>
             <a:gs pos="0">
               <a:schemeClr val="phClr">
-                <a:lumMod val="110000"/>
-                <a:satMod val="105000"/>
-                <a:tint val="67000"/>
-              </a:schemeClr>
-            </a:gs>
-            <a:gs pos="50000">
-              <a:schemeClr val="phClr">
-                <a:lumMod val="105000"/>
-                <a:satMod val="103000"/>
-                <a:tint val="73000"/>
+                <a:tint val="64000"/>
+                <a:lumMod val="118000"/>
               </a:schemeClr>
             </a:gs>
             <a:gs pos="100000">
               <a:schemeClr val="phClr">
-                <a:lumMod val="105000"/>
-                <a:satMod val="109000"/>
-                <a:tint val="81000"/>
+                <a:tint val="92000"/>
+                <a:alpha val="100000"/>
+                <a:lumMod val="110000"/>
               </a:schemeClr>
             </a:gs>
           </a:gsLst>
@@ -4315,23 +8308,14 @@
           <a:gsLst>
             <a:gs pos="0">
               <a:schemeClr val="phClr">
-                <a:satMod val="103000"/>
-                <a:lumMod val="102000"/>
-                <a:tint val="94000"/>
-              </a:schemeClr>
-            </a:gs>
-            <a:gs pos="50000">
-              <a:schemeClr val="phClr">
-                <a:satMod val="110000"/>
-                <a:lumMod val="100000"/>
-                <a:shade val="100000"/>
+                <a:tint val="98000"/>
+                <a:lumMod val="114000"/>
               </a:schemeClr>
             </a:gs>
             <a:gs pos="100000">
               <a:schemeClr val="phClr">
-                <a:lumMod val="99000"/>
-                <a:satMod val="120000"/>
-                <a:shade val="78000"/>
+                <a:shade val="90000"/>
+                <a:lumMod val="84000"/>
               </a:schemeClr>
             </a:gs>
           </a:gsLst>
@@ -4339,26 +8323,23 @@
         </a:gradFill>
       </a:fillStyleLst>
       <a:lnStyleLst>
-        <a:ln w="6350" cap="flat" cmpd="sng" algn="ctr">
+        <a:ln w="9525" cap="rnd" cmpd="sng" algn="ctr">
           <a:solidFill>
             <a:schemeClr val="phClr"/>
           </a:solidFill>
           <a:prstDash val="solid"/>
-          <a:miter lim="800000"/>
         </a:ln>
-        <a:ln w="12700" cap="flat" cmpd="sng" algn="ctr">
+        <a:ln w="19050" cap="rnd" cmpd="sng" algn="ctr">
           <a:solidFill>
             <a:schemeClr val="phClr"/>
           </a:solidFill>
           <a:prstDash val="solid"/>
-          <a:miter lim="800000"/>
         </a:ln>
-        <a:ln w="19050" cap="flat" cmpd="sng" algn="ctr">
+        <a:ln w="28575" cap="rnd" cmpd="sng" algn="ctr">
           <a:solidFill>
             <a:schemeClr val="phClr"/>
           </a:solidFill>
           <a:prstDash val="solid"/>
-          <a:miter lim="800000"/>
         </a:ln>
       </a:lnStyleLst>
       <a:effectStyleLst>
@@ -4366,55 +8347,79 @@
           <a:effectLst/>
         </a:effectStyle>
         <a:effectStyle>
-          <a:effectLst/>
+          <a:effectLst>
+            <a:outerShdw blurRad="38100" dist="25400" dir="5400000" rotWithShape="0">
+              <a:srgbClr val="000000">
+                <a:alpha val="45000"/>
+              </a:srgbClr>
+            </a:outerShdw>
+          </a:effectLst>
         </a:effectStyle>
         <a:effectStyle>
           <a:effectLst>
-            <a:outerShdw blurRad="57150" dist="19050" dir="5400000" algn="ctr" rotWithShape="0">
+            <a:outerShdw blurRad="63500" dist="38100" dir="5400000" rotWithShape="0">
               <a:srgbClr val="000000">
-                <a:alpha val="63000"/>
+                <a:alpha val="60000"/>
               </a:srgbClr>
             </a:outerShdw>
           </a:effectLst>
+          <a:scene3d>
+            <a:camera prst="orthographicFront">
+              <a:rot lat="0" lon="0" rev="0"/>
+            </a:camera>
+            <a:lightRig rig="threePt" dir="tl"/>
+          </a:scene3d>
+          <a:sp3d prstMaterial="plastic">
+            <a:bevelT w="0" h="0"/>
+          </a:sp3d>
         </a:effectStyle>
       </a:effectStyleLst>
       <a:bgFillStyleLst>
         <a:solidFill>
           <a:schemeClr val="phClr"/>
         </a:solidFill>
-        <a:solidFill>
-          <a:schemeClr val="phClr">
-            <a:tint val="95000"/>
-            <a:satMod val="170000"/>
-          </a:schemeClr>
-        </a:solidFill>
         <a:gradFill rotWithShape="1">
           <a:gsLst>
             <a:gs pos="0">
               <a:schemeClr val="phClr">
-                <a:tint val="93000"/>
-                <a:satMod val="150000"/>
-                <a:shade val="98000"/>
-                <a:lumMod val="102000"/>
-              </a:schemeClr>
-            </a:gs>
-            <a:gs pos="50000">
-              <a:schemeClr val="phClr">
-                <a:tint val="98000"/>
-                <a:satMod val="130000"/>
-                <a:shade val="90000"/>
-                <a:lumMod val="103000"/>
+                <a:tint val="92000"/>
+                <a:hueMod val="96000"/>
+                <a:satMod val="128000"/>
+                <a:lumMod val="114000"/>
               </a:schemeClr>
             </a:gs>
             <a:gs pos="100000">
               <a:schemeClr val="phClr">
-                <a:shade val="63000"/>
-                <a:satMod val="120000"/>
+                <a:shade val="62000"/>
+                <a:hueMod val="100000"/>
+                <a:satMod val="134000"/>
+                <a:lumMod val="56000"/>
               </a:schemeClr>
             </a:gs>
           </a:gsLst>
-          <a:lin ang="5400000" scaled="0"/>
+          <a:path path="circle">
+            <a:fillToRect l="45000" t="65000" r="125000" b="100000"/>
+          </a:path>
         </a:gradFill>
+        <a:blipFill rotWithShape="1">
+          <a:blip xmlns:r="http://schemas.openxmlformats.org/officeDocument/2006/relationships" r:embed="rId1">
+            <a:duotone>
+              <a:schemeClr val="phClr">
+                <a:shade val="62000"/>
+                <a:hueMod val="108000"/>
+                <a:satMod val="164000"/>
+                <a:lumMod val="69000"/>
+              </a:schemeClr>
+              <a:schemeClr val="phClr">
+                <a:tint val="96000"/>
+                <a:hueMod val="90000"/>
+                <a:satMod val="130000"/>
+                <a:lumMod val="134000"/>
+              </a:schemeClr>
+            </a:duotone>
+          </a:blip>
+          <a:stretch/>
+        </a:blipFill>
       </a:bgFillStyleLst>
     </a:fmtScheme>
   </a:themeElements>
@@ -4422,7 +8427,7 @@
   <a:extraClrSchemeLst/>
   <a:extLst>
     <a:ext uri="{05A4C25C-085E-4340-85A3-A5531E510DB2}">
-      <thm15:themeFamily xmlns:thm15="http://schemas.microsoft.com/office/thememl/2012/main" name="Office Theme" id="{62F939B6-93AF-4DB8-9C6B-D6C7DFDC589F}" vid="{4A3C46E8-61CC-4603-A589-7422A47A8E4A}"/>
+      <thm15:themeFamily xmlns:thm15="http://schemas.microsoft.com/office/thememl/2012/main" name="Ion" id="{B8441ADB-2E43-4AF7-B97A-BD870242C6A8}" vid="{BACC050B-8757-4460-95D8-E37B46A6B421}"/>
     </a:ext>
   </a:extLst>
 </a:theme>
